--- a/M2/pfriffi1_xiaoxiaj_m2_slides.pptx
+++ b/M2/pfriffi1_xiaoxiaj_m2_slides.pptx
@@ -1,12 +1,19 @@
 
 <file path=ppt/presentation.xml><?xml version="1.0" encoding="utf-8"?>
-<p:presentation xmlns:a="http://schemas.openxmlformats.org/drawingml/2006/main" xmlns:r="http://schemas.openxmlformats.org/officeDocument/2006/relationships" xmlns:p="http://schemas.openxmlformats.org/presentationml/2006/main" strictFirstAndLastChars="0" saveSubsetFonts="1">
+<p:presentation xmlns:a="http://schemas.openxmlformats.org/drawingml/2006/main" xmlns:r="http://schemas.openxmlformats.org/officeDocument/2006/relationships" xmlns:p="http://schemas.openxmlformats.org/presentationml/2006/main" showSpecialPlsOnTitleSld="0" strictFirstAndLastChars="0" saveSubsetFonts="1">
   <p:sldMasterIdLst>
     <p:sldMasterId id="2147483648" r:id="rId1"/>
   </p:sldMasterIdLst>
+  <p:notesMasterIdLst>
+    <p:notesMasterId r:id="rId8"/>
+  </p:notesMasterIdLst>
   <p:sldIdLst>
     <p:sldId id="256" r:id="rId2"/>
     <p:sldId id="257" r:id="rId3"/>
+    <p:sldId id="262" r:id="rId4"/>
+    <p:sldId id="258" r:id="rId5"/>
+    <p:sldId id="259" r:id="rId6"/>
+    <p:sldId id="261" r:id="rId7"/>
   </p:sldIdLst>
   <p:sldSz cx="9144000" cy="6858000" type="screen4x3"/>
   <p:notesSz cx="6934200" cy="9080500"/>
@@ -154,6 +161,356 @@
 </p:presentation>
 </file>
 
+<file path=ppt/notesMasters/notesMaster1.xml><?xml version="1.0" encoding="utf-8"?>
+<p:notesMaster xmlns:a="http://schemas.openxmlformats.org/drawingml/2006/main" xmlns:r="http://schemas.openxmlformats.org/officeDocument/2006/relationships" xmlns:p="http://schemas.openxmlformats.org/presentationml/2006/main">
+  <p:cSld>
+    <p:bg>
+      <p:bgRef idx="1001">
+        <a:schemeClr val="bg1"/>
+      </p:bgRef>
+    </p:bg>
+    <p:spTree>
+      <p:nvGrpSpPr>
+        <p:cNvPr id="1" name=""/>
+        <p:cNvGrpSpPr/>
+        <p:nvPr/>
+      </p:nvGrpSpPr>
+      <p:grpSpPr>
+        <a:xfrm>
+          <a:off x="0" y="0"/>
+          <a:ext cx="0" cy="0"/>
+          <a:chOff x="0" y="0"/>
+          <a:chExt cx="0" cy="0"/>
+        </a:xfrm>
+      </p:grpSpPr>
+      <p:sp>
+        <p:nvSpPr>
+          <p:cNvPr id="2" name="Header Placeholder 1"/>
+          <p:cNvSpPr>
+            <a:spLocks noGrp="1"/>
+          </p:cNvSpPr>
+          <p:nvPr>
+            <p:ph type="hdr" sz="quarter"/>
+          </p:nvPr>
+        </p:nvSpPr>
+        <p:spPr>
+          <a:xfrm>
+            <a:off x="0" y="0"/>
+            <a:ext cx="3005138" cy="455613"/>
+          </a:xfrm>
+          <a:prstGeom prst="rect">
+            <a:avLst/>
+          </a:prstGeom>
+        </p:spPr>
+        <p:txBody>
+          <a:bodyPr vert="horz" lIns="91440" tIns="45720" rIns="91440" bIns="45720" rtlCol="0"/>
+          <a:lstStyle>
+            <a:lvl1pPr algn="l">
+              <a:defRPr sz="1200"/>
+            </a:lvl1pPr>
+          </a:lstStyle>
+          <a:p>
+            <a:endParaRPr lang="en-US"/>
+          </a:p>
+        </p:txBody>
+      </p:sp>
+      <p:sp>
+        <p:nvSpPr>
+          <p:cNvPr id="3" name="Date Placeholder 2"/>
+          <p:cNvSpPr>
+            <a:spLocks noGrp="1"/>
+          </p:cNvSpPr>
+          <p:nvPr>
+            <p:ph type="dt" idx="1"/>
+          </p:nvPr>
+        </p:nvSpPr>
+        <p:spPr>
+          <a:xfrm>
+            <a:off x="3927475" y="0"/>
+            <a:ext cx="3005138" cy="455613"/>
+          </a:xfrm>
+          <a:prstGeom prst="rect">
+            <a:avLst/>
+          </a:prstGeom>
+        </p:spPr>
+        <p:txBody>
+          <a:bodyPr vert="horz" lIns="91440" tIns="45720" rIns="91440" bIns="45720" rtlCol="0"/>
+          <a:lstStyle>
+            <a:lvl1pPr algn="r">
+              <a:defRPr sz="1200"/>
+            </a:lvl1pPr>
+          </a:lstStyle>
+          <a:p>
+            <a:fld id="{21AACA94-EF5F-467D-ACD5-1C03865729BF}" type="datetimeFigureOut">
+              <a:rPr lang="en-US" smtClean="0"/>
+              <a:t>11/8/2016</a:t>
+            </a:fld>
+            <a:endParaRPr lang="en-US"/>
+          </a:p>
+        </p:txBody>
+      </p:sp>
+      <p:sp>
+        <p:nvSpPr>
+          <p:cNvPr id="4" name="Slide Image Placeholder 3"/>
+          <p:cNvSpPr>
+            <a:spLocks noGrp="1" noRot="1" noChangeAspect="1"/>
+          </p:cNvSpPr>
+          <p:nvPr>
+            <p:ph type="sldImg" idx="2"/>
+          </p:nvPr>
+        </p:nvSpPr>
+        <p:spPr>
+          <a:xfrm>
+            <a:off x="1423988" y="1135063"/>
+            <a:ext cx="4086225" cy="3065462"/>
+          </a:xfrm>
+          <a:prstGeom prst="rect">
+            <a:avLst/>
+          </a:prstGeom>
+          <a:noFill/>
+          <a:ln w="12700">
+            <a:solidFill>
+              <a:prstClr val="black"/>
+            </a:solidFill>
+          </a:ln>
+        </p:spPr>
+        <p:txBody>
+          <a:bodyPr vert="horz" lIns="91440" tIns="45720" rIns="91440" bIns="45720" rtlCol="0" anchor="ctr"/>
+          <a:lstStyle/>
+          <a:p>
+            <a:endParaRPr lang="en-US"/>
+          </a:p>
+        </p:txBody>
+      </p:sp>
+      <p:sp>
+        <p:nvSpPr>
+          <p:cNvPr id="5" name="Notes Placeholder 4"/>
+          <p:cNvSpPr>
+            <a:spLocks noGrp="1"/>
+          </p:cNvSpPr>
+          <p:nvPr>
+            <p:ph type="body" sz="quarter" idx="3"/>
+          </p:nvPr>
+        </p:nvSpPr>
+        <p:spPr>
+          <a:xfrm>
+            <a:off x="693738" y="4370388"/>
+            <a:ext cx="5546725" cy="3575050"/>
+          </a:xfrm>
+          <a:prstGeom prst="rect">
+            <a:avLst/>
+          </a:prstGeom>
+        </p:spPr>
+        <p:txBody>
+          <a:bodyPr vert="horz" lIns="91440" tIns="45720" rIns="91440" bIns="45720" rtlCol="0"/>
+          <a:lstStyle/>
+          <a:p>
+            <a:pPr lvl="0"/>
+            <a:r>
+              <a:rPr lang="en-US" smtClean="0"/>
+              <a:t>Click to edit Master text styles</a:t>
+            </a:r>
+          </a:p>
+          <a:p>
+            <a:pPr lvl="1"/>
+            <a:r>
+              <a:rPr lang="en-US" smtClean="0"/>
+              <a:t>Second level</a:t>
+            </a:r>
+          </a:p>
+          <a:p>
+            <a:pPr lvl="2"/>
+            <a:r>
+              <a:rPr lang="en-US" smtClean="0"/>
+              <a:t>Third level</a:t>
+            </a:r>
+          </a:p>
+          <a:p>
+            <a:pPr lvl="3"/>
+            <a:r>
+              <a:rPr lang="en-US" smtClean="0"/>
+              <a:t>Fourth level</a:t>
+            </a:r>
+          </a:p>
+          <a:p>
+            <a:pPr lvl="4"/>
+            <a:r>
+              <a:rPr lang="en-US" smtClean="0"/>
+              <a:t>Fifth level</a:t>
+            </a:r>
+            <a:endParaRPr lang="en-US"/>
+          </a:p>
+        </p:txBody>
+      </p:sp>
+      <p:sp>
+        <p:nvSpPr>
+          <p:cNvPr id="6" name="Footer Placeholder 5"/>
+          <p:cNvSpPr>
+            <a:spLocks noGrp="1"/>
+          </p:cNvSpPr>
+          <p:nvPr>
+            <p:ph type="ftr" sz="quarter" idx="4"/>
+          </p:nvPr>
+        </p:nvSpPr>
+        <p:spPr>
+          <a:xfrm>
+            <a:off x="0" y="8624888"/>
+            <a:ext cx="3005138" cy="455612"/>
+          </a:xfrm>
+          <a:prstGeom prst="rect">
+            <a:avLst/>
+          </a:prstGeom>
+        </p:spPr>
+        <p:txBody>
+          <a:bodyPr vert="horz" lIns="91440" tIns="45720" rIns="91440" bIns="45720" rtlCol="0" anchor="b"/>
+          <a:lstStyle>
+            <a:lvl1pPr algn="l">
+              <a:defRPr sz="1200"/>
+            </a:lvl1pPr>
+          </a:lstStyle>
+          <a:p>
+            <a:endParaRPr lang="en-US"/>
+          </a:p>
+        </p:txBody>
+      </p:sp>
+      <p:sp>
+        <p:nvSpPr>
+          <p:cNvPr id="7" name="Slide Number Placeholder 6"/>
+          <p:cNvSpPr>
+            <a:spLocks noGrp="1"/>
+          </p:cNvSpPr>
+          <p:nvPr>
+            <p:ph type="sldNum" sz="quarter" idx="5"/>
+          </p:nvPr>
+        </p:nvSpPr>
+        <p:spPr>
+          <a:xfrm>
+            <a:off x="3927475" y="8624888"/>
+            <a:ext cx="3005138" cy="455612"/>
+          </a:xfrm>
+          <a:prstGeom prst="rect">
+            <a:avLst/>
+          </a:prstGeom>
+        </p:spPr>
+        <p:txBody>
+          <a:bodyPr vert="horz" lIns="91440" tIns="45720" rIns="91440" bIns="45720" rtlCol="0" anchor="b"/>
+          <a:lstStyle>
+            <a:lvl1pPr algn="r">
+              <a:defRPr sz="1200"/>
+            </a:lvl1pPr>
+          </a:lstStyle>
+          <a:p>
+            <a:fld id="{EA6A032D-855B-43F1-A39C-94BD45E95AAF}" type="slidenum">
+              <a:rPr lang="en-US" smtClean="0"/>
+              <a:t>‹#›</a:t>
+            </a:fld>
+            <a:endParaRPr lang="en-US"/>
+          </a:p>
+        </p:txBody>
+      </p:sp>
+    </p:spTree>
+    <p:extLst>
+      <p:ext uri="{BB962C8B-B14F-4D97-AF65-F5344CB8AC3E}">
+        <p14:creationId xmlns:p14="http://schemas.microsoft.com/office/powerpoint/2010/main" val="2231942364"/>
+      </p:ext>
+    </p:extLst>
+  </p:cSld>
+  <p:clrMap bg1="lt1" tx1="dk1" bg2="lt2" tx2="dk2" accent1="accent1" accent2="accent2" accent3="accent3" accent4="accent4" accent5="accent5" accent6="accent6" hlink="hlink" folHlink="folHlink"/>
+  <p:notesStyle>
+    <a:lvl1pPr marL="0" algn="l" defTabSz="914400" rtl="0" eaLnBrk="1" latinLnBrk="0" hangingPunct="1">
+      <a:defRPr sz="1200" kern="1200">
+        <a:solidFill>
+          <a:schemeClr val="tx1"/>
+        </a:solidFill>
+        <a:latin typeface="+mn-lt"/>
+        <a:ea typeface="+mn-ea"/>
+        <a:cs typeface="+mn-cs"/>
+      </a:defRPr>
+    </a:lvl1pPr>
+    <a:lvl2pPr marL="457200" algn="l" defTabSz="914400" rtl="0" eaLnBrk="1" latinLnBrk="0" hangingPunct="1">
+      <a:defRPr sz="1200" kern="1200">
+        <a:solidFill>
+          <a:schemeClr val="tx1"/>
+        </a:solidFill>
+        <a:latin typeface="+mn-lt"/>
+        <a:ea typeface="+mn-ea"/>
+        <a:cs typeface="+mn-cs"/>
+      </a:defRPr>
+    </a:lvl2pPr>
+    <a:lvl3pPr marL="914400" algn="l" defTabSz="914400" rtl="0" eaLnBrk="1" latinLnBrk="0" hangingPunct="1">
+      <a:defRPr sz="1200" kern="1200">
+        <a:solidFill>
+          <a:schemeClr val="tx1"/>
+        </a:solidFill>
+        <a:latin typeface="+mn-lt"/>
+        <a:ea typeface="+mn-ea"/>
+        <a:cs typeface="+mn-cs"/>
+      </a:defRPr>
+    </a:lvl3pPr>
+    <a:lvl4pPr marL="1371600" algn="l" defTabSz="914400" rtl="0" eaLnBrk="1" latinLnBrk="0" hangingPunct="1">
+      <a:defRPr sz="1200" kern="1200">
+        <a:solidFill>
+          <a:schemeClr val="tx1"/>
+        </a:solidFill>
+        <a:latin typeface="+mn-lt"/>
+        <a:ea typeface="+mn-ea"/>
+        <a:cs typeface="+mn-cs"/>
+      </a:defRPr>
+    </a:lvl4pPr>
+    <a:lvl5pPr marL="1828800" algn="l" defTabSz="914400" rtl="0" eaLnBrk="1" latinLnBrk="0" hangingPunct="1">
+      <a:defRPr sz="1200" kern="1200">
+        <a:solidFill>
+          <a:schemeClr val="tx1"/>
+        </a:solidFill>
+        <a:latin typeface="+mn-lt"/>
+        <a:ea typeface="+mn-ea"/>
+        <a:cs typeface="+mn-cs"/>
+      </a:defRPr>
+    </a:lvl5pPr>
+    <a:lvl6pPr marL="2286000" algn="l" defTabSz="914400" rtl="0" eaLnBrk="1" latinLnBrk="0" hangingPunct="1">
+      <a:defRPr sz="1200" kern="1200">
+        <a:solidFill>
+          <a:schemeClr val="tx1"/>
+        </a:solidFill>
+        <a:latin typeface="+mn-lt"/>
+        <a:ea typeface="+mn-ea"/>
+        <a:cs typeface="+mn-cs"/>
+      </a:defRPr>
+    </a:lvl6pPr>
+    <a:lvl7pPr marL="2743200" algn="l" defTabSz="914400" rtl="0" eaLnBrk="1" latinLnBrk="0" hangingPunct="1">
+      <a:defRPr sz="1200" kern="1200">
+        <a:solidFill>
+          <a:schemeClr val="tx1"/>
+        </a:solidFill>
+        <a:latin typeface="+mn-lt"/>
+        <a:ea typeface="+mn-ea"/>
+        <a:cs typeface="+mn-cs"/>
+      </a:defRPr>
+    </a:lvl7pPr>
+    <a:lvl8pPr marL="3200400" algn="l" defTabSz="914400" rtl="0" eaLnBrk="1" latinLnBrk="0" hangingPunct="1">
+      <a:defRPr sz="1200" kern="1200">
+        <a:solidFill>
+          <a:schemeClr val="tx1"/>
+        </a:solidFill>
+        <a:latin typeface="+mn-lt"/>
+        <a:ea typeface="+mn-ea"/>
+        <a:cs typeface="+mn-cs"/>
+      </a:defRPr>
+    </a:lvl8pPr>
+    <a:lvl9pPr marL="3657600" algn="l" defTabSz="914400" rtl="0" eaLnBrk="1" latinLnBrk="0" hangingPunct="1">
+      <a:defRPr sz="1200" kern="1200">
+        <a:solidFill>
+          <a:schemeClr val="tx1"/>
+        </a:solidFill>
+        <a:latin typeface="+mn-lt"/>
+        <a:ea typeface="+mn-ea"/>
+        <a:cs typeface="+mn-cs"/>
+      </a:defRPr>
+    </a:lvl9pPr>
+  </p:notesStyle>
+</p:notesMaster>
+</file>
+
 <file path=ppt/slideLayouts/slideLayout1.xml><?xml version="1.0" encoding="utf-8"?>
 <p:sldLayout xmlns:a="http://schemas.openxmlformats.org/drawingml/2006/main" xmlns:r="http://schemas.openxmlformats.org/officeDocument/2006/relationships" xmlns:p="http://schemas.openxmlformats.org/presentationml/2006/main" type="title" preserve="1">
   <p:cSld name="Title Slide">
@@ -442,526 +799,6 @@
           </a:p>
         </p:txBody>
       </p:sp>
-      <p:grpSp>
-        <p:nvGrpSpPr>
-          <p:cNvPr id="8" name="Group 7"/>
-          <p:cNvGrpSpPr/>
-          <p:nvPr userDrawn="1"/>
-        </p:nvGrpSpPr>
-        <p:grpSpPr>
-          <a:xfrm>
-            <a:off x="1465475" y="5889087"/>
-            <a:ext cx="1826832" cy="413826"/>
-            <a:chOff x="0" y="0"/>
-            <a:chExt cx="1826832" cy="413826"/>
-          </a:xfrm>
-        </p:grpSpPr>
-        <p:sp>
-          <p:nvSpPr>
-            <p:cNvPr id="18" name="Pentagon 17"/>
-            <p:cNvSpPr/>
-            <p:nvPr userDrawn="1"/>
-          </p:nvSpPr>
-          <p:spPr>
-            <a:xfrm>
-              <a:off x="0" y="0"/>
-              <a:ext cx="1826832" cy="413826"/>
-            </a:xfrm>
-            <a:prstGeom prst="homePlate">
-              <a:avLst/>
-            </a:prstGeom>
-            <a:ln>
-              <a:solidFill>
-                <a:srgbClr val="990000"/>
-              </a:solidFill>
-            </a:ln>
-          </p:spPr>
-          <p:style>
-            <a:lnRef idx="3">
-              <a:scrgbClr r="0" g="0" b="0"/>
-            </a:lnRef>
-            <a:fillRef idx="1">
-              <a:schemeClr val="lt1">
-                <a:hueOff val="0"/>
-                <a:satOff val="0"/>
-                <a:lumOff val="0"/>
-                <a:alphaOff val="0"/>
-              </a:schemeClr>
-            </a:fillRef>
-            <a:effectRef idx="1">
-              <a:schemeClr val="lt1">
-                <a:hueOff val="0"/>
-                <a:satOff val="0"/>
-                <a:lumOff val="0"/>
-                <a:alphaOff val="0"/>
-              </a:schemeClr>
-            </a:effectRef>
-            <a:fontRef idx="minor">
-              <a:schemeClr val="dk1">
-                <a:hueOff val="0"/>
-                <a:satOff val="0"/>
-                <a:lumOff val="0"/>
-                <a:alphaOff val="0"/>
-              </a:schemeClr>
-            </a:fontRef>
-          </p:style>
-        </p:sp>
-        <p:sp>
-          <p:nvSpPr>
-            <p:cNvPr id="19" name="Pentagon 4"/>
-            <p:cNvSpPr/>
-            <p:nvPr userDrawn="1"/>
-          </p:nvSpPr>
-          <p:spPr>
-            <a:xfrm>
-              <a:off x="0" y="0"/>
-              <a:ext cx="1723376" cy="413826"/>
-            </a:xfrm>
-            <a:prstGeom prst="rect">
-              <a:avLst/>
-            </a:prstGeom>
-          </p:spPr>
-          <p:style>
-            <a:lnRef idx="0">
-              <a:scrgbClr r="0" g="0" b="0"/>
-            </a:lnRef>
-            <a:fillRef idx="0">
-              <a:scrgbClr r="0" g="0" b="0"/>
-            </a:fillRef>
-            <a:effectRef idx="0">
-              <a:scrgbClr r="0" g="0" b="0"/>
-            </a:effectRef>
-            <a:fontRef idx="minor">
-              <a:schemeClr val="dk1">
-                <a:hueOff val="0"/>
-                <a:satOff val="0"/>
-                <a:lumOff val="0"/>
-                <a:alphaOff val="0"/>
-              </a:schemeClr>
-            </a:fontRef>
-          </p:style>
-          <p:txBody>
-            <a:bodyPr spcFirstLastPara="0" vert="horz" wrap="square" lIns="69342" tIns="34671" rIns="17336" bIns="34671" numCol="1" spcCol="1270" anchor="ctr" anchorCtr="0">
-              <a:noAutofit/>
-            </a:bodyPr>
-            <a:lstStyle/>
-            <a:p>
-              <a:pPr lvl="0" algn="ctr" defTabSz="577850">
-                <a:lnSpc>
-                  <a:spcPct val="90000"/>
-                </a:lnSpc>
-                <a:spcBef>
-                  <a:spcPct val="0"/>
-                </a:spcBef>
-                <a:spcAft>
-                  <a:spcPct val="35000"/>
-                </a:spcAft>
-              </a:pPr>
-              <a:r>
-                <a:rPr lang="en-US" sz="1300" kern="1200" dirty="0" smtClean="0">
-                  <a:latin typeface="Times New Roman" panose="02020603050405020304" pitchFamily="18" charset="0"/>
-                  <a:cs typeface="Times New Roman" panose="02020603050405020304" pitchFamily="18" charset="0"/>
-                </a:rPr>
-                <a:t>Overview</a:t>
-              </a:r>
-              <a:endParaRPr lang="en-US" sz="1300" kern="1200" dirty="0">
-                <a:latin typeface="Times New Roman" panose="02020603050405020304" pitchFamily="18" charset="0"/>
-                <a:cs typeface="Times New Roman" panose="02020603050405020304" pitchFamily="18" charset="0"/>
-              </a:endParaRPr>
-            </a:p>
-          </p:txBody>
-        </p:sp>
-      </p:grpSp>
-      <p:grpSp>
-        <p:nvGrpSpPr>
-          <p:cNvPr id="9" name="Group 8"/>
-          <p:cNvGrpSpPr/>
-          <p:nvPr userDrawn="1"/>
-        </p:nvGrpSpPr>
-        <p:grpSpPr>
-          <a:xfrm>
-            <a:off x="2928761" y="5889087"/>
-            <a:ext cx="1826832" cy="413826"/>
-            <a:chOff x="1463286" y="0"/>
-            <a:chExt cx="1826832" cy="413826"/>
-          </a:xfrm>
-        </p:grpSpPr>
-        <p:sp>
-          <p:nvSpPr>
-            <p:cNvPr id="16" name="Chevron 15"/>
-            <p:cNvSpPr/>
-            <p:nvPr userDrawn="1"/>
-          </p:nvSpPr>
-          <p:spPr>
-            <a:xfrm>
-              <a:off x="1463286" y="0"/>
-              <a:ext cx="1826832" cy="413826"/>
-            </a:xfrm>
-            <a:prstGeom prst="chevron">
-              <a:avLst/>
-            </a:prstGeom>
-            <a:ln>
-              <a:solidFill>
-                <a:srgbClr val="990000"/>
-              </a:solidFill>
-            </a:ln>
-          </p:spPr>
-          <p:style>
-            <a:lnRef idx="3">
-              <a:scrgbClr r="0" g="0" b="0"/>
-            </a:lnRef>
-            <a:fillRef idx="1">
-              <a:schemeClr val="lt1">
-                <a:hueOff val="0"/>
-                <a:satOff val="0"/>
-                <a:lumOff val="0"/>
-                <a:alphaOff val="0"/>
-              </a:schemeClr>
-            </a:fillRef>
-            <a:effectRef idx="1">
-              <a:schemeClr val="lt1">
-                <a:hueOff val="0"/>
-                <a:satOff val="0"/>
-                <a:lumOff val="0"/>
-                <a:alphaOff val="0"/>
-              </a:schemeClr>
-            </a:effectRef>
-            <a:fontRef idx="minor">
-              <a:schemeClr val="dk1">
-                <a:hueOff val="0"/>
-                <a:satOff val="0"/>
-                <a:lumOff val="0"/>
-                <a:alphaOff val="0"/>
-              </a:schemeClr>
-            </a:fontRef>
-          </p:style>
-        </p:sp>
-        <p:sp>
-          <p:nvSpPr>
-            <p:cNvPr id="17" name="Chevron 6"/>
-            <p:cNvSpPr/>
-            <p:nvPr userDrawn="1"/>
-          </p:nvSpPr>
-          <p:spPr>
-            <a:xfrm>
-              <a:off x="1670199" y="0"/>
-              <a:ext cx="1413006" cy="413826"/>
-            </a:xfrm>
-            <a:prstGeom prst="rect">
-              <a:avLst/>
-            </a:prstGeom>
-          </p:spPr>
-          <p:style>
-            <a:lnRef idx="0">
-              <a:scrgbClr r="0" g="0" b="0"/>
-            </a:lnRef>
-            <a:fillRef idx="0">
-              <a:scrgbClr r="0" g="0" b="0"/>
-            </a:fillRef>
-            <a:effectRef idx="0">
-              <a:scrgbClr r="0" g="0" b="0"/>
-            </a:effectRef>
-            <a:fontRef idx="minor">
-              <a:schemeClr val="dk1">
-                <a:hueOff val="0"/>
-                <a:satOff val="0"/>
-                <a:lumOff val="0"/>
-                <a:alphaOff val="0"/>
-              </a:schemeClr>
-            </a:fontRef>
-          </p:style>
-          <p:txBody>
-            <a:bodyPr spcFirstLastPara="0" vert="horz" wrap="square" lIns="52007" tIns="34671" rIns="17336" bIns="34671" numCol="1" spcCol="1270" anchor="ctr" anchorCtr="0">
-              <a:noAutofit/>
-            </a:bodyPr>
-            <a:lstStyle/>
-            <a:p>
-              <a:pPr lvl="0" algn="l" defTabSz="577850">
-                <a:lnSpc>
-                  <a:spcPct val="90000"/>
-                </a:lnSpc>
-                <a:spcBef>
-                  <a:spcPct val="0"/>
-                </a:spcBef>
-                <a:spcAft>
-                  <a:spcPct val="35000"/>
-                </a:spcAft>
-              </a:pPr>
-              <a:r>
-                <a:rPr lang="en-US" sz="1300" kern="1200" dirty="0" smtClean="0">
-                  <a:latin typeface="Times New Roman" panose="02020603050405020304" pitchFamily="18" charset="0"/>
-                  <a:cs typeface="Times New Roman" panose="02020603050405020304" pitchFamily="18" charset="0"/>
-                </a:rPr>
-                <a:t>     Approach</a:t>
-              </a:r>
-              <a:endParaRPr lang="en-US" sz="1300" kern="1200" dirty="0">
-                <a:latin typeface="Times New Roman" panose="02020603050405020304" pitchFamily="18" charset="0"/>
-                <a:cs typeface="Times New Roman" panose="02020603050405020304" pitchFamily="18" charset="0"/>
-              </a:endParaRPr>
-            </a:p>
-          </p:txBody>
-        </p:sp>
-      </p:grpSp>
-      <p:grpSp>
-        <p:nvGrpSpPr>
-          <p:cNvPr id="10" name="Group 9"/>
-          <p:cNvGrpSpPr/>
-          <p:nvPr userDrawn="1"/>
-        </p:nvGrpSpPr>
-        <p:grpSpPr>
-          <a:xfrm>
-            <a:off x="4390227" y="5889087"/>
-            <a:ext cx="1826832" cy="413826"/>
-            <a:chOff x="2924752" y="0"/>
-            <a:chExt cx="1826832" cy="413826"/>
-          </a:xfrm>
-        </p:grpSpPr>
-        <p:sp>
-          <p:nvSpPr>
-            <p:cNvPr id="14" name="Chevron 13"/>
-            <p:cNvSpPr/>
-            <p:nvPr userDrawn="1"/>
-          </p:nvSpPr>
-          <p:spPr>
-            <a:xfrm>
-              <a:off x="2924752" y="0"/>
-              <a:ext cx="1826832" cy="413826"/>
-            </a:xfrm>
-            <a:prstGeom prst="chevron">
-              <a:avLst/>
-            </a:prstGeom>
-            <a:ln>
-              <a:solidFill>
-                <a:srgbClr val="990000"/>
-              </a:solidFill>
-            </a:ln>
-          </p:spPr>
-          <p:style>
-            <a:lnRef idx="3">
-              <a:scrgbClr r="0" g="0" b="0"/>
-            </a:lnRef>
-            <a:fillRef idx="1">
-              <a:schemeClr val="lt1">
-                <a:hueOff val="0"/>
-                <a:satOff val="0"/>
-                <a:lumOff val="0"/>
-                <a:alphaOff val="0"/>
-              </a:schemeClr>
-            </a:fillRef>
-            <a:effectRef idx="1">
-              <a:schemeClr val="lt1">
-                <a:hueOff val="0"/>
-                <a:satOff val="0"/>
-                <a:lumOff val="0"/>
-                <a:alphaOff val="0"/>
-              </a:schemeClr>
-            </a:effectRef>
-            <a:fontRef idx="minor">
-              <a:schemeClr val="dk1">
-                <a:hueOff val="0"/>
-                <a:satOff val="0"/>
-                <a:lumOff val="0"/>
-                <a:alphaOff val="0"/>
-              </a:schemeClr>
-            </a:fontRef>
-          </p:style>
-        </p:sp>
-        <p:sp>
-          <p:nvSpPr>
-            <p:cNvPr id="15" name="Chevron 8"/>
-            <p:cNvSpPr/>
-            <p:nvPr userDrawn="1"/>
-          </p:nvSpPr>
-          <p:spPr>
-            <a:xfrm>
-              <a:off x="3131665" y="0"/>
-              <a:ext cx="1413006" cy="413826"/>
-            </a:xfrm>
-            <a:prstGeom prst="rect">
-              <a:avLst/>
-            </a:prstGeom>
-          </p:spPr>
-          <p:style>
-            <a:lnRef idx="0">
-              <a:scrgbClr r="0" g="0" b="0"/>
-            </a:lnRef>
-            <a:fillRef idx="0">
-              <a:scrgbClr r="0" g="0" b="0"/>
-            </a:fillRef>
-            <a:effectRef idx="0">
-              <a:scrgbClr r="0" g="0" b="0"/>
-            </a:effectRef>
-            <a:fontRef idx="minor">
-              <a:schemeClr val="dk1">
-                <a:hueOff val="0"/>
-                <a:satOff val="0"/>
-                <a:lumOff val="0"/>
-                <a:alphaOff val="0"/>
-              </a:schemeClr>
-            </a:fontRef>
-          </p:style>
-          <p:txBody>
-            <a:bodyPr spcFirstLastPara="0" vert="horz" wrap="square" lIns="52007" tIns="34671" rIns="17336" bIns="34671" numCol="1" spcCol="1270" anchor="ctr" anchorCtr="0">
-              <a:noAutofit/>
-            </a:bodyPr>
-            <a:lstStyle/>
-            <a:p>
-              <a:pPr lvl="0" algn="ctr" defTabSz="577850">
-                <a:lnSpc>
-                  <a:spcPct val="90000"/>
-                </a:lnSpc>
-                <a:spcBef>
-                  <a:spcPct val="0"/>
-                </a:spcBef>
-                <a:spcAft>
-                  <a:spcPct val="35000"/>
-                </a:spcAft>
-              </a:pPr>
-              <a:r>
-                <a:rPr lang="en-US" sz="1300" kern="1200" dirty="0" smtClean="0">
-                  <a:latin typeface="Times New Roman" panose="02020603050405020304" pitchFamily="18" charset="0"/>
-                  <a:cs typeface="Times New Roman" panose="02020603050405020304" pitchFamily="18" charset="0"/>
-                </a:rPr>
-                <a:t>Results</a:t>
-              </a:r>
-              <a:endParaRPr lang="en-US" sz="1300" kern="1200" dirty="0">
-                <a:latin typeface="Times New Roman" panose="02020603050405020304" pitchFamily="18" charset="0"/>
-                <a:cs typeface="Times New Roman" panose="02020603050405020304" pitchFamily="18" charset="0"/>
-              </a:endParaRPr>
-            </a:p>
-          </p:txBody>
-        </p:sp>
-      </p:grpSp>
-      <p:grpSp>
-        <p:nvGrpSpPr>
-          <p:cNvPr id="11" name="Group 10"/>
-          <p:cNvGrpSpPr/>
-          <p:nvPr userDrawn="1"/>
-        </p:nvGrpSpPr>
-        <p:grpSpPr>
-          <a:xfrm>
-            <a:off x="5851693" y="5889087"/>
-            <a:ext cx="1826832" cy="413826"/>
-            <a:chOff x="4386218" y="0"/>
-            <a:chExt cx="1826832" cy="413826"/>
-          </a:xfrm>
-        </p:grpSpPr>
-        <p:sp>
-          <p:nvSpPr>
-            <p:cNvPr id="12" name="Chevron 11"/>
-            <p:cNvSpPr/>
-            <p:nvPr userDrawn="1"/>
-          </p:nvSpPr>
-          <p:spPr>
-            <a:xfrm>
-              <a:off x="4386218" y="0"/>
-              <a:ext cx="1826832" cy="413826"/>
-            </a:xfrm>
-            <a:prstGeom prst="chevron">
-              <a:avLst/>
-            </a:prstGeom>
-            <a:ln>
-              <a:solidFill>
-                <a:srgbClr val="990000"/>
-              </a:solidFill>
-            </a:ln>
-          </p:spPr>
-          <p:style>
-            <a:lnRef idx="3">
-              <a:scrgbClr r="0" g="0" b="0"/>
-            </a:lnRef>
-            <a:fillRef idx="1">
-              <a:schemeClr val="lt1">
-                <a:hueOff val="0"/>
-                <a:satOff val="0"/>
-                <a:lumOff val="0"/>
-                <a:alphaOff val="0"/>
-              </a:schemeClr>
-            </a:fillRef>
-            <a:effectRef idx="1">
-              <a:schemeClr val="lt1">
-                <a:hueOff val="0"/>
-                <a:satOff val="0"/>
-                <a:lumOff val="0"/>
-                <a:alphaOff val="0"/>
-              </a:schemeClr>
-            </a:effectRef>
-            <a:fontRef idx="minor">
-              <a:schemeClr val="dk1">
-                <a:hueOff val="0"/>
-                <a:satOff val="0"/>
-                <a:lumOff val="0"/>
-                <a:alphaOff val="0"/>
-              </a:schemeClr>
-            </a:fontRef>
-          </p:style>
-        </p:sp>
-        <p:sp>
-          <p:nvSpPr>
-            <p:cNvPr id="13" name="Chevron 10"/>
-            <p:cNvSpPr/>
-            <p:nvPr userDrawn="1"/>
-          </p:nvSpPr>
-          <p:spPr>
-            <a:xfrm>
-              <a:off x="4593131" y="0"/>
-              <a:ext cx="1413006" cy="413826"/>
-            </a:xfrm>
-            <a:prstGeom prst="rect">
-              <a:avLst/>
-            </a:prstGeom>
-          </p:spPr>
-          <p:style>
-            <a:lnRef idx="0">
-              <a:scrgbClr r="0" g="0" b="0"/>
-            </a:lnRef>
-            <a:fillRef idx="0">
-              <a:scrgbClr r="0" g="0" b="0"/>
-            </a:fillRef>
-            <a:effectRef idx="0">
-              <a:scrgbClr r="0" g="0" b="0"/>
-            </a:effectRef>
-            <a:fontRef idx="minor">
-              <a:schemeClr val="dk1">
-                <a:hueOff val="0"/>
-                <a:satOff val="0"/>
-                <a:lumOff val="0"/>
-                <a:alphaOff val="0"/>
-              </a:schemeClr>
-            </a:fontRef>
-          </p:style>
-          <p:txBody>
-            <a:bodyPr spcFirstLastPara="0" vert="horz" wrap="square" lIns="52007" tIns="34671" rIns="17336" bIns="34671" numCol="1" spcCol="1270" anchor="ctr" anchorCtr="0">
-              <a:noAutofit/>
-            </a:bodyPr>
-            <a:lstStyle/>
-            <a:p>
-              <a:pPr lvl="0" algn="ctr" defTabSz="577850">
-                <a:lnSpc>
-                  <a:spcPct val="90000"/>
-                </a:lnSpc>
-                <a:spcBef>
-                  <a:spcPct val="0"/>
-                </a:spcBef>
-                <a:spcAft>
-                  <a:spcPct val="35000"/>
-                </a:spcAft>
-              </a:pPr>
-              <a:r>
-                <a:rPr lang="en-US" sz="1300" kern="1200" dirty="0" smtClean="0">
-                  <a:latin typeface="Times New Roman" panose="02020603050405020304" pitchFamily="18" charset="0"/>
-                  <a:cs typeface="Times New Roman" panose="02020603050405020304" pitchFamily="18" charset="0"/>
-                </a:rPr>
-                <a:t>Conclusion</a:t>
-              </a:r>
-              <a:endParaRPr lang="en-US" sz="1300" kern="1200" dirty="0">
-                <a:latin typeface="Times New Roman" panose="02020603050405020304" pitchFamily="18" charset="0"/>
-                <a:cs typeface="Times New Roman" panose="02020603050405020304" pitchFamily="18" charset="0"/>
-              </a:endParaRPr>
-            </a:p>
-          </p:txBody>
-        </p:sp>
-      </p:grpSp>
       <p:cxnSp>
         <p:nvCxnSpPr>
           <p:cNvPr id="20" name="Straight Connector 19"/>
@@ -1002,6 +839,564 @@
           </a:extLst>
         </p:spPr>
       </p:cxnSp>
+      <p:grpSp>
+        <p:nvGrpSpPr>
+          <p:cNvPr id="33" name="Group 32"/>
+          <p:cNvGrpSpPr/>
+          <p:nvPr userDrawn="1"/>
+        </p:nvGrpSpPr>
+        <p:grpSpPr>
+          <a:xfrm>
+            <a:off x="1524000" y="5889087"/>
+            <a:ext cx="1768307" cy="413826"/>
+            <a:chOff x="0" y="0"/>
+            <a:chExt cx="1826832" cy="413826"/>
+          </a:xfrm>
+        </p:grpSpPr>
+        <p:sp>
+          <p:nvSpPr>
+            <p:cNvPr id="34" name="Pentagon 33"/>
+            <p:cNvSpPr/>
+            <p:nvPr userDrawn="1"/>
+          </p:nvSpPr>
+          <p:spPr>
+            <a:xfrm>
+              <a:off x="0" y="0"/>
+              <a:ext cx="1826832" cy="413826"/>
+            </a:xfrm>
+            <a:prstGeom prst="homePlate">
+              <a:avLst/>
+            </a:prstGeom>
+            <a:ln>
+              <a:solidFill>
+                <a:srgbClr val="990000"/>
+              </a:solidFill>
+            </a:ln>
+          </p:spPr>
+          <p:style>
+            <a:lnRef idx="3">
+              <a:scrgbClr r="0" g="0" b="0"/>
+            </a:lnRef>
+            <a:fillRef idx="1">
+              <a:schemeClr val="lt1">
+                <a:hueOff val="0"/>
+                <a:satOff val="0"/>
+                <a:lumOff val="0"/>
+                <a:alphaOff val="0"/>
+              </a:schemeClr>
+            </a:fillRef>
+            <a:effectRef idx="1">
+              <a:schemeClr val="lt1">
+                <a:hueOff val="0"/>
+                <a:satOff val="0"/>
+                <a:lumOff val="0"/>
+                <a:alphaOff val="0"/>
+              </a:schemeClr>
+            </a:effectRef>
+            <a:fontRef idx="minor">
+              <a:schemeClr val="dk1">
+                <a:hueOff val="0"/>
+                <a:satOff val="0"/>
+                <a:lumOff val="0"/>
+                <a:alphaOff val="0"/>
+              </a:schemeClr>
+            </a:fontRef>
+          </p:style>
+        </p:sp>
+        <p:sp>
+          <p:nvSpPr>
+            <p:cNvPr id="35" name="Pentagon 4"/>
+            <p:cNvSpPr/>
+            <p:nvPr userDrawn="1"/>
+          </p:nvSpPr>
+          <p:spPr>
+            <a:xfrm>
+              <a:off x="0" y="0"/>
+              <a:ext cx="1535345" cy="413826"/>
+            </a:xfrm>
+            <a:prstGeom prst="rect">
+              <a:avLst/>
+            </a:prstGeom>
+          </p:spPr>
+          <p:style>
+            <a:lnRef idx="0">
+              <a:scrgbClr r="0" g="0" b="0"/>
+            </a:lnRef>
+            <a:fillRef idx="0">
+              <a:scrgbClr r="0" g="0" b="0"/>
+            </a:fillRef>
+            <a:effectRef idx="0">
+              <a:scrgbClr r="0" g="0" b="0"/>
+            </a:effectRef>
+            <a:fontRef idx="minor">
+              <a:schemeClr val="dk1">
+                <a:hueOff val="0"/>
+                <a:satOff val="0"/>
+                <a:lumOff val="0"/>
+                <a:alphaOff val="0"/>
+              </a:schemeClr>
+            </a:fontRef>
+          </p:style>
+          <p:txBody>
+            <a:bodyPr spcFirstLastPara="0" vert="horz" wrap="square" lIns="69342" tIns="34671" rIns="17336" bIns="34671" numCol="1" spcCol="1270" anchor="ctr" anchorCtr="0">
+              <a:noAutofit/>
+            </a:bodyPr>
+            <a:lstStyle/>
+            <a:p>
+              <a:pPr lvl="0" algn="ctr" defTabSz="577850">
+                <a:lnSpc>
+                  <a:spcPct val="90000"/>
+                </a:lnSpc>
+                <a:spcBef>
+                  <a:spcPct val="0"/>
+                </a:spcBef>
+                <a:spcAft>
+                  <a:spcPct val="35000"/>
+                </a:spcAft>
+              </a:pPr>
+              <a:r>
+                <a:rPr lang="en-US" sz="1300" kern="1200" dirty="0" smtClean="0">
+                  <a:latin typeface="Times New Roman" panose="02020603050405020304" pitchFamily="18" charset="0"/>
+                  <a:cs typeface="Times New Roman" panose="02020603050405020304" pitchFamily="18" charset="0"/>
+                </a:rPr>
+                <a:t>Overview</a:t>
+              </a:r>
+              <a:endParaRPr lang="en-US" sz="1300" kern="1200" dirty="0">
+                <a:latin typeface="Times New Roman" panose="02020603050405020304" pitchFamily="18" charset="0"/>
+                <a:cs typeface="Times New Roman" panose="02020603050405020304" pitchFamily="18" charset="0"/>
+              </a:endParaRPr>
+            </a:p>
+          </p:txBody>
+        </p:sp>
+      </p:grpSp>
+      <p:grpSp>
+        <p:nvGrpSpPr>
+          <p:cNvPr id="36" name="Group 35"/>
+          <p:cNvGrpSpPr/>
+          <p:nvPr userDrawn="1"/>
+        </p:nvGrpSpPr>
+        <p:grpSpPr>
+          <a:xfrm>
+            <a:off x="2928761" y="5889087"/>
+            <a:ext cx="1668379" cy="413826"/>
+            <a:chOff x="1463286" y="0"/>
+            <a:chExt cx="1826832" cy="413826"/>
+          </a:xfrm>
+        </p:grpSpPr>
+        <p:sp>
+          <p:nvSpPr>
+            <p:cNvPr id="37" name="Chevron 36"/>
+            <p:cNvSpPr/>
+            <p:nvPr userDrawn="1"/>
+          </p:nvSpPr>
+          <p:spPr>
+            <a:xfrm>
+              <a:off x="1463286" y="0"/>
+              <a:ext cx="1826832" cy="413826"/>
+            </a:xfrm>
+            <a:prstGeom prst="chevron">
+              <a:avLst/>
+            </a:prstGeom>
+            <a:ln>
+              <a:solidFill>
+                <a:srgbClr val="990000"/>
+              </a:solidFill>
+            </a:ln>
+          </p:spPr>
+          <p:style>
+            <a:lnRef idx="3">
+              <a:scrgbClr r="0" g="0" b="0"/>
+            </a:lnRef>
+            <a:fillRef idx="1">
+              <a:schemeClr val="lt1">
+                <a:hueOff val="0"/>
+                <a:satOff val="0"/>
+                <a:lumOff val="0"/>
+                <a:alphaOff val="0"/>
+              </a:schemeClr>
+            </a:fillRef>
+            <a:effectRef idx="1">
+              <a:schemeClr val="lt1">
+                <a:hueOff val="0"/>
+                <a:satOff val="0"/>
+                <a:lumOff val="0"/>
+                <a:alphaOff val="0"/>
+              </a:schemeClr>
+            </a:effectRef>
+            <a:fontRef idx="minor">
+              <a:schemeClr val="dk1">
+                <a:hueOff val="0"/>
+                <a:satOff val="0"/>
+                <a:lumOff val="0"/>
+                <a:alphaOff val="0"/>
+              </a:schemeClr>
+            </a:fontRef>
+          </p:style>
+        </p:sp>
+        <p:sp>
+          <p:nvSpPr>
+            <p:cNvPr id="38" name="Chevron 6"/>
+            <p:cNvSpPr/>
+            <p:nvPr userDrawn="1"/>
+          </p:nvSpPr>
+          <p:spPr>
+            <a:xfrm>
+              <a:off x="1670199" y="0"/>
+              <a:ext cx="1413006" cy="413826"/>
+            </a:xfrm>
+            <a:prstGeom prst="rect">
+              <a:avLst/>
+            </a:prstGeom>
+          </p:spPr>
+          <p:style>
+            <a:lnRef idx="0">
+              <a:scrgbClr r="0" g="0" b="0"/>
+            </a:lnRef>
+            <a:fillRef idx="0">
+              <a:scrgbClr r="0" g="0" b="0"/>
+            </a:fillRef>
+            <a:effectRef idx="0">
+              <a:scrgbClr r="0" g="0" b="0"/>
+            </a:effectRef>
+            <a:fontRef idx="minor">
+              <a:schemeClr val="dk1">
+                <a:hueOff val="0"/>
+                <a:satOff val="0"/>
+                <a:lumOff val="0"/>
+                <a:alphaOff val="0"/>
+              </a:schemeClr>
+            </a:fontRef>
+          </p:style>
+          <p:txBody>
+            <a:bodyPr spcFirstLastPara="0" vert="horz" wrap="square" lIns="52007" tIns="34671" rIns="17336" bIns="34671" numCol="1" spcCol="1270" anchor="ctr" anchorCtr="0">
+              <a:noAutofit/>
+            </a:bodyPr>
+            <a:lstStyle/>
+            <a:p>
+              <a:pPr lvl="0" algn="l" defTabSz="577850">
+                <a:lnSpc>
+                  <a:spcPct val="90000"/>
+                </a:lnSpc>
+                <a:spcBef>
+                  <a:spcPct val="0"/>
+                </a:spcBef>
+                <a:spcAft>
+                  <a:spcPct val="35000"/>
+                </a:spcAft>
+              </a:pPr>
+              <a:r>
+                <a:rPr lang="en-US" sz="1300" kern="1200" dirty="0" smtClean="0">
+                  <a:latin typeface="Times New Roman" panose="02020603050405020304" pitchFamily="18" charset="0"/>
+                  <a:cs typeface="Times New Roman" panose="02020603050405020304" pitchFamily="18" charset="0"/>
+                </a:rPr>
+                <a:t>     Approach</a:t>
+              </a:r>
+              <a:endParaRPr lang="en-US" sz="1300" kern="1200" dirty="0">
+                <a:latin typeface="Times New Roman" panose="02020603050405020304" pitchFamily="18" charset="0"/>
+                <a:cs typeface="Times New Roman" panose="02020603050405020304" pitchFamily="18" charset="0"/>
+              </a:endParaRPr>
+            </a:p>
+          </p:txBody>
+        </p:sp>
+      </p:grpSp>
+      <p:grpSp>
+        <p:nvGrpSpPr>
+          <p:cNvPr id="39" name="Group 38"/>
+          <p:cNvGrpSpPr/>
+          <p:nvPr userDrawn="1"/>
+        </p:nvGrpSpPr>
+        <p:grpSpPr>
+          <a:xfrm>
+            <a:off x="5828750" y="5889087"/>
+            <a:ext cx="1826832" cy="413826"/>
+            <a:chOff x="2924752" y="0"/>
+            <a:chExt cx="1826832" cy="413826"/>
+          </a:xfrm>
+        </p:grpSpPr>
+        <p:sp>
+          <p:nvSpPr>
+            <p:cNvPr id="40" name="Chevron 39"/>
+            <p:cNvSpPr/>
+            <p:nvPr userDrawn="1"/>
+          </p:nvSpPr>
+          <p:spPr>
+            <a:xfrm>
+              <a:off x="2924752" y="0"/>
+              <a:ext cx="1826832" cy="413826"/>
+            </a:xfrm>
+            <a:prstGeom prst="chevron">
+              <a:avLst/>
+            </a:prstGeom>
+            <a:ln>
+              <a:solidFill>
+                <a:srgbClr val="990000"/>
+              </a:solidFill>
+            </a:ln>
+          </p:spPr>
+          <p:style>
+            <a:lnRef idx="3">
+              <a:scrgbClr r="0" g="0" b="0"/>
+            </a:lnRef>
+            <a:fillRef idx="1">
+              <a:schemeClr val="lt1">
+                <a:hueOff val="0"/>
+                <a:satOff val="0"/>
+                <a:lumOff val="0"/>
+                <a:alphaOff val="0"/>
+              </a:schemeClr>
+            </a:fillRef>
+            <a:effectRef idx="1">
+              <a:schemeClr val="lt1">
+                <a:hueOff val="0"/>
+                <a:satOff val="0"/>
+                <a:lumOff val="0"/>
+                <a:alphaOff val="0"/>
+              </a:schemeClr>
+            </a:effectRef>
+            <a:fontRef idx="minor">
+              <a:schemeClr val="dk1">
+                <a:hueOff val="0"/>
+                <a:satOff val="0"/>
+                <a:lumOff val="0"/>
+                <a:alphaOff val="0"/>
+              </a:schemeClr>
+            </a:fontRef>
+          </p:style>
+        </p:sp>
+        <p:sp>
+          <p:nvSpPr>
+            <p:cNvPr id="41" name="Chevron 8"/>
+            <p:cNvSpPr/>
+            <p:nvPr userDrawn="1"/>
+          </p:nvSpPr>
+          <p:spPr>
+            <a:xfrm>
+              <a:off x="3131665" y="0"/>
+              <a:ext cx="1413006" cy="413826"/>
+            </a:xfrm>
+            <a:prstGeom prst="rect">
+              <a:avLst/>
+            </a:prstGeom>
+          </p:spPr>
+          <p:style>
+            <a:lnRef idx="0">
+              <a:scrgbClr r="0" g="0" b="0"/>
+            </a:lnRef>
+            <a:fillRef idx="0">
+              <a:scrgbClr r="0" g="0" b="0"/>
+            </a:fillRef>
+            <a:effectRef idx="0">
+              <a:scrgbClr r="0" g="0" b="0"/>
+            </a:effectRef>
+            <a:fontRef idx="minor">
+              <a:schemeClr val="dk1">
+                <a:hueOff val="0"/>
+                <a:satOff val="0"/>
+                <a:lumOff val="0"/>
+                <a:alphaOff val="0"/>
+              </a:schemeClr>
+            </a:fontRef>
+          </p:style>
+          <p:txBody>
+            <a:bodyPr spcFirstLastPara="0" vert="horz" wrap="square" lIns="52007" tIns="34671" rIns="17336" bIns="34671" numCol="1" spcCol="1270" anchor="ctr" anchorCtr="0">
+              <a:noAutofit/>
+            </a:bodyPr>
+            <a:lstStyle/>
+            <a:p>
+              <a:pPr lvl="0" algn="ctr" defTabSz="577850">
+                <a:lnSpc>
+                  <a:spcPct val="90000"/>
+                </a:lnSpc>
+                <a:spcBef>
+                  <a:spcPct val="0"/>
+                </a:spcBef>
+                <a:spcAft>
+                  <a:spcPct val="35000"/>
+                </a:spcAft>
+              </a:pPr>
+              <a:r>
+                <a:rPr lang="en-US" sz="1300" kern="1200" dirty="0" smtClean="0">
+                  <a:latin typeface="Times New Roman" panose="02020603050405020304" pitchFamily="18" charset="0"/>
+                  <a:cs typeface="Times New Roman" panose="02020603050405020304" pitchFamily="18" charset="0"/>
+                </a:rPr>
+                <a:t>Conclusion</a:t>
+              </a:r>
+              <a:endParaRPr lang="en-US" sz="1300" kern="1200" dirty="0">
+                <a:latin typeface="Times New Roman" panose="02020603050405020304" pitchFamily="18" charset="0"/>
+                <a:cs typeface="Times New Roman" panose="02020603050405020304" pitchFamily="18" charset="0"/>
+              </a:endParaRPr>
+            </a:p>
+          </p:txBody>
+        </p:sp>
+      </p:grpSp>
+      <p:grpSp>
+        <p:nvGrpSpPr>
+          <p:cNvPr id="42" name="Group 41"/>
+          <p:cNvGrpSpPr/>
+          <p:nvPr userDrawn="1"/>
+        </p:nvGrpSpPr>
+        <p:grpSpPr>
+          <a:xfrm>
+            <a:off x="4375485" y="5889087"/>
+            <a:ext cx="1668379" cy="413826"/>
+            <a:chOff x="1463286" y="0"/>
+            <a:chExt cx="1826832" cy="413826"/>
+          </a:xfrm>
+        </p:grpSpPr>
+        <p:sp>
+          <p:nvSpPr>
+            <p:cNvPr id="43" name="Chevron 42"/>
+            <p:cNvSpPr/>
+            <p:nvPr userDrawn="1"/>
+          </p:nvSpPr>
+          <p:spPr>
+            <a:xfrm>
+              <a:off x="1463286" y="0"/>
+              <a:ext cx="1826832" cy="413826"/>
+            </a:xfrm>
+            <a:prstGeom prst="chevron">
+              <a:avLst/>
+            </a:prstGeom>
+            <a:ln>
+              <a:solidFill>
+                <a:srgbClr val="990000"/>
+              </a:solidFill>
+            </a:ln>
+          </p:spPr>
+          <p:style>
+            <a:lnRef idx="3">
+              <a:scrgbClr r="0" g="0" b="0"/>
+            </a:lnRef>
+            <a:fillRef idx="1">
+              <a:schemeClr val="lt1">
+                <a:hueOff val="0"/>
+                <a:satOff val="0"/>
+                <a:lumOff val="0"/>
+                <a:alphaOff val="0"/>
+              </a:schemeClr>
+            </a:fillRef>
+            <a:effectRef idx="1">
+              <a:schemeClr val="lt1">
+                <a:hueOff val="0"/>
+                <a:satOff val="0"/>
+                <a:lumOff val="0"/>
+                <a:alphaOff val="0"/>
+              </a:schemeClr>
+            </a:effectRef>
+            <a:fontRef idx="minor">
+              <a:schemeClr val="dk1">
+                <a:hueOff val="0"/>
+                <a:satOff val="0"/>
+                <a:lumOff val="0"/>
+                <a:alphaOff val="0"/>
+              </a:schemeClr>
+            </a:fontRef>
+          </p:style>
+        </p:sp>
+        <p:sp>
+          <p:nvSpPr>
+            <p:cNvPr id="44" name="Chevron 6"/>
+            <p:cNvSpPr/>
+            <p:nvPr userDrawn="1"/>
+          </p:nvSpPr>
+          <p:spPr>
+            <a:xfrm>
+              <a:off x="1670199" y="0"/>
+              <a:ext cx="1413006" cy="413826"/>
+            </a:xfrm>
+            <a:prstGeom prst="rect">
+              <a:avLst/>
+            </a:prstGeom>
+          </p:spPr>
+          <p:style>
+            <a:lnRef idx="0">
+              <a:scrgbClr r="0" g="0" b="0"/>
+            </a:lnRef>
+            <a:fillRef idx="0">
+              <a:scrgbClr r="0" g="0" b="0"/>
+            </a:fillRef>
+            <a:effectRef idx="0">
+              <a:scrgbClr r="0" g="0" b="0"/>
+            </a:effectRef>
+            <a:fontRef idx="minor">
+              <a:schemeClr val="dk1">
+                <a:hueOff val="0"/>
+                <a:satOff val="0"/>
+                <a:lumOff val="0"/>
+                <a:alphaOff val="0"/>
+              </a:schemeClr>
+            </a:fontRef>
+          </p:style>
+          <p:txBody>
+            <a:bodyPr spcFirstLastPara="0" vert="horz" wrap="square" lIns="52007" tIns="34671" rIns="17336" bIns="34671" numCol="1" spcCol="1270" anchor="ctr" anchorCtr="0">
+              <a:noAutofit/>
+            </a:bodyPr>
+            <a:lstStyle/>
+            <a:p>
+              <a:pPr lvl="0" algn="l" defTabSz="577850">
+                <a:lnSpc>
+                  <a:spcPct val="90000"/>
+                </a:lnSpc>
+                <a:spcBef>
+                  <a:spcPct val="0"/>
+                </a:spcBef>
+                <a:spcAft>
+                  <a:spcPct val="35000"/>
+                </a:spcAft>
+              </a:pPr>
+              <a:r>
+                <a:rPr lang="en-US" sz="1300" kern="1200" dirty="0" smtClean="0">
+                  <a:latin typeface="Times New Roman" panose="02020603050405020304" pitchFamily="18" charset="0"/>
+                  <a:cs typeface="Times New Roman" panose="02020603050405020304" pitchFamily="18" charset="0"/>
+                </a:rPr>
+                <a:t>     Results</a:t>
+              </a:r>
+              <a:endParaRPr lang="en-US" sz="1300" kern="1200" dirty="0">
+                <a:latin typeface="Times New Roman" panose="02020603050405020304" pitchFamily="18" charset="0"/>
+                <a:cs typeface="Times New Roman" panose="02020603050405020304" pitchFamily="18" charset="0"/>
+              </a:endParaRPr>
+            </a:p>
+          </p:txBody>
+        </p:sp>
+      </p:grpSp>
+      <p:sp>
+        <p:nvSpPr>
+          <p:cNvPr id="45" name="TextBox 44"/>
+          <p:cNvSpPr txBox="1"/>
+          <p:nvPr userDrawn="1"/>
+        </p:nvSpPr>
+        <p:spPr>
+          <a:xfrm>
+            <a:off x="599017" y="36065"/>
+            <a:ext cx="816249" cy="215444"/>
+          </a:xfrm>
+          <a:prstGeom prst="rect">
+            <a:avLst/>
+          </a:prstGeom>
+          <a:noFill/>
+        </p:spPr>
+        <p:txBody>
+          <a:bodyPr wrap="none" rtlCol="0">
+            <a:spAutoFit/>
+          </a:bodyPr>
+          <a:lstStyle/>
+          <a:p>
+            <a:r>
+              <a:rPr lang="en-US" sz="800" b="1" dirty="0" smtClean="0">
+                <a:solidFill>
+                  <a:schemeClr val="bg1"/>
+                </a:solidFill>
+              </a:rPr>
+              <a:t>18-755 Project</a:t>
+            </a:r>
+            <a:endParaRPr lang="en-US" sz="800" b="1" dirty="0">
+              <a:solidFill>
+                <a:schemeClr val="bg1"/>
+              </a:solidFill>
+            </a:endParaRPr>
+          </a:p>
+        </p:txBody>
+      </p:sp>
     </p:spTree>
     <p:extLst>
       <p:ext uri="{BB962C8B-B14F-4D97-AF65-F5344CB8AC3E}">
@@ -1147,21 +1542,21 @@
       </p:sp>
       <p:grpSp>
         <p:nvGrpSpPr>
-          <p:cNvPr id="5" name="Group 4"/>
+          <p:cNvPr id="17" name="Group 16"/>
           <p:cNvGrpSpPr/>
           <p:nvPr userDrawn="1"/>
         </p:nvGrpSpPr>
         <p:grpSpPr>
           <a:xfrm>
-            <a:off x="1465475" y="5889087"/>
-            <a:ext cx="1826832" cy="413826"/>
+            <a:off x="1524000" y="5889087"/>
+            <a:ext cx="1768307" cy="413826"/>
             <a:chOff x="0" y="0"/>
             <a:chExt cx="1826832" cy="413826"/>
           </a:xfrm>
         </p:grpSpPr>
         <p:sp>
           <p:nvSpPr>
-            <p:cNvPr id="6" name="Pentagon 5"/>
+            <p:cNvPr id="18" name="Pentagon 17"/>
             <p:cNvSpPr/>
             <p:nvPr userDrawn="1"/>
           </p:nvSpPr>
@@ -1211,14 +1606,14 @@
         </p:sp>
         <p:sp>
           <p:nvSpPr>
-            <p:cNvPr id="7" name="Pentagon 4"/>
+            <p:cNvPr id="19" name="Pentagon 4"/>
             <p:cNvSpPr/>
             <p:nvPr userDrawn="1"/>
           </p:nvSpPr>
           <p:spPr>
             <a:xfrm>
               <a:off x="0" y="0"/>
-              <a:ext cx="1723376" cy="413826"/>
+              <a:ext cx="1535345" cy="413826"/>
             </a:xfrm>
             <a:prstGeom prst="rect">
               <a:avLst/>
@@ -1277,7 +1672,7 @@
       </p:grpSp>
       <p:grpSp>
         <p:nvGrpSpPr>
-          <p:cNvPr id="8" name="Group 7"/>
+          <p:cNvPr id="20" name="Group 19"/>
           <p:cNvGrpSpPr/>
           <p:nvPr userDrawn="1"/>
         </p:nvGrpSpPr>
@@ -1291,7 +1686,7 @@
         </p:grpSpPr>
         <p:sp>
           <p:nvSpPr>
-            <p:cNvPr id="9" name="Chevron 8"/>
+            <p:cNvPr id="21" name="Chevron 20"/>
             <p:cNvSpPr/>
             <p:nvPr userDrawn="1"/>
           </p:nvSpPr>
@@ -1341,7 +1736,7 @@
         </p:sp>
         <p:sp>
           <p:nvSpPr>
-            <p:cNvPr id="10" name="Chevron 6"/>
+            <p:cNvPr id="22" name="Chevron 6"/>
             <p:cNvSpPr/>
             <p:nvPr userDrawn="1"/>
           </p:nvSpPr>
@@ -1407,7 +1802,7 @@
       </p:grpSp>
       <p:grpSp>
         <p:nvGrpSpPr>
-          <p:cNvPr id="11" name="Group 10"/>
+          <p:cNvPr id="23" name="Group 22"/>
           <p:cNvGrpSpPr/>
           <p:nvPr userDrawn="1"/>
         </p:nvGrpSpPr>
@@ -1421,7 +1816,7 @@
         </p:grpSpPr>
         <p:sp>
           <p:nvSpPr>
-            <p:cNvPr id="12" name="Chevron 11"/>
+            <p:cNvPr id="24" name="Chevron 23"/>
             <p:cNvSpPr/>
             <p:nvPr userDrawn="1"/>
           </p:nvSpPr>
@@ -1471,7 +1866,7 @@
         </p:sp>
         <p:sp>
           <p:nvSpPr>
-            <p:cNvPr id="13" name="Chevron 8"/>
+            <p:cNvPr id="25" name="Chevron 8"/>
             <p:cNvSpPr/>
             <p:nvPr userDrawn="1"/>
           </p:nvSpPr>
@@ -1537,27 +1932,27 @@
       </p:grpSp>
       <p:grpSp>
         <p:nvGrpSpPr>
-          <p:cNvPr id="14" name="Group 13"/>
+          <p:cNvPr id="26" name="Group 25"/>
           <p:cNvGrpSpPr/>
           <p:nvPr userDrawn="1"/>
         </p:nvGrpSpPr>
         <p:grpSpPr>
           <a:xfrm>
-            <a:off x="5851693" y="5889087"/>
+            <a:off x="6006730" y="5889087"/>
             <a:ext cx="1826832" cy="413826"/>
-            <a:chOff x="4386218" y="0"/>
+            <a:chOff x="2924752" y="0"/>
             <a:chExt cx="1826832" cy="413826"/>
           </a:xfrm>
         </p:grpSpPr>
         <p:sp>
           <p:nvSpPr>
-            <p:cNvPr id="15" name="Chevron 14"/>
+            <p:cNvPr id="27" name="Chevron 26"/>
             <p:cNvSpPr/>
             <p:nvPr userDrawn="1"/>
           </p:nvSpPr>
           <p:spPr>
             <a:xfrm>
-              <a:off x="4386218" y="0"/>
+              <a:off x="2924752" y="0"/>
               <a:ext cx="1826832" cy="413826"/>
             </a:xfrm>
             <a:prstGeom prst="chevron">
@@ -1601,13 +1996,13 @@
         </p:sp>
         <p:sp>
           <p:nvSpPr>
-            <p:cNvPr id="16" name="Chevron 10"/>
+            <p:cNvPr id="28" name="Chevron 8"/>
             <p:cNvSpPr/>
             <p:nvPr userDrawn="1"/>
           </p:nvSpPr>
           <p:spPr>
             <a:xfrm>
-              <a:off x="4593131" y="0"/>
+              <a:off x="3131665" y="0"/>
               <a:ext cx="1413006" cy="413826"/>
             </a:xfrm>
             <a:prstGeom prst="rect">
@@ -1665,6 +2060,44 @@
           </p:txBody>
         </p:sp>
       </p:grpSp>
+      <p:sp>
+        <p:nvSpPr>
+          <p:cNvPr id="29" name="TextBox 28"/>
+          <p:cNvSpPr txBox="1"/>
+          <p:nvPr userDrawn="1"/>
+        </p:nvSpPr>
+        <p:spPr>
+          <a:xfrm>
+            <a:off x="599017" y="36065"/>
+            <a:ext cx="816249" cy="215444"/>
+          </a:xfrm>
+          <a:prstGeom prst="rect">
+            <a:avLst/>
+          </a:prstGeom>
+          <a:noFill/>
+        </p:spPr>
+        <p:txBody>
+          <a:bodyPr wrap="none" rtlCol="0">
+            <a:spAutoFit/>
+          </a:bodyPr>
+          <a:lstStyle/>
+          <a:p>
+            <a:r>
+              <a:rPr lang="en-US" sz="800" b="1" dirty="0" smtClean="0">
+                <a:solidFill>
+                  <a:schemeClr val="bg1"/>
+                </a:solidFill>
+              </a:rPr>
+              <a:t>18-755 Project</a:t>
+            </a:r>
+            <a:endParaRPr lang="en-US" sz="800" b="1" dirty="0">
+              <a:solidFill>
+                <a:schemeClr val="bg1"/>
+              </a:solidFill>
+            </a:endParaRPr>
+          </a:p>
+        </p:txBody>
+      </p:sp>
     </p:spTree>
     <p:extLst>
       <p:ext uri="{BB962C8B-B14F-4D97-AF65-F5344CB8AC3E}">
@@ -2161,526 +2594,6 @@
           </a:p>
         </p:txBody>
       </p:sp>
-      <p:grpSp>
-        <p:nvGrpSpPr>
-          <p:cNvPr id="6" name="Group 5"/>
-          <p:cNvGrpSpPr/>
-          <p:nvPr userDrawn="1"/>
-        </p:nvGrpSpPr>
-        <p:grpSpPr>
-          <a:xfrm>
-            <a:off x="1465475" y="5889087"/>
-            <a:ext cx="1826832" cy="413826"/>
-            <a:chOff x="0" y="0"/>
-            <a:chExt cx="1826832" cy="413826"/>
-          </a:xfrm>
-        </p:grpSpPr>
-        <p:sp>
-          <p:nvSpPr>
-            <p:cNvPr id="7" name="Pentagon 6"/>
-            <p:cNvSpPr/>
-            <p:nvPr userDrawn="1"/>
-          </p:nvSpPr>
-          <p:spPr>
-            <a:xfrm>
-              <a:off x="0" y="0"/>
-              <a:ext cx="1826832" cy="413826"/>
-            </a:xfrm>
-            <a:prstGeom prst="homePlate">
-              <a:avLst/>
-            </a:prstGeom>
-            <a:ln>
-              <a:solidFill>
-                <a:srgbClr val="990000"/>
-              </a:solidFill>
-            </a:ln>
-          </p:spPr>
-          <p:style>
-            <a:lnRef idx="3">
-              <a:scrgbClr r="0" g="0" b="0"/>
-            </a:lnRef>
-            <a:fillRef idx="1">
-              <a:schemeClr val="lt1">
-                <a:hueOff val="0"/>
-                <a:satOff val="0"/>
-                <a:lumOff val="0"/>
-                <a:alphaOff val="0"/>
-              </a:schemeClr>
-            </a:fillRef>
-            <a:effectRef idx="1">
-              <a:schemeClr val="lt1">
-                <a:hueOff val="0"/>
-                <a:satOff val="0"/>
-                <a:lumOff val="0"/>
-                <a:alphaOff val="0"/>
-              </a:schemeClr>
-            </a:effectRef>
-            <a:fontRef idx="minor">
-              <a:schemeClr val="dk1">
-                <a:hueOff val="0"/>
-                <a:satOff val="0"/>
-                <a:lumOff val="0"/>
-                <a:alphaOff val="0"/>
-              </a:schemeClr>
-            </a:fontRef>
-          </p:style>
-        </p:sp>
-        <p:sp>
-          <p:nvSpPr>
-            <p:cNvPr id="8" name="Pentagon 4"/>
-            <p:cNvSpPr/>
-            <p:nvPr userDrawn="1"/>
-          </p:nvSpPr>
-          <p:spPr>
-            <a:xfrm>
-              <a:off x="0" y="0"/>
-              <a:ext cx="1723376" cy="413826"/>
-            </a:xfrm>
-            <a:prstGeom prst="rect">
-              <a:avLst/>
-            </a:prstGeom>
-          </p:spPr>
-          <p:style>
-            <a:lnRef idx="0">
-              <a:scrgbClr r="0" g="0" b="0"/>
-            </a:lnRef>
-            <a:fillRef idx="0">
-              <a:scrgbClr r="0" g="0" b="0"/>
-            </a:fillRef>
-            <a:effectRef idx="0">
-              <a:scrgbClr r="0" g="0" b="0"/>
-            </a:effectRef>
-            <a:fontRef idx="minor">
-              <a:schemeClr val="dk1">
-                <a:hueOff val="0"/>
-                <a:satOff val="0"/>
-                <a:lumOff val="0"/>
-                <a:alphaOff val="0"/>
-              </a:schemeClr>
-            </a:fontRef>
-          </p:style>
-          <p:txBody>
-            <a:bodyPr spcFirstLastPara="0" vert="horz" wrap="square" lIns="69342" tIns="34671" rIns="17336" bIns="34671" numCol="1" spcCol="1270" anchor="ctr" anchorCtr="0">
-              <a:noAutofit/>
-            </a:bodyPr>
-            <a:lstStyle/>
-            <a:p>
-              <a:pPr lvl="0" algn="ctr" defTabSz="577850">
-                <a:lnSpc>
-                  <a:spcPct val="90000"/>
-                </a:lnSpc>
-                <a:spcBef>
-                  <a:spcPct val="0"/>
-                </a:spcBef>
-                <a:spcAft>
-                  <a:spcPct val="35000"/>
-                </a:spcAft>
-              </a:pPr>
-              <a:r>
-                <a:rPr lang="en-US" sz="1300" kern="1200" dirty="0" smtClean="0">
-                  <a:latin typeface="Times New Roman" panose="02020603050405020304" pitchFamily="18" charset="0"/>
-                  <a:cs typeface="Times New Roman" panose="02020603050405020304" pitchFamily="18" charset="0"/>
-                </a:rPr>
-                <a:t>Overview</a:t>
-              </a:r>
-              <a:endParaRPr lang="en-US" sz="1300" kern="1200" dirty="0">
-                <a:latin typeface="Times New Roman" panose="02020603050405020304" pitchFamily="18" charset="0"/>
-                <a:cs typeface="Times New Roman" panose="02020603050405020304" pitchFamily="18" charset="0"/>
-              </a:endParaRPr>
-            </a:p>
-          </p:txBody>
-        </p:sp>
-      </p:grpSp>
-      <p:grpSp>
-        <p:nvGrpSpPr>
-          <p:cNvPr id="9" name="Group 8"/>
-          <p:cNvGrpSpPr/>
-          <p:nvPr userDrawn="1"/>
-        </p:nvGrpSpPr>
-        <p:grpSpPr>
-          <a:xfrm>
-            <a:off x="2928761" y="5889087"/>
-            <a:ext cx="1826832" cy="413826"/>
-            <a:chOff x="1463286" y="0"/>
-            <a:chExt cx="1826832" cy="413826"/>
-          </a:xfrm>
-        </p:grpSpPr>
-        <p:sp>
-          <p:nvSpPr>
-            <p:cNvPr id="10" name="Chevron 9"/>
-            <p:cNvSpPr/>
-            <p:nvPr userDrawn="1"/>
-          </p:nvSpPr>
-          <p:spPr>
-            <a:xfrm>
-              <a:off x="1463286" y="0"/>
-              <a:ext cx="1826832" cy="413826"/>
-            </a:xfrm>
-            <a:prstGeom prst="chevron">
-              <a:avLst/>
-            </a:prstGeom>
-            <a:ln>
-              <a:solidFill>
-                <a:srgbClr val="990000"/>
-              </a:solidFill>
-            </a:ln>
-          </p:spPr>
-          <p:style>
-            <a:lnRef idx="3">
-              <a:scrgbClr r="0" g="0" b="0"/>
-            </a:lnRef>
-            <a:fillRef idx="1">
-              <a:schemeClr val="lt1">
-                <a:hueOff val="0"/>
-                <a:satOff val="0"/>
-                <a:lumOff val="0"/>
-                <a:alphaOff val="0"/>
-              </a:schemeClr>
-            </a:fillRef>
-            <a:effectRef idx="1">
-              <a:schemeClr val="lt1">
-                <a:hueOff val="0"/>
-                <a:satOff val="0"/>
-                <a:lumOff val="0"/>
-                <a:alphaOff val="0"/>
-              </a:schemeClr>
-            </a:effectRef>
-            <a:fontRef idx="minor">
-              <a:schemeClr val="dk1">
-                <a:hueOff val="0"/>
-                <a:satOff val="0"/>
-                <a:lumOff val="0"/>
-                <a:alphaOff val="0"/>
-              </a:schemeClr>
-            </a:fontRef>
-          </p:style>
-        </p:sp>
-        <p:sp>
-          <p:nvSpPr>
-            <p:cNvPr id="11" name="Chevron 6"/>
-            <p:cNvSpPr/>
-            <p:nvPr userDrawn="1"/>
-          </p:nvSpPr>
-          <p:spPr>
-            <a:xfrm>
-              <a:off x="1670199" y="0"/>
-              <a:ext cx="1413006" cy="413826"/>
-            </a:xfrm>
-            <a:prstGeom prst="rect">
-              <a:avLst/>
-            </a:prstGeom>
-          </p:spPr>
-          <p:style>
-            <a:lnRef idx="0">
-              <a:scrgbClr r="0" g="0" b="0"/>
-            </a:lnRef>
-            <a:fillRef idx="0">
-              <a:scrgbClr r="0" g="0" b="0"/>
-            </a:fillRef>
-            <a:effectRef idx="0">
-              <a:scrgbClr r="0" g="0" b="0"/>
-            </a:effectRef>
-            <a:fontRef idx="minor">
-              <a:schemeClr val="dk1">
-                <a:hueOff val="0"/>
-                <a:satOff val="0"/>
-                <a:lumOff val="0"/>
-                <a:alphaOff val="0"/>
-              </a:schemeClr>
-            </a:fontRef>
-          </p:style>
-          <p:txBody>
-            <a:bodyPr spcFirstLastPara="0" vert="horz" wrap="square" lIns="52007" tIns="34671" rIns="17336" bIns="34671" numCol="1" spcCol="1270" anchor="ctr" anchorCtr="0">
-              <a:noAutofit/>
-            </a:bodyPr>
-            <a:lstStyle/>
-            <a:p>
-              <a:pPr lvl="0" algn="l" defTabSz="577850">
-                <a:lnSpc>
-                  <a:spcPct val="90000"/>
-                </a:lnSpc>
-                <a:spcBef>
-                  <a:spcPct val="0"/>
-                </a:spcBef>
-                <a:spcAft>
-                  <a:spcPct val="35000"/>
-                </a:spcAft>
-              </a:pPr>
-              <a:r>
-                <a:rPr lang="en-US" sz="1300" kern="1200" dirty="0" smtClean="0">
-                  <a:latin typeface="Times New Roman" panose="02020603050405020304" pitchFamily="18" charset="0"/>
-                  <a:cs typeface="Times New Roman" panose="02020603050405020304" pitchFamily="18" charset="0"/>
-                </a:rPr>
-                <a:t>     Approach</a:t>
-              </a:r>
-              <a:endParaRPr lang="en-US" sz="1300" kern="1200" dirty="0">
-                <a:latin typeface="Times New Roman" panose="02020603050405020304" pitchFamily="18" charset="0"/>
-                <a:cs typeface="Times New Roman" panose="02020603050405020304" pitchFamily="18" charset="0"/>
-              </a:endParaRPr>
-            </a:p>
-          </p:txBody>
-        </p:sp>
-      </p:grpSp>
-      <p:grpSp>
-        <p:nvGrpSpPr>
-          <p:cNvPr id="12" name="Group 11"/>
-          <p:cNvGrpSpPr/>
-          <p:nvPr userDrawn="1"/>
-        </p:nvGrpSpPr>
-        <p:grpSpPr>
-          <a:xfrm>
-            <a:off x="4390227" y="5889087"/>
-            <a:ext cx="1826832" cy="413826"/>
-            <a:chOff x="2924752" y="0"/>
-            <a:chExt cx="1826832" cy="413826"/>
-          </a:xfrm>
-        </p:grpSpPr>
-        <p:sp>
-          <p:nvSpPr>
-            <p:cNvPr id="13" name="Chevron 12"/>
-            <p:cNvSpPr/>
-            <p:nvPr userDrawn="1"/>
-          </p:nvSpPr>
-          <p:spPr>
-            <a:xfrm>
-              <a:off x="2924752" y="0"/>
-              <a:ext cx="1826832" cy="413826"/>
-            </a:xfrm>
-            <a:prstGeom prst="chevron">
-              <a:avLst/>
-            </a:prstGeom>
-            <a:ln>
-              <a:solidFill>
-                <a:srgbClr val="990000"/>
-              </a:solidFill>
-            </a:ln>
-          </p:spPr>
-          <p:style>
-            <a:lnRef idx="3">
-              <a:scrgbClr r="0" g="0" b="0"/>
-            </a:lnRef>
-            <a:fillRef idx="1">
-              <a:schemeClr val="lt1">
-                <a:hueOff val="0"/>
-                <a:satOff val="0"/>
-                <a:lumOff val="0"/>
-                <a:alphaOff val="0"/>
-              </a:schemeClr>
-            </a:fillRef>
-            <a:effectRef idx="1">
-              <a:schemeClr val="lt1">
-                <a:hueOff val="0"/>
-                <a:satOff val="0"/>
-                <a:lumOff val="0"/>
-                <a:alphaOff val="0"/>
-              </a:schemeClr>
-            </a:effectRef>
-            <a:fontRef idx="minor">
-              <a:schemeClr val="dk1">
-                <a:hueOff val="0"/>
-                <a:satOff val="0"/>
-                <a:lumOff val="0"/>
-                <a:alphaOff val="0"/>
-              </a:schemeClr>
-            </a:fontRef>
-          </p:style>
-        </p:sp>
-        <p:sp>
-          <p:nvSpPr>
-            <p:cNvPr id="14" name="Chevron 8"/>
-            <p:cNvSpPr/>
-            <p:nvPr userDrawn="1"/>
-          </p:nvSpPr>
-          <p:spPr>
-            <a:xfrm>
-              <a:off x="3131665" y="0"/>
-              <a:ext cx="1413006" cy="413826"/>
-            </a:xfrm>
-            <a:prstGeom prst="rect">
-              <a:avLst/>
-            </a:prstGeom>
-          </p:spPr>
-          <p:style>
-            <a:lnRef idx="0">
-              <a:scrgbClr r="0" g="0" b="0"/>
-            </a:lnRef>
-            <a:fillRef idx="0">
-              <a:scrgbClr r="0" g="0" b="0"/>
-            </a:fillRef>
-            <a:effectRef idx="0">
-              <a:scrgbClr r="0" g="0" b="0"/>
-            </a:effectRef>
-            <a:fontRef idx="minor">
-              <a:schemeClr val="dk1">
-                <a:hueOff val="0"/>
-                <a:satOff val="0"/>
-                <a:lumOff val="0"/>
-                <a:alphaOff val="0"/>
-              </a:schemeClr>
-            </a:fontRef>
-          </p:style>
-          <p:txBody>
-            <a:bodyPr spcFirstLastPara="0" vert="horz" wrap="square" lIns="52007" tIns="34671" rIns="17336" bIns="34671" numCol="1" spcCol="1270" anchor="ctr" anchorCtr="0">
-              <a:noAutofit/>
-            </a:bodyPr>
-            <a:lstStyle/>
-            <a:p>
-              <a:pPr lvl="0" algn="ctr" defTabSz="577850">
-                <a:lnSpc>
-                  <a:spcPct val="90000"/>
-                </a:lnSpc>
-                <a:spcBef>
-                  <a:spcPct val="0"/>
-                </a:spcBef>
-                <a:spcAft>
-                  <a:spcPct val="35000"/>
-                </a:spcAft>
-              </a:pPr>
-              <a:r>
-                <a:rPr lang="en-US" sz="1300" kern="1200" dirty="0" smtClean="0">
-                  <a:latin typeface="Times New Roman" panose="02020603050405020304" pitchFamily="18" charset="0"/>
-                  <a:cs typeface="Times New Roman" panose="02020603050405020304" pitchFamily="18" charset="0"/>
-                </a:rPr>
-                <a:t>Results</a:t>
-              </a:r>
-              <a:endParaRPr lang="en-US" sz="1300" kern="1200" dirty="0">
-                <a:latin typeface="Times New Roman" panose="02020603050405020304" pitchFamily="18" charset="0"/>
-                <a:cs typeface="Times New Roman" panose="02020603050405020304" pitchFamily="18" charset="0"/>
-              </a:endParaRPr>
-            </a:p>
-          </p:txBody>
-        </p:sp>
-      </p:grpSp>
-      <p:grpSp>
-        <p:nvGrpSpPr>
-          <p:cNvPr id="15" name="Group 14"/>
-          <p:cNvGrpSpPr/>
-          <p:nvPr userDrawn="1"/>
-        </p:nvGrpSpPr>
-        <p:grpSpPr>
-          <a:xfrm>
-            <a:off x="5851693" y="5889087"/>
-            <a:ext cx="1826832" cy="413826"/>
-            <a:chOff x="4386218" y="0"/>
-            <a:chExt cx="1826832" cy="413826"/>
-          </a:xfrm>
-        </p:grpSpPr>
-        <p:sp>
-          <p:nvSpPr>
-            <p:cNvPr id="16" name="Chevron 15"/>
-            <p:cNvSpPr/>
-            <p:nvPr userDrawn="1"/>
-          </p:nvSpPr>
-          <p:spPr>
-            <a:xfrm>
-              <a:off x="4386218" y="0"/>
-              <a:ext cx="1826832" cy="413826"/>
-            </a:xfrm>
-            <a:prstGeom prst="chevron">
-              <a:avLst/>
-            </a:prstGeom>
-            <a:ln>
-              <a:solidFill>
-                <a:srgbClr val="990000"/>
-              </a:solidFill>
-            </a:ln>
-          </p:spPr>
-          <p:style>
-            <a:lnRef idx="3">
-              <a:scrgbClr r="0" g="0" b="0"/>
-            </a:lnRef>
-            <a:fillRef idx="1">
-              <a:schemeClr val="lt1">
-                <a:hueOff val="0"/>
-                <a:satOff val="0"/>
-                <a:lumOff val="0"/>
-                <a:alphaOff val="0"/>
-              </a:schemeClr>
-            </a:fillRef>
-            <a:effectRef idx="1">
-              <a:schemeClr val="lt1">
-                <a:hueOff val="0"/>
-                <a:satOff val="0"/>
-                <a:lumOff val="0"/>
-                <a:alphaOff val="0"/>
-              </a:schemeClr>
-            </a:effectRef>
-            <a:fontRef idx="minor">
-              <a:schemeClr val="dk1">
-                <a:hueOff val="0"/>
-                <a:satOff val="0"/>
-                <a:lumOff val="0"/>
-                <a:alphaOff val="0"/>
-              </a:schemeClr>
-            </a:fontRef>
-          </p:style>
-        </p:sp>
-        <p:sp>
-          <p:nvSpPr>
-            <p:cNvPr id="17" name="Chevron 10"/>
-            <p:cNvSpPr/>
-            <p:nvPr userDrawn="1"/>
-          </p:nvSpPr>
-          <p:spPr>
-            <a:xfrm>
-              <a:off x="4593131" y="0"/>
-              <a:ext cx="1413006" cy="413826"/>
-            </a:xfrm>
-            <a:prstGeom prst="rect">
-              <a:avLst/>
-            </a:prstGeom>
-          </p:spPr>
-          <p:style>
-            <a:lnRef idx="0">
-              <a:scrgbClr r="0" g="0" b="0"/>
-            </a:lnRef>
-            <a:fillRef idx="0">
-              <a:scrgbClr r="0" g="0" b="0"/>
-            </a:fillRef>
-            <a:effectRef idx="0">
-              <a:scrgbClr r="0" g="0" b="0"/>
-            </a:effectRef>
-            <a:fontRef idx="minor">
-              <a:schemeClr val="dk1">
-                <a:hueOff val="0"/>
-                <a:satOff val="0"/>
-                <a:lumOff val="0"/>
-                <a:alphaOff val="0"/>
-              </a:schemeClr>
-            </a:fontRef>
-          </p:style>
-          <p:txBody>
-            <a:bodyPr spcFirstLastPara="0" vert="horz" wrap="square" lIns="52007" tIns="34671" rIns="17336" bIns="34671" numCol="1" spcCol="1270" anchor="ctr" anchorCtr="0">
-              <a:noAutofit/>
-            </a:bodyPr>
-            <a:lstStyle/>
-            <a:p>
-              <a:pPr lvl="0" algn="ctr" defTabSz="577850">
-                <a:lnSpc>
-                  <a:spcPct val="90000"/>
-                </a:lnSpc>
-                <a:spcBef>
-                  <a:spcPct val="0"/>
-                </a:spcBef>
-                <a:spcAft>
-                  <a:spcPct val="35000"/>
-                </a:spcAft>
-              </a:pPr>
-              <a:r>
-                <a:rPr lang="en-US" sz="1300" kern="1200" dirty="0" smtClean="0">
-                  <a:latin typeface="Times New Roman" panose="02020603050405020304" pitchFamily="18" charset="0"/>
-                  <a:cs typeface="Times New Roman" panose="02020603050405020304" pitchFamily="18" charset="0"/>
-                </a:rPr>
-                <a:t>Conclusion</a:t>
-              </a:r>
-              <a:endParaRPr lang="en-US" sz="1300" kern="1200" dirty="0">
-                <a:latin typeface="Times New Roman" panose="02020603050405020304" pitchFamily="18" charset="0"/>
-                <a:cs typeface="Times New Roman" panose="02020603050405020304" pitchFamily="18" charset="0"/>
-              </a:endParaRPr>
-            </a:p>
-          </p:txBody>
-        </p:sp>
-      </p:grpSp>
       <p:cxnSp>
         <p:nvCxnSpPr>
           <p:cNvPr id="18" name="Straight Connector 17"/>
@@ -2721,6 +2634,526 @@
           </a:extLst>
         </p:spPr>
       </p:cxnSp>
+      <p:grpSp>
+        <p:nvGrpSpPr>
+          <p:cNvPr id="19" name="Group 18"/>
+          <p:cNvGrpSpPr/>
+          <p:nvPr userDrawn="1"/>
+        </p:nvGrpSpPr>
+        <p:grpSpPr>
+          <a:xfrm>
+            <a:off x="1524000" y="5889087"/>
+            <a:ext cx="1768307" cy="413826"/>
+            <a:chOff x="0" y="0"/>
+            <a:chExt cx="1826832" cy="413826"/>
+          </a:xfrm>
+        </p:grpSpPr>
+        <p:sp>
+          <p:nvSpPr>
+            <p:cNvPr id="20" name="Pentagon 19"/>
+            <p:cNvSpPr/>
+            <p:nvPr userDrawn="1"/>
+          </p:nvSpPr>
+          <p:spPr>
+            <a:xfrm>
+              <a:off x="0" y="0"/>
+              <a:ext cx="1826832" cy="413826"/>
+            </a:xfrm>
+            <a:prstGeom prst="homePlate">
+              <a:avLst/>
+            </a:prstGeom>
+            <a:ln>
+              <a:solidFill>
+                <a:srgbClr val="990000"/>
+              </a:solidFill>
+            </a:ln>
+          </p:spPr>
+          <p:style>
+            <a:lnRef idx="3">
+              <a:scrgbClr r="0" g="0" b="0"/>
+            </a:lnRef>
+            <a:fillRef idx="1">
+              <a:schemeClr val="lt1">
+                <a:hueOff val="0"/>
+                <a:satOff val="0"/>
+                <a:lumOff val="0"/>
+                <a:alphaOff val="0"/>
+              </a:schemeClr>
+            </a:fillRef>
+            <a:effectRef idx="1">
+              <a:schemeClr val="lt1">
+                <a:hueOff val="0"/>
+                <a:satOff val="0"/>
+                <a:lumOff val="0"/>
+                <a:alphaOff val="0"/>
+              </a:schemeClr>
+            </a:effectRef>
+            <a:fontRef idx="minor">
+              <a:schemeClr val="dk1">
+                <a:hueOff val="0"/>
+                <a:satOff val="0"/>
+                <a:lumOff val="0"/>
+                <a:alphaOff val="0"/>
+              </a:schemeClr>
+            </a:fontRef>
+          </p:style>
+        </p:sp>
+        <p:sp>
+          <p:nvSpPr>
+            <p:cNvPr id="21" name="Pentagon 4"/>
+            <p:cNvSpPr/>
+            <p:nvPr userDrawn="1"/>
+          </p:nvSpPr>
+          <p:spPr>
+            <a:xfrm>
+              <a:off x="0" y="0"/>
+              <a:ext cx="1535345" cy="413826"/>
+            </a:xfrm>
+            <a:prstGeom prst="rect">
+              <a:avLst/>
+            </a:prstGeom>
+          </p:spPr>
+          <p:style>
+            <a:lnRef idx="0">
+              <a:scrgbClr r="0" g="0" b="0"/>
+            </a:lnRef>
+            <a:fillRef idx="0">
+              <a:scrgbClr r="0" g="0" b="0"/>
+            </a:fillRef>
+            <a:effectRef idx="0">
+              <a:scrgbClr r="0" g="0" b="0"/>
+            </a:effectRef>
+            <a:fontRef idx="minor">
+              <a:schemeClr val="dk1">
+                <a:hueOff val="0"/>
+                <a:satOff val="0"/>
+                <a:lumOff val="0"/>
+                <a:alphaOff val="0"/>
+              </a:schemeClr>
+            </a:fontRef>
+          </p:style>
+          <p:txBody>
+            <a:bodyPr spcFirstLastPara="0" vert="horz" wrap="square" lIns="69342" tIns="34671" rIns="17336" bIns="34671" numCol="1" spcCol="1270" anchor="ctr" anchorCtr="0">
+              <a:noAutofit/>
+            </a:bodyPr>
+            <a:lstStyle/>
+            <a:p>
+              <a:pPr lvl="0" algn="ctr" defTabSz="577850">
+                <a:lnSpc>
+                  <a:spcPct val="90000"/>
+                </a:lnSpc>
+                <a:spcBef>
+                  <a:spcPct val="0"/>
+                </a:spcBef>
+                <a:spcAft>
+                  <a:spcPct val="35000"/>
+                </a:spcAft>
+              </a:pPr>
+              <a:r>
+                <a:rPr lang="en-US" sz="1300" kern="1200" dirty="0" smtClean="0">
+                  <a:latin typeface="Times New Roman" panose="02020603050405020304" pitchFamily="18" charset="0"/>
+                  <a:cs typeface="Times New Roman" panose="02020603050405020304" pitchFamily="18" charset="0"/>
+                </a:rPr>
+                <a:t>Overview</a:t>
+              </a:r>
+              <a:endParaRPr lang="en-US" sz="1300" kern="1200" dirty="0">
+                <a:latin typeface="Times New Roman" panose="02020603050405020304" pitchFamily="18" charset="0"/>
+                <a:cs typeface="Times New Roman" panose="02020603050405020304" pitchFamily="18" charset="0"/>
+              </a:endParaRPr>
+            </a:p>
+          </p:txBody>
+        </p:sp>
+      </p:grpSp>
+      <p:grpSp>
+        <p:nvGrpSpPr>
+          <p:cNvPr id="22" name="Group 21"/>
+          <p:cNvGrpSpPr/>
+          <p:nvPr userDrawn="1"/>
+        </p:nvGrpSpPr>
+        <p:grpSpPr>
+          <a:xfrm>
+            <a:off x="2928761" y="5889087"/>
+            <a:ext cx="1668379" cy="413826"/>
+            <a:chOff x="1463286" y="0"/>
+            <a:chExt cx="1826832" cy="413826"/>
+          </a:xfrm>
+        </p:grpSpPr>
+        <p:sp>
+          <p:nvSpPr>
+            <p:cNvPr id="23" name="Chevron 22"/>
+            <p:cNvSpPr/>
+            <p:nvPr userDrawn="1"/>
+          </p:nvSpPr>
+          <p:spPr>
+            <a:xfrm>
+              <a:off x="1463286" y="0"/>
+              <a:ext cx="1826832" cy="413826"/>
+            </a:xfrm>
+            <a:prstGeom prst="chevron">
+              <a:avLst/>
+            </a:prstGeom>
+            <a:ln>
+              <a:solidFill>
+                <a:srgbClr val="990000"/>
+              </a:solidFill>
+            </a:ln>
+          </p:spPr>
+          <p:style>
+            <a:lnRef idx="3">
+              <a:scrgbClr r="0" g="0" b="0"/>
+            </a:lnRef>
+            <a:fillRef idx="1">
+              <a:schemeClr val="lt1">
+                <a:hueOff val="0"/>
+                <a:satOff val="0"/>
+                <a:lumOff val="0"/>
+                <a:alphaOff val="0"/>
+              </a:schemeClr>
+            </a:fillRef>
+            <a:effectRef idx="1">
+              <a:schemeClr val="lt1">
+                <a:hueOff val="0"/>
+                <a:satOff val="0"/>
+                <a:lumOff val="0"/>
+                <a:alphaOff val="0"/>
+              </a:schemeClr>
+            </a:effectRef>
+            <a:fontRef idx="minor">
+              <a:schemeClr val="dk1">
+                <a:hueOff val="0"/>
+                <a:satOff val="0"/>
+                <a:lumOff val="0"/>
+                <a:alphaOff val="0"/>
+              </a:schemeClr>
+            </a:fontRef>
+          </p:style>
+        </p:sp>
+        <p:sp>
+          <p:nvSpPr>
+            <p:cNvPr id="24" name="Chevron 6"/>
+            <p:cNvSpPr/>
+            <p:nvPr userDrawn="1"/>
+          </p:nvSpPr>
+          <p:spPr>
+            <a:xfrm>
+              <a:off x="1670199" y="0"/>
+              <a:ext cx="1413006" cy="413826"/>
+            </a:xfrm>
+            <a:prstGeom prst="rect">
+              <a:avLst/>
+            </a:prstGeom>
+          </p:spPr>
+          <p:style>
+            <a:lnRef idx="0">
+              <a:scrgbClr r="0" g="0" b="0"/>
+            </a:lnRef>
+            <a:fillRef idx="0">
+              <a:scrgbClr r="0" g="0" b="0"/>
+            </a:fillRef>
+            <a:effectRef idx="0">
+              <a:scrgbClr r="0" g="0" b="0"/>
+            </a:effectRef>
+            <a:fontRef idx="minor">
+              <a:schemeClr val="dk1">
+                <a:hueOff val="0"/>
+                <a:satOff val="0"/>
+                <a:lumOff val="0"/>
+                <a:alphaOff val="0"/>
+              </a:schemeClr>
+            </a:fontRef>
+          </p:style>
+          <p:txBody>
+            <a:bodyPr spcFirstLastPara="0" vert="horz" wrap="square" lIns="52007" tIns="34671" rIns="17336" bIns="34671" numCol="1" spcCol="1270" anchor="ctr" anchorCtr="0">
+              <a:noAutofit/>
+            </a:bodyPr>
+            <a:lstStyle/>
+            <a:p>
+              <a:pPr lvl="0" algn="l" defTabSz="577850">
+                <a:lnSpc>
+                  <a:spcPct val="90000"/>
+                </a:lnSpc>
+                <a:spcBef>
+                  <a:spcPct val="0"/>
+                </a:spcBef>
+                <a:spcAft>
+                  <a:spcPct val="35000"/>
+                </a:spcAft>
+              </a:pPr>
+              <a:r>
+                <a:rPr lang="en-US" sz="1300" kern="1200" dirty="0" smtClean="0">
+                  <a:latin typeface="Times New Roman" panose="02020603050405020304" pitchFamily="18" charset="0"/>
+                  <a:cs typeface="Times New Roman" panose="02020603050405020304" pitchFamily="18" charset="0"/>
+                </a:rPr>
+                <a:t>     Approach</a:t>
+              </a:r>
+              <a:endParaRPr lang="en-US" sz="1300" kern="1200" dirty="0">
+                <a:latin typeface="Times New Roman" panose="02020603050405020304" pitchFamily="18" charset="0"/>
+                <a:cs typeface="Times New Roman" panose="02020603050405020304" pitchFamily="18" charset="0"/>
+              </a:endParaRPr>
+            </a:p>
+          </p:txBody>
+        </p:sp>
+      </p:grpSp>
+      <p:grpSp>
+        <p:nvGrpSpPr>
+          <p:cNvPr id="28" name="Group 27"/>
+          <p:cNvGrpSpPr/>
+          <p:nvPr userDrawn="1"/>
+        </p:nvGrpSpPr>
+        <p:grpSpPr>
+          <a:xfrm>
+            <a:off x="5828750" y="5889087"/>
+            <a:ext cx="1826832" cy="413826"/>
+            <a:chOff x="2924752" y="0"/>
+            <a:chExt cx="1826832" cy="413826"/>
+          </a:xfrm>
+        </p:grpSpPr>
+        <p:sp>
+          <p:nvSpPr>
+            <p:cNvPr id="29" name="Chevron 28"/>
+            <p:cNvSpPr/>
+            <p:nvPr userDrawn="1"/>
+          </p:nvSpPr>
+          <p:spPr>
+            <a:xfrm>
+              <a:off x="2924752" y="0"/>
+              <a:ext cx="1826832" cy="413826"/>
+            </a:xfrm>
+            <a:prstGeom prst="chevron">
+              <a:avLst/>
+            </a:prstGeom>
+            <a:ln>
+              <a:solidFill>
+                <a:srgbClr val="990000"/>
+              </a:solidFill>
+            </a:ln>
+          </p:spPr>
+          <p:style>
+            <a:lnRef idx="3">
+              <a:scrgbClr r="0" g="0" b="0"/>
+            </a:lnRef>
+            <a:fillRef idx="1">
+              <a:schemeClr val="lt1">
+                <a:hueOff val="0"/>
+                <a:satOff val="0"/>
+                <a:lumOff val="0"/>
+                <a:alphaOff val="0"/>
+              </a:schemeClr>
+            </a:fillRef>
+            <a:effectRef idx="1">
+              <a:schemeClr val="lt1">
+                <a:hueOff val="0"/>
+                <a:satOff val="0"/>
+                <a:lumOff val="0"/>
+                <a:alphaOff val="0"/>
+              </a:schemeClr>
+            </a:effectRef>
+            <a:fontRef idx="minor">
+              <a:schemeClr val="dk1">
+                <a:hueOff val="0"/>
+                <a:satOff val="0"/>
+                <a:lumOff val="0"/>
+                <a:alphaOff val="0"/>
+              </a:schemeClr>
+            </a:fontRef>
+          </p:style>
+        </p:sp>
+        <p:sp>
+          <p:nvSpPr>
+            <p:cNvPr id="30" name="Chevron 8"/>
+            <p:cNvSpPr/>
+            <p:nvPr userDrawn="1"/>
+          </p:nvSpPr>
+          <p:spPr>
+            <a:xfrm>
+              <a:off x="3131665" y="0"/>
+              <a:ext cx="1413006" cy="413826"/>
+            </a:xfrm>
+            <a:prstGeom prst="rect">
+              <a:avLst/>
+            </a:prstGeom>
+          </p:spPr>
+          <p:style>
+            <a:lnRef idx="0">
+              <a:scrgbClr r="0" g="0" b="0"/>
+            </a:lnRef>
+            <a:fillRef idx="0">
+              <a:scrgbClr r="0" g="0" b="0"/>
+            </a:fillRef>
+            <a:effectRef idx="0">
+              <a:scrgbClr r="0" g="0" b="0"/>
+            </a:effectRef>
+            <a:fontRef idx="minor">
+              <a:schemeClr val="dk1">
+                <a:hueOff val="0"/>
+                <a:satOff val="0"/>
+                <a:lumOff val="0"/>
+                <a:alphaOff val="0"/>
+              </a:schemeClr>
+            </a:fontRef>
+          </p:style>
+          <p:txBody>
+            <a:bodyPr spcFirstLastPara="0" vert="horz" wrap="square" lIns="52007" tIns="34671" rIns="17336" bIns="34671" numCol="1" spcCol="1270" anchor="ctr" anchorCtr="0">
+              <a:noAutofit/>
+            </a:bodyPr>
+            <a:lstStyle/>
+            <a:p>
+              <a:pPr lvl="0" algn="ctr" defTabSz="577850">
+                <a:lnSpc>
+                  <a:spcPct val="90000"/>
+                </a:lnSpc>
+                <a:spcBef>
+                  <a:spcPct val="0"/>
+                </a:spcBef>
+                <a:spcAft>
+                  <a:spcPct val="35000"/>
+                </a:spcAft>
+              </a:pPr>
+              <a:r>
+                <a:rPr lang="en-US" sz="1300" kern="1200" dirty="0" smtClean="0">
+                  <a:latin typeface="Times New Roman" panose="02020603050405020304" pitchFamily="18" charset="0"/>
+                  <a:cs typeface="Times New Roman" panose="02020603050405020304" pitchFamily="18" charset="0"/>
+                </a:rPr>
+                <a:t>Conclusion</a:t>
+              </a:r>
+              <a:endParaRPr lang="en-US" sz="1300" kern="1200" dirty="0">
+                <a:latin typeface="Times New Roman" panose="02020603050405020304" pitchFamily="18" charset="0"/>
+                <a:cs typeface="Times New Roman" panose="02020603050405020304" pitchFamily="18" charset="0"/>
+              </a:endParaRPr>
+            </a:p>
+          </p:txBody>
+        </p:sp>
+      </p:grpSp>
+      <p:grpSp>
+        <p:nvGrpSpPr>
+          <p:cNvPr id="31" name="Group 30"/>
+          <p:cNvGrpSpPr/>
+          <p:nvPr userDrawn="1"/>
+        </p:nvGrpSpPr>
+        <p:grpSpPr>
+          <a:xfrm>
+            <a:off x="4375485" y="5889087"/>
+            <a:ext cx="1668379" cy="413826"/>
+            <a:chOff x="1463286" y="0"/>
+            <a:chExt cx="1826832" cy="413826"/>
+          </a:xfrm>
+        </p:grpSpPr>
+        <p:sp>
+          <p:nvSpPr>
+            <p:cNvPr id="32" name="Chevron 31"/>
+            <p:cNvSpPr/>
+            <p:nvPr userDrawn="1"/>
+          </p:nvSpPr>
+          <p:spPr>
+            <a:xfrm>
+              <a:off x="1463286" y="0"/>
+              <a:ext cx="1826832" cy="413826"/>
+            </a:xfrm>
+            <a:prstGeom prst="chevron">
+              <a:avLst/>
+            </a:prstGeom>
+            <a:ln>
+              <a:solidFill>
+                <a:srgbClr val="990000"/>
+              </a:solidFill>
+            </a:ln>
+          </p:spPr>
+          <p:style>
+            <a:lnRef idx="3">
+              <a:scrgbClr r="0" g="0" b="0"/>
+            </a:lnRef>
+            <a:fillRef idx="1">
+              <a:schemeClr val="lt1">
+                <a:hueOff val="0"/>
+                <a:satOff val="0"/>
+                <a:lumOff val="0"/>
+                <a:alphaOff val="0"/>
+              </a:schemeClr>
+            </a:fillRef>
+            <a:effectRef idx="1">
+              <a:schemeClr val="lt1">
+                <a:hueOff val="0"/>
+                <a:satOff val="0"/>
+                <a:lumOff val="0"/>
+                <a:alphaOff val="0"/>
+              </a:schemeClr>
+            </a:effectRef>
+            <a:fontRef idx="minor">
+              <a:schemeClr val="dk1">
+                <a:hueOff val="0"/>
+                <a:satOff val="0"/>
+                <a:lumOff val="0"/>
+                <a:alphaOff val="0"/>
+              </a:schemeClr>
+            </a:fontRef>
+          </p:style>
+        </p:sp>
+        <p:sp>
+          <p:nvSpPr>
+            <p:cNvPr id="33" name="Chevron 6"/>
+            <p:cNvSpPr/>
+            <p:nvPr userDrawn="1"/>
+          </p:nvSpPr>
+          <p:spPr>
+            <a:xfrm>
+              <a:off x="1670199" y="0"/>
+              <a:ext cx="1413006" cy="413826"/>
+            </a:xfrm>
+            <a:prstGeom prst="rect">
+              <a:avLst/>
+            </a:prstGeom>
+          </p:spPr>
+          <p:style>
+            <a:lnRef idx="0">
+              <a:scrgbClr r="0" g="0" b="0"/>
+            </a:lnRef>
+            <a:fillRef idx="0">
+              <a:scrgbClr r="0" g="0" b="0"/>
+            </a:fillRef>
+            <a:effectRef idx="0">
+              <a:scrgbClr r="0" g="0" b="0"/>
+            </a:effectRef>
+            <a:fontRef idx="minor">
+              <a:schemeClr val="dk1">
+                <a:hueOff val="0"/>
+                <a:satOff val="0"/>
+                <a:lumOff val="0"/>
+                <a:alphaOff val="0"/>
+              </a:schemeClr>
+            </a:fontRef>
+          </p:style>
+          <p:txBody>
+            <a:bodyPr spcFirstLastPara="0" vert="horz" wrap="square" lIns="52007" tIns="34671" rIns="17336" bIns="34671" numCol="1" spcCol="1270" anchor="ctr" anchorCtr="0">
+              <a:noAutofit/>
+            </a:bodyPr>
+            <a:lstStyle/>
+            <a:p>
+              <a:pPr lvl="0" algn="l" defTabSz="577850">
+                <a:lnSpc>
+                  <a:spcPct val="90000"/>
+                </a:lnSpc>
+                <a:spcBef>
+                  <a:spcPct val="0"/>
+                </a:spcBef>
+                <a:spcAft>
+                  <a:spcPct val="35000"/>
+                </a:spcAft>
+              </a:pPr>
+              <a:r>
+                <a:rPr lang="en-US" sz="1300" kern="1200" dirty="0" smtClean="0">
+                  <a:latin typeface="Times New Roman" panose="02020603050405020304" pitchFamily="18" charset="0"/>
+                  <a:cs typeface="Times New Roman" panose="02020603050405020304" pitchFamily="18" charset="0"/>
+                </a:rPr>
+                <a:t>     Results</a:t>
+              </a:r>
+              <a:endParaRPr lang="en-US" sz="1300" kern="1200" dirty="0">
+                <a:latin typeface="Times New Roman" panose="02020603050405020304" pitchFamily="18" charset="0"/>
+                <a:cs typeface="Times New Roman" panose="02020603050405020304" pitchFamily="18" charset="0"/>
+              </a:endParaRPr>
+            </a:p>
+          </p:txBody>
+        </p:sp>
+      </p:grpSp>
     </p:spTree>
     <p:extLst>
       <p:ext uri="{BB962C8B-B14F-4D97-AF65-F5344CB8AC3E}">
@@ -3059,526 +3492,6 @@
           </a:p>
         </p:txBody>
       </p:sp>
-      <p:grpSp>
-        <p:nvGrpSpPr>
-          <p:cNvPr id="8" name="Group 7"/>
-          <p:cNvGrpSpPr/>
-          <p:nvPr userDrawn="1"/>
-        </p:nvGrpSpPr>
-        <p:grpSpPr>
-          <a:xfrm>
-            <a:off x="1465475" y="5889087"/>
-            <a:ext cx="1826832" cy="413826"/>
-            <a:chOff x="0" y="0"/>
-            <a:chExt cx="1826832" cy="413826"/>
-          </a:xfrm>
-        </p:grpSpPr>
-        <p:sp>
-          <p:nvSpPr>
-            <p:cNvPr id="9" name="Pentagon 8"/>
-            <p:cNvSpPr/>
-            <p:nvPr userDrawn="1"/>
-          </p:nvSpPr>
-          <p:spPr>
-            <a:xfrm>
-              <a:off x="0" y="0"/>
-              <a:ext cx="1826832" cy="413826"/>
-            </a:xfrm>
-            <a:prstGeom prst="homePlate">
-              <a:avLst/>
-            </a:prstGeom>
-            <a:ln>
-              <a:solidFill>
-                <a:srgbClr val="990000"/>
-              </a:solidFill>
-            </a:ln>
-          </p:spPr>
-          <p:style>
-            <a:lnRef idx="3">
-              <a:scrgbClr r="0" g="0" b="0"/>
-            </a:lnRef>
-            <a:fillRef idx="1">
-              <a:schemeClr val="lt1">
-                <a:hueOff val="0"/>
-                <a:satOff val="0"/>
-                <a:lumOff val="0"/>
-                <a:alphaOff val="0"/>
-              </a:schemeClr>
-            </a:fillRef>
-            <a:effectRef idx="1">
-              <a:schemeClr val="lt1">
-                <a:hueOff val="0"/>
-                <a:satOff val="0"/>
-                <a:lumOff val="0"/>
-                <a:alphaOff val="0"/>
-              </a:schemeClr>
-            </a:effectRef>
-            <a:fontRef idx="minor">
-              <a:schemeClr val="dk1">
-                <a:hueOff val="0"/>
-                <a:satOff val="0"/>
-                <a:lumOff val="0"/>
-                <a:alphaOff val="0"/>
-              </a:schemeClr>
-            </a:fontRef>
-          </p:style>
-        </p:sp>
-        <p:sp>
-          <p:nvSpPr>
-            <p:cNvPr id="10" name="Pentagon 4"/>
-            <p:cNvSpPr/>
-            <p:nvPr userDrawn="1"/>
-          </p:nvSpPr>
-          <p:spPr>
-            <a:xfrm>
-              <a:off x="0" y="0"/>
-              <a:ext cx="1723376" cy="413826"/>
-            </a:xfrm>
-            <a:prstGeom prst="rect">
-              <a:avLst/>
-            </a:prstGeom>
-          </p:spPr>
-          <p:style>
-            <a:lnRef idx="0">
-              <a:scrgbClr r="0" g="0" b="0"/>
-            </a:lnRef>
-            <a:fillRef idx="0">
-              <a:scrgbClr r="0" g="0" b="0"/>
-            </a:fillRef>
-            <a:effectRef idx="0">
-              <a:scrgbClr r="0" g="0" b="0"/>
-            </a:effectRef>
-            <a:fontRef idx="minor">
-              <a:schemeClr val="dk1">
-                <a:hueOff val="0"/>
-                <a:satOff val="0"/>
-                <a:lumOff val="0"/>
-                <a:alphaOff val="0"/>
-              </a:schemeClr>
-            </a:fontRef>
-          </p:style>
-          <p:txBody>
-            <a:bodyPr spcFirstLastPara="0" vert="horz" wrap="square" lIns="69342" tIns="34671" rIns="17336" bIns="34671" numCol="1" spcCol="1270" anchor="ctr" anchorCtr="0">
-              <a:noAutofit/>
-            </a:bodyPr>
-            <a:lstStyle/>
-            <a:p>
-              <a:pPr lvl="0" algn="ctr" defTabSz="577850">
-                <a:lnSpc>
-                  <a:spcPct val="90000"/>
-                </a:lnSpc>
-                <a:spcBef>
-                  <a:spcPct val="0"/>
-                </a:spcBef>
-                <a:spcAft>
-                  <a:spcPct val="35000"/>
-                </a:spcAft>
-              </a:pPr>
-              <a:r>
-                <a:rPr lang="en-US" sz="1300" kern="1200" dirty="0" smtClean="0">
-                  <a:latin typeface="Times New Roman" panose="02020603050405020304" pitchFamily="18" charset="0"/>
-                  <a:cs typeface="Times New Roman" panose="02020603050405020304" pitchFamily="18" charset="0"/>
-                </a:rPr>
-                <a:t>Overview</a:t>
-              </a:r>
-              <a:endParaRPr lang="en-US" sz="1300" kern="1200" dirty="0">
-                <a:latin typeface="Times New Roman" panose="02020603050405020304" pitchFamily="18" charset="0"/>
-                <a:cs typeface="Times New Roman" panose="02020603050405020304" pitchFamily="18" charset="0"/>
-              </a:endParaRPr>
-            </a:p>
-          </p:txBody>
-        </p:sp>
-      </p:grpSp>
-      <p:grpSp>
-        <p:nvGrpSpPr>
-          <p:cNvPr id="11" name="Group 10"/>
-          <p:cNvGrpSpPr/>
-          <p:nvPr userDrawn="1"/>
-        </p:nvGrpSpPr>
-        <p:grpSpPr>
-          <a:xfrm>
-            <a:off x="2928761" y="5889087"/>
-            <a:ext cx="1826832" cy="413826"/>
-            <a:chOff x="1463286" y="0"/>
-            <a:chExt cx="1826832" cy="413826"/>
-          </a:xfrm>
-        </p:grpSpPr>
-        <p:sp>
-          <p:nvSpPr>
-            <p:cNvPr id="12" name="Chevron 11"/>
-            <p:cNvSpPr/>
-            <p:nvPr userDrawn="1"/>
-          </p:nvSpPr>
-          <p:spPr>
-            <a:xfrm>
-              <a:off x="1463286" y="0"/>
-              <a:ext cx="1826832" cy="413826"/>
-            </a:xfrm>
-            <a:prstGeom prst="chevron">
-              <a:avLst/>
-            </a:prstGeom>
-            <a:ln>
-              <a:solidFill>
-                <a:srgbClr val="990000"/>
-              </a:solidFill>
-            </a:ln>
-          </p:spPr>
-          <p:style>
-            <a:lnRef idx="3">
-              <a:scrgbClr r="0" g="0" b="0"/>
-            </a:lnRef>
-            <a:fillRef idx="1">
-              <a:schemeClr val="lt1">
-                <a:hueOff val="0"/>
-                <a:satOff val="0"/>
-                <a:lumOff val="0"/>
-                <a:alphaOff val="0"/>
-              </a:schemeClr>
-            </a:fillRef>
-            <a:effectRef idx="1">
-              <a:schemeClr val="lt1">
-                <a:hueOff val="0"/>
-                <a:satOff val="0"/>
-                <a:lumOff val="0"/>
-                <a:alphaOff val="0"/>
-              </a:schemeClr>
-            </a:effectRef>
-            <a:fontRef idx="minor">
-              <a:schemeClr val="dk1">
-                <a:hueOff val="0"/>
-                <a:satOff val="0"/>
-                <a:lumOff val="0"/>
-                <a:alphaOff val="0"/>
-              </a:schemeClr>
-            </a:fontRef>
-          </p:style>
-        </p:sp>
-        <p:sp>
-          <p:nvSpPr>
-            <p:cNvPr id="13" name="Chevron 6"/>
-            <p:cNvSpPr/>
-            <p:nvPr userDrawn="1"/>
-          </p:nvSpPr>
-          <p:spPr>
-            <a:xfrm>
-              <a:off x="1670199" y="0"/>
-              <a:ext cx="1413006" cy="413826"/>
-            </a:xfrm>
-            <a:prstGeom prst="rect">
-              <a:avLst/>
-            </a:prstGeom>
-          </p:spPr>
-          <p:style>
-            <a:lnRef idx="0">
-              <a:scrgbClr r="0" g="0" b="0"/>
-            </a:lnRef>
-            <a:fillRef idx="0">
-              <a:scrgbClr r="0" g="0" b="0"/>
-            </a:fillRef>
-            <a:effectRef idx="0">
-              <a:scrgbClr r="0" g="0" b="0"/>
-            </a:effectRef>
-            <a:fontRef idx="minor">
-              <a:schemeClr val="dk1">
-                <a:hueOff val="0"/>
-                <a:satOff val="0"/>
-                <a:lumOff val="0"/>
-                <a:alphaOff val="0"/>
-              </a:schemeClr>
-            </a:fontRef>
-          </p:style>
-          <p:txBody>
-            <a:bodyPr spcFirstLastPara="0" vert="horz" wrap="square" lIns="52007" tIns="34671" rIns="17336" bIns="34671" numCol="1" spcCol="1270" anchor="ctr" anchorCtr="0">
-              <a:noAutofit/>
-            </a:bodyPr>
-            <a:lstStyle/>
-            <a:p>
-              <a:pPr lvl="0" algn="l" defTabSz="577850">
-                <a:lnSpc>
-                  <a:spcPct val="90000"/>
-                </a:lnSpc>
-                <a:spcBef>
-                  <a:spcPct val="0"/>
-                </a:spcBef>
-                <a:spcAft>
-                  <a:spcPct val="35000"/>
-                </a:spcAft>
-              </a:pPr>
-              <a:r>
-                <a:rPr lang="en-US" sz="1300" kern="1200" dirty="0" smtClean="0">
-                  <a:latin typeface="Times New Roman" panose="02020603050405020304" pitchFamily="18" charset="0"/>
-                  <a:cs typeface="Times New Roman" panose="02020603050405020304" pitchFamily="18" charset="0"/>
-                </a:rPr>
-                <a:t>     Approach</a:t>
-              </a:r>
-              <a:endParaRPr lang="en-US" sz="1300" kern="1200" dirty="0">
-                <a:latin typeface="Times New Roman" panose="02020603050405020304" pitchFamily="18" charset="0"/>
-                <a:cs typeface="Times New Roman" panose="02020603050405020304" pitchFamily="18" charset="0"/>
-              </a:endParaRPr>
-            </a:p>
-          </p:txBody>
-        </p:sp>
-      </p:grpSp>
-      <p:grpSp>
-        <p:nvGrpSpPr>
-          <p:cNvPr id="14" name="Group 13"/>
-          <p:cNvGrpSpPr/>
-          <p:nvPr userDrawn="1"/>
-        </p:nvGrpSpPr>
-        <p:grpSpPr>
-          <a:xfrm>
-            <a:off x="4390227" y="5889087"/>
-            <a:ext cx="1826832" cy="413826"/>
-            <a:chOff x="2924752" y="0"/>
-            <a:chExt cx="1826832" cy="413826"/>
-          </a:xfrm>
-        </p:grpSpPr>
-        <p:sp>
-          <p:nvSpPr>
-            <p:cNvPr id="15" name="Chevron 14"/>
-            <p:cNvSpPr/>
-            <p:nvPr userDrawn="1"/>
-          </p:nvSpPr>
-          <p:spPr>
-            <a:xfrm>
-              <a:off x="2924752" y="0"/>
-              <a:ext cx="1826832" cy="413826"/>
-            </a:xfrm>
-            <a:prstGeom prst="chevron">
-              <a:avLst/>
-            </a:prstGeom>
-            <a:ln>
-              <a:solidFill>
-                <a:srgbClr val="990000"/>
-              </a:solidFill>
-            </a:ln>
-          </p:spPr>
-          <p:style>
-            <a:lnRef idx="3">
-              <a:scrgbClr r="0" g="0" b="0"/>
-            </a:lnRef>
-            <a:fillRef idx="1">
-              <a:schemeClr val="lt1">
-                <a:hueOff val="0"/>
-                <a:satOff val="0"/>
-                <a:lumOff val="0"/>
-                <a:alphaOff val="0"/>
-              </a:schemeClr>
-            </a:fillRef>
-            <a:effectRef idx="1">
-              <a:schemeClr val="lt1">
-                <a:hueOff val="0"/>
-                <a:satOff val="0"/>
-                <a:lumOff val="0"/>
-                <a:alphaOff val="0"/>
-              </a:schemeClr>
-            </a:effectRef>
-            <a:fontRef idx="minor">
-              <a:schemeClr val="dk1">
-                <a:hueOff val="0"/>
-                <a:satOff val="0"/>
-                <a:lumOff val="0"/>
-                <a:alphaOff val="0"/>
-              </a:schemeClr>
-            </a:fontRef>
-          </p:style>
-        </p:sp>
-        <p:sp>
-          <p:nvSpPr>
-            <p:cNvPr id="16" name="Chevron 8"/>
-            <p:cNvSpPr/>
-            <p:nvPr userDrawn="1"/>
-          </p:nvSpPr>
-          <p:spPr>
-            <a:xfrm>
-              <a:off x="3131665" y="0"/>
-              <a:ext cx="1413006" cy="413826"/>
-            </a:xfrm>
-            <a:prstGeom prst="rect">
-              <a:avLst/>
-            </a:prstGeom>
-          </p:spPr>
-          <p:style>
-            <a:lnRef idx="0">
-              <a:scrgbClr r="0" g="0" b="0"/>
-            </a:lnRef>
-            <a:fillRef idx="0">
-              <a:scrgbClr r="0" g="0" b="0"/>
-            </a:fillRef>
-            <a:effectRef idx="0">
-              <a:scrgbClr r="0" g="0" b="0"/>
-            </a:effectRef>
-            <a:fontRef idx="minor">
-              <a:schemeClr val="dk1">
-                <a:hueOff val="0"/>
-                <a:satOff val="0"/>
-                <a:lumOff val="0"/>
-                <a:alphaOff val="0"/>
-              </a:schemeClr>
-            </a:fontRef>
-          </p:style>
-          <p:txBody>
-            <a:bodyPr spcFirstLastPara="0" vert="horz" wrap="square" lIns="52007" tIns="34671" rIns="17336" bIns="34671" numCol="1" spcCol="1270" anchor="ctr" anchorCtr="0">
-              <a:noAutofit/>
-            </a:bodyPr>
-            <a:lstStyle/>
-            <a:p>
-              <a:pPr lvl="0" algn="ctr" defTabSz="577850">
-                <a:lnSpc>
-                  <a:spcPct val="90000"/>
-                </a:lnSpc>
-                <a:spcBef>
-                  <a:spcPct val="0"/>
-                </a:spcBef>
-                <a:spcAft>
-                  <a:spcPct val="35000"/>
-                </a:spcAft>
-              </a:pPr>
-              <a:r>
-                <a:rPr lang="en-US" sz="1300" kern="1200" dirty="0" smtClean="0">
-                  <a:latin typeface="Times New Roman" panose="02020603050405020304" pitchFamily="18" charset="0"/>
-                  <a:cs typeface="Times New Roman" panose="02020603050405020304" pitchFamily="18" charset="0"/>
-                </a:rPr>
-                <a:t>Results</a:t>
-              </a:r>
-              <a:endParaRPr lang="en-US" sz="1300" kern="1200" dirty="0">
-                <a:latin typeface="Times New Roman" panose="02020603050405020304" pitchFamily="18" charset="0"/>
-                <a:cs typeface="Times New Roman" panose="02020603050405020304" pitchFamily="18" charset="0"/>
-              </a:endParaRPr>
-            </a:p>
-          </p:txBody>
-        </p:sp>
-      </p:grpSp>
-      <p:grpSp>
-        <p:nvGrpSpPr>
-          <p:cNvPr id="17" name="Group 16"/>
-          <p:cNvGrpSpPr/>
-          <p:nvPr userDrawn="1"/>
-        </p:nvGrpSpPr>
-        <p:grpSpPr>
-          <a:xfrm>
-            <a:off x="5851693" y="5889087"/>
-            <a:ext cx="1826832" cy="413826"/>
-            <a:chOff x="4386218" y="0"/>
-            <a:chExt cx="1826832" cy="413826"/>
-          </a:xfrm>
-        </p:grpSpPr>
-        <p:sp>
-          <p:nvSpPr>
-            <p:cNvPr id="18" name="Chevron 17"/>
-            <p:cNvSpPr/>
-            <p:nvPr userDrawn="1"/>
-          </p:nvSpPr>
-          <p:spPr>
-            <a:xfrm>
-              <a:off x="4386218" y="0"/>
-              <a:ext cx="1826832" cy="413826"/>
-            </a:xfrm>
-            <a:prstGeom prst="chevron">
-              <a:avLst/>
-            </a:prstGeom>
-            <a:ln>
-              <a:solidFill>
-                <a:srgbClr val="990000"/>
-              </a:solidFill>
-            </a:ln>
-          </p:spPr>
-          <p:style>
-            <a:lnRef idx="3">
-              <a:scrgbClr r="0" g="0" b="0"/>
-            </a:lnRef>
-            <a:fillRef idx="1">
-              <a:schemeClr val="lt1">
-                <a:hueOff val="0"/>
-                <a:satOff val="0"/>
-                <a:lumOff val="0"/>
-                <a:alphaOff val="0"/>
-              </a:schemeClr>
-            </a:fillRef>
-            <a:effectRef idx="1">
-              <a:schemeClr val="lt1">
-                <a:hueOff val="0"/>
-                <a:satOff val="0"/>
-                <a:lumOff val="0"/>
-                <a:alphaOff val="0"/>
-              </a:schemeClr>
-            </a:effectRef>
-            <a:fontRef idx="minor">
-              <a:schemeClr val="dk1">
-                <a:hueOff val="0"/>
-                <a:satOff val="0"/>
-                <a:lumOff val="0"/>
-                <a:alphaOff val="0"/>
-              </a:schemeClr>
-            </a:fontRef>
-          </p:style>
-        </p:sp>
-        <p:sp>
-          <p:nvSpPr>
-            <p:cNvPr id="19" name="Chevron 10"/>
-            <p:cNvSpPr/>
-            <p:nvPr userDrawn="1"/>
-          </p:nvSpPr>
-          <p:spPr>
-            <a:xfrm>
-              <a:off x="4593131" y="0"/>
-              <a:ext cx="1413006" cy="413826"/>
-            </a:xfrm>
-            <a:prstGeom prst="rect">
-              <a:avLst/>
-            </a:prstGeom>
-          </p:spPr>
-          <p:style>
-            <a:lnRef idx="0">
-              <a:scrgbClr r="0" g="0" b="0"/>
-            </a:lnRef>
-            <a:fillRef idx="0">
-              <a:scrgbClr r="0" g="0" b="0"/>
-            </a:fillRef>
-            <a:effectRef idx="0">
-              <a:scrgbClr r="0" g="0" b="0"/>
-            </a:effectRef>
-            <a:fontRef idx="minor">
-              <a:schemeClr val="dk1">
-                <a:hueOff val="0"/>
-                <a:satOff val="0"/>
-                <a:lumOff val="0"/>
-                <a:alphaOff val="0"/>
-              </a:schemeClr>
-            </a:fontRef>
-          </p:style>
-          <p:txBody>
-            <a:bodyPr spcFirstLastPara="0" vert="horz" wrap="square" lIns="52007" tIns="34671" rIns="17336" bIns="34671" numCol="1" spcCol="1270" anchor="ctr" anchorCtr="0">
-              <a:noAutofit/>
-            </a:bodyPr>
-            <a:lstStyle/>
-            <a:p>
-              <a:pPr lvl="0" algn="ctr" defTabSz="577850">
-                <a:lnSpc>
-                  <a:spcPct val="90000"/>
-                </a:lnSpc>
-                <a:spcBef>
-                  <a:spcPct val="0"/>
-                </a:spcBef>
-                <a:spcAft>
-                  <a:spcPct val="35000"/>
-                </a:spcAft>
-              </a:pPr>
-              <a:r>
-                <a:rPr lang="en-US" sz="1300" kern="1200" dirty="0" smtClean="0">
-                  <a:latin typeface="Times New Roman" panose="02020603050405020304" pitchFamily="18" charset="0"/>
-                  <a:cs typeface="Times New Roman" panose="02020603050405020304" pitchFamily="18" charset="0"/>
-                </a:rPr>
-                <a:t>Conclusion</a:t>
-              </a:r>
-              <a:endParaRPr lang="en-US" sz="1300" kern="1200" dirty="0">
-                <a:latin typeface="Times New Roman" panose="02020603050405020304" pitchFamily="18" charset="0"/>
-                <a:cs typeface="Times New Roman" panose="02020603050405020304" pitchFamily="18" charset="0"/>
-              </a:endParaRPr>
-            </a:p>
-          </p:txBody>
-        </p:sp>
-      </p:grpSp>
       <p:cxnSp>
         <p:nvCxnSpPr>
           <p:cNvPr id="21" name="Straight Connector 20"/>
@@ -3619,6 +3532,526 @@
           </a:extLst>
         </p:spPr>
       </p:cxnSp>
+      <p:grpSp>
+        <p:nvGrpSpPr>
+          <p:cNvPr id="46" name="Group 45"/>
+          <p:cNvGrpSpPr/>
+          <p:nvPr userDrawn="1"/>
+        </p:nvGrpSpPr>
+        <p:grpSpPr>
+          <a:xfrm>
+            <a:off x="1524000" y="5889087"/>
+            <a:ext cx="1768307" cy="413826"/>
+            <a:chOff x="0" y="0"/>
+            <a:chExt cx="1826832" cy="413826"/>
+          </a:xfrm>
+        </p:grpSpPr>
+        <p:sp>
+          <p:nvSpPr>
+            <p:cNvPr id="47" name="Pentagon 46"/>
+            <p:cNvSpPr/>
+            <p:nvPr userDrawn="1"/>
+          </p:nvSpPr>
+          <p:spPr>
+            <a:xfrm>
+              <a:off x="0" y="0"/>
+              <a:ext cx="1826832" cy="413826"/>
+            </a:xfrm>
+            <a:prstGeom prst="homePlate">
+              <a:avLst/>
+            </a:prstGeom>
+            <a:ln>
+              <a:solidFill>
+                <a:srgbClr val="990000"/>
+              </a:solidFill>
+            </a:ln>
+          </p:spPr>
+          <p:style>
+            <a:lnRef idx="3">
+              <a:scrgbClr r="0" g="0" b="0"/>
+            </a:lnRef>
+            <a:fillRef idx="1">
+              <a:schemeClr val="lt1">
+                <a:hueOff val="0"/>
+                <a:satOff val="0"/>
+                <a:lumOff val="0"/>
+                <a:alphaOff val="0"/>
+              </a:schemeClr>
+            </a:fillRef>
+            <a:effectRef idx="1">
+              <a:schemeClr val="lt1">
+                <a:hueOff val="0"/>
+                <a:satOff val="0"/>
+                <a:lumOff val="0"/>
+                <a:alphaOff val="0"/>
+              </a:schemeClr>
+            </a:effectRef>
+            <a:fontRef idx="minor">
+              <a:schemeClr val="dk1">
+                <a:hueOff val="0"/>
+                <a:satOff val="0"/>
+                <a:lumOff val="0"/>
+                <a:alphaOff val="0"/>
+              </a:schemeClr>
+            </a:fontRef>
+          </p:style>
+        </p:sp>
+        <p:sp>
+          <p:nvSpPr>
+            <p:cNvPr id="48" name="Pentagon 4"/>
+            <p:cNvSpPr/>
+            <p:nvPr userDrawn="1"/>
+          </p:nvSpPr>
+          <p:spPr>
+            <a:xfrm>
+              <a:off x="0" y="0"/>
+              <a:ext cx="1535345" cy="413826"/>
+            </a:xfrm>
+            <a:prstGeom prst="rect">
+              <a:avLst/>
+            </a:prstGeom>
+          </p:spPr>
+          <p:style>
+            <a:lnRef idx="0">
+              <a:scrgbClr r="0" g="0" b="0"/>
+            </a:lnRef>
+            <a:fillRef idx="0">
+              <a:scrgbClr r="0" g="0" b="0"/>
+            </a:fillRef>
+            <a:effectRef idx="0">
+              <a:scrgbClr r="0" g="0" b="0"/>
+            </a:effectRef>
+            <a:fontRef idx="minor">
+              <a:schemeClr val="dk1">
+                <a:hueOff val="0"/>
+                <a:satOff val="0"/>
+                <a:lumOff val="0"/>
+                <a:alphaOff val="0"/>
+              </a:schemeClr>
+            </a:fontRef>
+          </p:style>
+          <p:txBody>
+            <a:bodyPr spcFirstLastPara="0" vert="horz" wrap="square" lIns="69342" tIns="34671" rIns="17336" bIns="34671" numCol="1" spcCol="1270" anchor="ctr" anchorCtr="0">
+              <a:noAutofit/>
+            </a:bodyPr>
+            <a:lstStyle/>
+            <a:p>
+              <a:pPr lvl="0" algn="ctr" defTabSz="577850">
+                <a:lnSpc>
+                  <a:spcPct val="90000"/>
+                </a:lnSpc>
+                <a:spcBef>
+                  <a:spcPct val="0"/>
+                </a:spcBef>
+                <a:spcAft>
+                  <a:spcPct val="35000"/>
+                </a:spcAft>
+              </a:pPr>
+              <a:r>
+                <a:rPr lang="en-US" sz="1300" kern="1200" dirty="0" smtClean="0">
+                  <a:latin typeface="Times New Roman" panose="02020603050405020304" pitchFamily="18" charset="0"/>
+                  <a:cs typeface="Times New Roman" panose="02020603050405020304" pitchFamily="18" charset="0"/>
+                </a:rPr>
+                <a:t>Overview</a:t>
+              </a:r>
+              <a:endParaRPr lang="en-US" sz="1300" kern="1200" dirty="0">
+                <a:latin typeface="Times New Roman" panose="02020603050405020304" pitchFamily="18" charset="0"/>
+                <a:cs typeface="Times New Roman" panose="02020603050405020304" pitchFamily="18" charset="0"/>
+              </a:endParaRPr>
+            </a:p>
+          </p:txBody>
+        </p:sp>
+      </p:grpSp>
+      <p:grpSp>
+        <p:nvGrpSpPr>
+          <p:cNvPr id="49" name="Group 48"/>
+          <p:cNvGrpSpPr/>
+          <p:nvPr userDrawn="1"/>
+        </p:nvGrpSpPr>
+        <p:grpSpPr>
+          <a:xfrm>
+            <a:off x="2928761" y="5889087"/>
+            <a:ext cx="1668379" cy="413826"/>
+            <a:chOff x="1463286" y="0"/>
+            <a:chExt cx="1826832" cy="413826"/>
+          </a:xfrm>
+        </p:grpSpPr>
+        <p:sp>
+          <p:nvSpPr>
+            <p:cNvPr id="50" name="Chevron 49"/>
+            <p:cNvSpPr/>
+            <p:nvPr userDrawn="1"/>
+          </p:nvSpPr>
+          <p:spPr>
+            <a:xfrm>
+              <a:off x="1463286" y="0"/>
+              <a:ext cx="1826832" cy="413826"/>
+            </a:xfrm>
+            <a:prstGeom prst="chevron">
+              <a:avLst/>
+            </a:prstGeom>
+            <a:ln>
+              <a:solidFill>
+                <a:srgbClr val="990000"/>
+              </a:solidFill>
+            </a:ln>
+          </p:spPr>
+          <p:style>
+            <a:lnRef idx="3">
+              <a:scrgbClr r="0" g="0" b="0"/>
+            </a:lnRef>
+            <a:fillRef idx="1">
+              <a:schemeClr val="lt1">
+                <a:hueOff val="0"/>
+                <a:satOff val="0"/>
+                <a:lumOff val="0"/>
+                <a:alphaOff val="0"/>
+              </a:schemeClr>
+            </a:fillRef>
+            <a:effectRef idx="1">
+              <a:schemeClr val="lt1">
+                <a:hueOff val="0"/>
+                <a:satOff val="0"/>
+                <a:lumOff val="0"/>
+                <a:alphaOff val="0"/>
+              </a:schemeClr>
+            </a:effectRef>
+            <a:fontRef idx="minor">
+              <a:schemeClr val="dk1">
+                <a:hueOff val="0"/>
+                <a:satOff val="0"/>
+                <a:lumOff val="0"/>
+                <a:alphaOff val="0"/>
+              </a:schemeClr>
+            </a:fontRef>
+          </p:style>
+        </p:sp>
+        <p:sp>
+          <p:nvSpPr>
+            <p:cNvPr id="51" name="Chevron 6"/>
+            <p:cNvSpPr/>
+            <p:nvPr userDrawn="1"/>
+          </p:nvSpPr>
+          <p:spPr>
+            <a:xfrm>
+              <a:off x="1670199" y="0"/>
+              <a:ext cx="1413006" cy="413826"/>
+            </a:xfrm>
+            <a:prstGeom prst="rect">
+              <a:avLst/>
+            </a:prstGeom>
+          </p:spPr>
+          <p:style>
+            <a:lnRef idx="0">
+              <a:scrgbClr r="0" g="0" b="0"/>
+            </a:lnRef>
+            <a:fillRef idx="0">
+              <a:scrgbClr r="0" g="0" b="0"/>
+            </a:fillRef>
+            <a:effectRef idx="0">
+              <a:scrgbClr r="0" g="0" b="0"/>
+            </a:effectRef>
+            <a:fontRef idx="minor">
+              <a:schemeClr val="dk1">
+                <a:hueOff val="0"/>
+                <a:satOff val="0"/>
+                <a:lumOff val="0"/>
+                <a:alphaOff val="0"/>
+              </a:schemeClr>
+            </a:fontRef>
+          </p:style>
+          <p:txBody>
+            <a:bodyPr spcFirstLastPara="0" vert="horz" wrap="square" lIns="52007" tIns="34671" rIns="17336" bIns="34671" numCol="1" spcCol="1270" anchor="ctr" anchorCtr="0">
+              <a:noAutofit/>
+            </a:bodyPr>
+            <a:lstStyle/>
+            <a:p>
+              <a:pPr lvl="0" algn="l" defTabSz="577850">
+                <a:lnSpc>
+                  <a:spcPct val="90000"/>
+                </a:lnSpc>
+                <a:spcBef>
+                  <a:spcPct val="0"/>
+                </a:spcBef>
+                <a:spcAft>
+                  <a:spcPct val="35000"/>
+                </a:spcAft>
+              </a:pPr>
+              <a:r>
+                <a:rPr lang="en-US" sz="1300" kern="1200" dirty="0" smtClean="0">
+                  <a:latin typeface="Times New Roman" panose="02020603050405020304" pitchFamily="18" charset="0"/>
+                  <a:cs typeface="Times New Roman" panose="02020603050405020304" pitchFamily="18" charset="0"/>
+                </a:rPr>
+                <a:t>     Approach</a:t>
+              </a:r>
+              <a:endParaRPr lang="en-US" sz="1300" kern="1200" dirty="0">
+                <a:latin typeface="Times New Roman" panose="02020603050405020304" pitchFamily="18" charset="0"/>
+                <a:cs typeface="Times New Roman" panose="02020603050405020304" pitchFamily="18" charset="0"/>
+              </a:endParaRPr>
+            </a:p>
+          </p:txBody>
+        </p:sp>
+      </p:grpSp>
+      <p:grpSp>
+        <p:nvGrpSpPr>
+          <p:cNvPr id="52" name="Group 51"/>
+          <p:cNvGrpSpPr/>
+          <p:nvPr userDrawn="1"/>
+        </p:nvGrpSpPr>
+        <p:grpSpPr>
+          <a:xfrm>
+            <a:off x="5828750" y="5889087"/>
+            <a:ext cx="1826832" cy="413826"/>
+            <a:chOff x="2924752" y="0"/>
+            <a:chExt cx="1826832" cy="413826"/>
+          </a:xfrm>
+        </p:grpSpPr>
+        <p:sp>
+          <p:nvSpPr>
+            <p:cNvPr id="53" name="Chevron 52"/>
+            <p:cNvSpPr/>
+            <p:nvPr userDrawn="1"/>
+          </p:nvSpPr>
+          <p:spPr>
+            <a:xfrm>
+              <a:off x="2924752" y="0"/>
+              <a:ext cx="1826832" cy="413826"/>
+            </a:xfrm>
+            <a:prstGeom prst="chevron">
+              <a:avLst/>
+            </a:prstGeom>
+            <a:ln>
+              <a:solidFill>
+                <a:srgbClr val="990000"/>
+              </a:solidFill>
+            </a:ln>
+          </p:spPr>
+          <p:style>
+            <a:lnRef idx="3">
+              <a:scrgbClr r="0" g="0" b="0"/>
+            </a:lnRef>
+            <a:fillRef idx="1">
+              <a:schemeClr val="lt1">
+                <a:hueOff val="0"/>
+                <a:satOff val="0"/>
+                <a:lumOff val="0"/>
+                <a:alphaOff val="0"/>
+              </a:schemeClr>
+            </a:fillRef>
+            <a:effectRef idx="1">
+              <a:schemeClr val="lt1">
+                <a:hueOff val="0"/>
+                <a:satOff val="0"/>
+                <a:lumOff val="0"/>
+                <a:alphaOff val="0"/>
+              </a:schemeClr>
+            </a:effectRef>
+            <a:fontRef idx="minor">
+              <a:schemeClr val="dk1">
+                <a:hueOff val="0"/>
+                <a:satOff val="0"/>
+                <a:lumOff val="0"/>
+                <a:alphaOff val="0"/>
+              </a:schemeClr>
+            </a:fontRef>
+          </p:style>
+        </p:sp>
+        <p:sp>
+          <p:nvSpPr>
+            <p:cNvPr id="54" name="Chevron 8"/>
+            <p:cNvSpPr/>
+            <p:nvPr userDrawn="1"/>
+          </p:nvSpPr>
+          <p:spPr>
+            <a:xfrm>
+              <a:off x="3131665" y="0"/>
+              <a:ext cx="1413006" cy="413826"/>
+            </a:xfrm>
+            <a:prstGeom prst="rect">
+              <a:avLst/>
+            </a:prstGeom>
+          </p:spPr>
+          <p:style>
+            <a:lnRef idx="0">
+              <a:scrgbClr r="0" g="0" b="0"/>
+            </a:lnRef>
+            <a:fillRef idx="0">
+              <a:scrgbClr r="0" g="0" b="0"/>
+            </a:fillRef>
+            <a:effectRef idx="0">
+              <a:scrgbClr r="0" g="0" b="0"/>
+            </a:effectRef>
+            <a:fontRef idx="minor">
+              <a:schemeClr val="dk1">
+                <a:hueOff val="0"/>
+                <a:satOff val="0"/>
+                <a:lumOff val="0"/>
+                <a:alphaOff val="0"/>
+              </a:schemeClr>
+            </a:fontRef>
+          </p:style>
+          <p:txBody>
+            <a:bodyPr spcFirstLastPara="0" vert="horz" wrap="square" lIns="52007" tIns="34671" rIns="17336" bIns="34671" numCol="1" spcCol="1270" anchor="ctr" anchorCtr="0">
+              <a:noAutofit/>
+            </a:bodyPr>
+            <a:lstStyle/>
+            <a:p>
+              <a:pPr lvl="0" algn="ctr" defTabSz="577850">
+                <a:lnSpc>
+                  <a:spcPct val="90000"/>
+                </a:lnSpc>
+                <a:spcBef>
+                  <a:spcPct val="0"/>
+                </a:spcBef>
+                <a:spcAft>
+                  <a:spcPct val="35000"/>
+                </a:spcAft>
+              </a:pPr>
+              <a:r>
+                <a:rPr lang="en-US" sz="1300" kern="1200" dirty="0" smtClean="0">
+                  <a:latin typeface="Times New Roman" panose="02020603050405020304" pitchFamily="18" charset="0"/>
+                  <a:cs typeface="Times New Roman" panose="02020603050405020304" pitchFamily="18" charset="0"/>
+                </a:rPr>
+                <a:t>Conclusion</a:t>
+              </a:r>
+              <a:endParaRPr lang="en-US" sz="1300" kern="1200" dirty="0">
+                <a:latin typeface="Times New Roman" panose="02020603050405020304" pitchFamily="18" charset="0"/>
+                <a:cs typeface="Times New Roman" panose="02020603050405020304" pitchFamily="18" charset="0"/>
+              </a:endParaRPr>
+            </a:p>
+          </p:txBody>
+        </p:sp>
+      </p:grpSp>
+      <p:grpSp>
+        <p:nvGrpSpPr>
+          <p:cNvPr id="55" name="Group 54"/>
+          <p:cNvGrpSpPr/>
+          <p:nvPr userDrawn="1"/>
+        </p:nvGrpSpPr>
+        <p:grpSpPr>
+          <a:xfrm>
+            <a:off x="4375485" y="5889087"/>
+            <a:ext cx="1668379" cy="413826"/>
+            <a:chOff x="1463286" y="0"/>
+            <a:chExt cx="1826832" cy="413826"/>
+          </a:xfrm>
+        </p:grpSpPr>
+        <p:sp>
+          <p:nvSpPr>
+            <p:cNvPr id="56" name="Chevron 55"/>
+            <p:cNvSpPr/>
+            <p:nvPr userDrawn="1"/>
+          </p:nvSpPr>
+          <p:spPr>
+            <a:xfrm>
+              <a:off x="1463286" y="0"/>
+              <a:ext cx="1826832" cy="413826"/>
+            </a:xfrm>
+            <a:prstGeom prst="chevron">
+              <a:avLst/>
+            </a:prstGeom>
+            <a:ln>
+              <a:solidFill>
+                <a:srgbClr val="990000"/>
+              </a:solidFill>
+            </a:ln>
+          </p:spPr>
+          <p:style>
+            <a:lnRef idx="3">
+              <a:scrgbClr r="0" g="0" b="0"/>
+            </a:lnRef>
+            <a:fillRef idx="1">
+              <a:schemeClr val="lt1">
+                <a:hueOff val="0"/>
+                <a:satOff val="0"/>
+                <a:lumOff val="0"/>
+                <a:alphaOff val="0"/>
+              </a:schemeClr>
+            </a:fillRef>
+            <a:effectRef idx="1">
+              <a:schemeClr val="lt1">
+                <a:hueOff val="0"/>
+                <a:satOff val="0"/>
+                <a:lumOff val="0"/>
+                <a:alphaOff val="0"/>
+              </a:schemeClr>
+            </a:effectRef>
+            <a:fontRef idx="minor">
+              <a:schemeClr val="dk1">
+                <a:hueOff val="0"/>
+                <a:satOff val="0"/>
+                <a:lumOff val="0"/>
+                <a:alphaOff val="0"/>
+              </a:schemeClr>
+            </a:fontRef>
+          </p:style>
+        </p:sp>
+        <p:sp>
+          <p:nvSpPr>
+            <p:cNvPr id="57" name="Chevron 6"/>
+            <p:cNvSpPr/>
+            <p:nvPr userDrawn="1"/>
+          </p:nvSpPr>
+          <p:spPr>
+            <a:xfrm>
+              <a:off x="1670199" y="0"/>
+              <a:ext cx="1413006" cy="413826"/>
+            </a:xfrm>
+            <a:prstGeom prst="rect">
+              <a:avLst/>
+            </a:prstGeom>
+          </p:spPr>
+          <p:style>
+            <a:lnRef idx="0">
+              <a:scrgbClr r="0" g="0" b="0"/>
+            </a:lnRef>
+            <a:fillRef idx="0">
+              <a:scrgbClr r="0" g="0" b="0"/>
+            </a:fillRef>
+            <a:effectRef idx="0">
+              <a:scrgbClr r="0" g="0" b="0"/>
+            </a:effectRef>
+            <a:fontRef idx="minor">
+              <a:schemeClr val="dk1">
+                <a:hueOff val="0"/>
+                <a:satOff val="0"/>
+                <a:lumOff val="0"/>
+                <a:alphaOff val="0"/>
+              </a:schemeClr>
+            </a:fontRef>
+          </p:style>
+          <p:txBody>
+            <a:bodyPr spcFirstLastPara="0" vert="horz" wrap="square" lIns="52007" tIns="34671" rIns="17336" bIns="34671" numCol="1" spcCol="1270" anchor="ctr" anchorCtr="0">
+              <a:noAutofit/>
+            </a:bodyPr>
+            <a:lstStyle/>
+            <a:p>
+              <a:pPr lvl="0" algn="l" defTabSz="577850">
+                <a:lnSpc>
+                  <a:spcPct val="90000"/>
+                </a:lnSpc>
+                <a:spcBef>
+                  <a:spcPct val="0"/>
+                </a:spcBef>
+                <a:spcAft>
+                  <a:spcPct val="35000"/>
+                </a:spcAft>
+              </a:pPr>
+              <a:r>
+                <a:rPr lang="en-US" sz="1300" kern="1200" dirty="0" smtClean="0">
+                  <a:latin typeface="Times New Roman" panose="02020603050405020304" pitchFamily="18" charset="0"/>
+                  <a:cs typeface="Times New Roman" panose="02020603050405020304" pitchFamily="18" charset="0"/>
+                </a:rPr>
+                <a:t>     Results</a:t>
+              </a:r>
+              <a:endParaRPr lang="en-US" sz="1300" kern="1200" dirty="0">
+                <a:latin typeface="Times New Roman" panose="02020603050405020304" pitchFamily="18" charset="0"/>
+                <a:cs typeface="Times New Roman" panose="02020603050405020304" pitchFamily="18" charset="0"/>
+              </a:endParaRPr>
+            </a:p>
+          </p:txBody>
+        </p:sp>
+      </p:grpSp>
     </p:spTree>
     <p:extLst>
       <p:ext uri="{BB962C8B-B14F-4D97-AF65-F5344CB8AC3E}">
@@ -3662,14 +4095,14 @@
         <p:spPr>
           <a:xfrm>
             <a:off x="685800" y="609600"/>
-            <a:ext cx="7772400" cy="914400"/>
+            <a:ext cx="7772400" cy="762000"/>
           </a:xfrm>
         </p:spPr>
         <p:txBody>
           <a:bodyPr/>
           <a:lstStyle>
             <a:lvl1pPr algn="just">
-              <a:defRPr sz="3200">
+              <a:defRPr sz="2800">
                 <a:latin typeface="Verdana" panose="020B0604030504040204" pitchFamily="34" charset="0"/>
                 <a:ea typeface="Verdana" panose="020B0604030504040204" pitchFamily="34" charset="0"/>
                 <a:cs typeface="Verdana" panose="020B0604030504040204" pitchFamily="34" charset="0"/>
@@ -3678,7 +4111,7 @@
           </a:lstStyle>
           <a:p>
             <a:r>
-              <a:rPr lang="en-US" smtClean="0"/>
+              <a:rPr lang="en-US" dirty="0" smtClean="0"/>
               <a:t>Click to edit Master title style</a:t>
             </a:r>
             <a:endParaRPr lang="en-US" dirty="0"/>
@@ -3713,23 +4146,63 @@
           </a:p>
         </p:txBody>
       </p:sp>
+      <p:cxnSp>
+        <p:nvCxnSpPr>
+          <p:cNvPr id="17" name="Straight Connector 16"/>
+          <p:cNvCxnSpPr/>
+          <p:nvPr userDrawn="1"/>
+        </p:nvCxnSpPr>
+        <p:spPr bwMode="auto">
+          <a:xfrm>
+            <a:off x="685800" y="1363133"/>
+            <a:ext cx="7772400" cy="0"/>
+          </a:xfrm>
+          <a:prstGeom prst="line">
+            <a:avLst/>
+          </a:prstGeom>
+          <a:solidFill>
+            <a:schemeClr val="accent1"/>
+          </a:solidFill>
+          <a:ln w="25400" cap="flat" cmpd="sng" algn="ctr">
+            <a:solidFill>
+              <a:srgbClr val="990000"/>
+            </a:solidFill>
+            <a:prstDash val="solid"/>
+            <a:round/>
+            <a:headEnd type="none" w="med" len="med"/>
+            <a:tailEnd type="none" w="med" len="med"/>
+          </a:ln>
+          <a:effectLst/>
+          <a:extLst>
+            <a:ext uri="{AF507438-7753-43E0-B8FC-AC1667EBCBE1}">
+              <a14:hiddenEffects xmlns:a14="http://schemas.microsoft.com/office/drawing/2010/main">
+                <a:effectLst>
+                  <a:outerShdw dist="35921" dir="2700000" algn="ctr" rotWithShape="0">
+                    <a:schemeClr val="bg2"/>
+                  </a:outerShdw>
+                </a:effectLst>
+              </a14:hiddenEffects>
+            </a:ext>
+          </a:extLst>
+        </p:spPr>
+      </p:cxnSp>
       <p:grpSp>
         <p:nvGrpSpPr>
-          <p:cNvPr id="4" name="Group 3"/>
+          <p:cNvPr id="33" name="Group 32"/>
           <p:cNvGrpSpPr/>
           <p:nvPr userDrawn="1"/>
         </p:nvGrpSpPr>
         <p:grpSpPr>
           <a:xfrm>
-            <a:off x="1465475" y="5889087"/>
-            <a:ext cx="1826832" cy="413826"/>
+            <a:off x="1524000" y="5889087"/>
+            <a:ext cx="1768307" cy="413826"/>
             <a:chOff x="0" y="0"/>
             <a:chExt cx="1826832" cy="413826"/>
           </a:xfrm>
         </p:grpSpPr>
         <p:sp>
           <p:nvSpPr>
-            <p:cNvPr id="5" name="Pentagon 4"/>
+            <p:cNvPr id="34" name="Pentagon 33"/>
             <p:cNvSpPr/>
             <p:nvPr userDrawn="1"/>
           </p:nvSpPr>
@@ -3779,14 +4252,14 @@
         </p:sp>
         <p:sp>
           <p:nvSpPr>
-            <p:cNvPr id="6" name="Pentagon 4"/>
+            <p:cNvPr id="35" name="Pentagon 4"/>
             <p:cNvSpPr/>
             <p:nvPr userDrawn="1"/>
           </p:nvSpPr>
           <p:spPr>
             <a:xfrm>
               <a:off x="0" y="0"/>
-              <a:ext cx="1723376" cy="413826"/>
+              <a:ext cx="1535345" cy="413826"/>
             </a:xfrm>
             <a:prstGeom prst="rect">
               <a:avLst/>
@@ -3845,21 +4318,21 @@
       </p:grpSp>
       <p:grpSp>
         <p:nvGrpSpPr>
-          <p:cNvPr id="7" name="Group 6"/>
+          <p:cNvPr id="36" name="Group 35"/>
           <p:cNvGrpSpPr/>
           <p:nvPr userDrawn="1"/>
         </p:nvGrpSpPr>
         <p:grpSpPr>
           <a:xfrm>
             <a:off x="2928761" y="5889087"/>
-            <a:ext cx="1826832" cy="413826"/>
+            <a:ext cx="1668379" cy="413826"/>
             <a:chOff x="1463286" y="0"/>
             <a:chExt cx="1826832" cy="413826"/>
           </a:xfrm>
         </p:grpSpPr>
         <p:sp>
           <p:nvSpPr>
-            <p:cNvPr id="8" name="Chevron 7"/>
+            <p:cNvPr id="37" name="Chevron 36"/>
             <p:cNvSpPr/>
             <p:nvPr userDrawn="1"/>
           </p:nvSpPr>
@@ -3909,7 +4382,7 @@
         </p:sp>
         <p:sp>
           <p:nvSpPr>
-            <p:cNvPr id="9" name="Chevron 6"/>
+            <p:cNvPr id="38" name="Chevron 6"/>
             <p:cNvSpPr/>
             <p:nvPr userDrawn="1"/>
           </p:nvSpPr>
@@ -3975,13 +4448,13 @@
       </p:grpSp>
       <p:grpSp>
         <p:nvGrpSpPr>
-          <p:cNvPr id="10" name="Group 9"/>
+          <p:cNvPr id="39" name="Group 38"/>
           <p:cNvGrpSpPr/>
           <p:nvPr userDrawn="1"/>
         </p:nvGrpSpPr>
         <p:grpSpPr>
           <a:xfrm>
-            <a:off x="4390227" y="5889087"/>
+            <a:off x="5828750" y="5889087"/>
             <a:ext cx="1826832" cy="413826"/>
             <a:chOff x="2924752" y="0"/>
             <a:chExt cx="1826832" cy="413826"/>
@@ -3989,7 +4462,7 @@
         </p:grpSpPr>
         <p:sp>
           <p:nvSpPr>
-            <p:cNvPr id="11" name="Chevron 10"/>
+            <p:cNvPr id="40" name="Chevron 39"/>
             <p:cNvSpPr/>
             <p:nvPr userDrawn="1"/>
           </p:nvSpPr>
@@ -4039,143 +4512,13 @@
         </p:sp>
         <p:sp>
           <p:nvSpPr>
-            <p:cNvPr id="12" name="Chevron 8"/>
+            <p:cNvPr id="41" name="Chevron 8"/>
             <p:cNvSpPr/>
             <p:nvPr userDrawn="1"/>
           </p:nvSpPr>
           <p:spPr>
             <a:xfrm>
               <a:off x="3131665" y="0"/>
-              <a:ext cx="1413006" cy="413826"/>
-            </a:xfrm>
-            <a:prstGeom prst="rect">
-              <a:avLst/>
-            </a:prstGeom>
-          </p:spPr>
-          <p:style>
-            <a:lnRef idx="0">
-              <a:scrgbClr r="0" g="0" b="0"/>
-            </a:lnRef>
-            <a:fillRef idx="0">
-              <a:scrgbClr r="0" g="0" b="0"/>
-            </a:fillRef>
-            <a:effectRef idx="0">
-              <a:scrgbClr r="0" g="0" b="0"/>
-            </a:effectRef>
-            <a:fontRef idx="minor">
-              <a:schemeClr val="dk1">
-                <a:hueOff val="0"/>
-                <a:satOff val="0"/>
-                <a:lumOff val="0"/>
-                <a:alphaOff val="0"/>
-              </a:schemeClr>
-            </a:fontRef>
-          </p:style>
-          <p:txBody>
-            <a:bodyPr spcFirstLastPara="0" vert="horz" wrap="square" lIns="52007" tIns="34671" rIns="17336" bIns="34671" numCol="1" spcCol="1270" anchor="ctr" anchorCtr="0">
-              <a:noAutofit/>
-            </a:bodyPr>
-            <a:lstStyle/>
-            <a:p>
-              <a:pPr lvl="0" algn="ctr" defTabSz="577850">
-                <a:lnSpc>
-                  <a:spcPct val="90000"/>
-                </a:lnSpc>
-                <a:spcBef>
-                  <a:spcPct val="0"/>
-                </a:spcBef>
-                <a:spcAft>
-                  <a:spcPct val="35000"/>
-                </a:spcAft>
-              </a:pPr>
-              <a:r>
-                <a:rPr lang="en-US" sz="1300" kern="1200" dirty="0" smtClean="0">
-                  <a:latin typeface="Times New Roman" panose="02020603050405020304" pitchFamily="18" charset="0"/>
-                  <a:cs typeface="Times New Roman" panose="02020603050405020304" pitchFamily="18" charset="0"/>
-                </a:rPr>
-                <a:t>Results</a:t>
-              </a:r>
-              <a:endParaRPr lang="en-US" sz="1300" kern="1200" dirty="0">
-                <a:latin typeface="Times New Roman" panose="02020603050405020304" pitchFamily="18" charset="0"/>
-                <a:cs typeface="Times New Roman" panose="02020603050405020304" pitchFamily="18" charset="0"/>
-              </a:endParaRPr>
-            </a:p>
-          </p:txBody>
-        </p:sp>
-      </p:grpSp>
-      <p:grpSp>
-        <p:nvGrpSpPr>
-          <p:cNvPr id="13" name="Group 12"/>
-          <p:cNvGrpSpPr/>
-          <p:nvPr userDrawn="1"/>
-        </p:nvGrpSpPr>
-        <p:grpSpPr>
-          <a:xfrm>
-            <a:off x="5851693" y="5889087"/>
-            <a:ext cx="1826832" cy="413826"/>
-            <a:chOff x="4386218" y="0"/>
-            <a:chExt cx="1826832" cy="413826"/>
-          </a:xfrm>
-        </p:grpSpPr>
-        <p:sp>
-          <p:nvSpPr>
-            <p:cNvPr id="14" name="Chevron 13"/>
-            <p:cNvSpPr/>
-            <p:nvPr userDrawn="1"/>
-          </p:nvSpPr>
-          <p:spPr>
-            <a:xfrm>
-              <a:off x="4386218" y="0"/>
-              <a:ext cx="1826832" cy="413826"/>
-            </a:xfrm>
-            <a:prstGeom prst="chevron">
-              <a:avLst/>
-            </a:prstGeom>
-            <a:ln>
-              <a:solidFill>
-                <a:srgbClr val="990000"/>
-              </a:solidFill>
-            </a:ln>
-          </p:spPr>
-          <p:style>
-            <a:lnRef idx="3">
-              <a:scrgbClr r="0" g="0" b="0"/>
-            </a:lnRef>
-            <a:fillRef idx="1">
-              <a:schemeClr val="lt1">
-                <a:hueOff val="0"/>
-                <a:satOff val="0"/>
-                <a:lumOff val="0"/>
-                <a:alphaOff val="0"/>
-              </a:schemeClr>
-            </a:fillRef>
-            <a:effectRef idx="1">
-              <a:schemeClr val="lt1">
-                <a:hueOff val="0"/>
-                <a:satOff val="0"/>
-                <a:lumOff val="0"/>
-                <a:alphaOff val="0"/>
-              </a:schemeClr>
-            </a:effectRef>
-            <a:fontRef idx="minor">
-              <a:schemeClr val="dk1">
-                <a:hueOff val="0"/>
-                <a:satOff val="0"/>
-                <a:lumOff val="0"/>
-                <a:alphaOff val="0"/>
-              </a:schemeClr>
-            </a:fontRef>
-          </p:style>
-        </p:sp>
-        <p:sp>
-          <p:nvSpPr>
-            <p:cNvPr id="15" name="Chevron 10"/>
-            <p:cNvSpPr/>
-            <p:nvPr userDrawn="1"/>
-          </p:nvSpPr>
-          <p:spPr>
-            <a:xfrm>
-              <a:off x="4593131" y="0"/>
               <a:ext cx="1413006" cy="413826"/>
             </a:xfrm>
             <a:prstGeom prst="rect">
@@ -4233,46 +4576,174 @@
           </p:txBody>
         </p:sp>
       </p:grpSp>
-      <p:cxnSp>
-        <p:nvCxnSpPr>
-          <p:cNvPr id="17" name="Straight Connector 16"/>
-          <p:cNvCxnSpPr/>
+      <p:grpSp>
+        <p:nvGrpSpPr>
+          <p:cNvPr id="42" name="Group 41"/>
+          <p:cNvGrpSpPr/>
           <p:nvPr userDrawn="1"/>
-        </p:nvCxnSpPr>
-        <p:spPr bwMode="auto">
+        </p:nvGrpSpPr>
+        <p:grpSpPr>
           <a:xfrm>
-            <a:off x="685800" y="1524000"/>
-            <a:ext cx="7772400" cy="0"/>
+            <a:off x="4375485" y="5889087"/>
+            <a:ext cx="1668379" cy="413826"/>
+            <a:chOff x="1463286" y="0"/>
+            <a:chExt cx="1826832" cy="413826"/>
           </a:xfrm>
-          <a:prstGeom prst="line">
+        </p:grpSpPr>
+        <p:sp>
+          <p:nvSpPr>
+            <p:cNvPr id="43" name="Chevron 42"/>
+            <p:cNvSpPr/>
+            <p:nvPr userDrawn="1"/>
+          </p:nvSpPr>
+          <p:spPr>
+            <a:xfrm>
+              <a:off x="1463286" y="0"/>
+              <a:ext cx="1826832" cy="413826"/>
+            </a:xfrm>
+            <a:prstGeom prst="chevron">
+              <a:avLst/>
+            </a:prstGeom>
+            <a:ln>
+              <a:solidFill>
+                <a:srgbClr val="990000"/>
+              </a:solidFill>
+            </a:ln>
+          </p:spPr>
+          <p:style>
+            <a:lnRef idx="3">
+              <a:scrgbClr r="0" g="0" b="0"/>
+            </a:lnRef>
+            <a:fillRef idx="1">
+              <a:schemeClr val="lt1">
+                <a:hueOff val="0"/>
+                <a:satOff val="0"/>
+                <a:lumOff val="0"/>
+                <a:alphaOff val="0"/>
+              </a:schemeClr>
+            </a:fillRef>
+            <a:effectRef idx="1">
+              <a:schemeClr val="lt1">
+                <a:hueOff val="0"/>
+                <a:satOff val="0"/>
+                <a:lumOff val="0"/>
+                <a:alphaOff val="0"/>
+              </a:schemeClr>
+            </a:effectRef>
+            <a:fontRef idx="minor">
+              <a:schemeClr val="dk1">
+                <a:hueOff val="0"/>
+                <a:satOff val="0"/>
+                <a:lumOff val="0"/>
+                <a:alphaOff val="0"/>
+              </a:schemeClr>
+            </a:fontRef>
+          </p:style>
+        </p:sp>
+        <p:sp>
+          <p:nvSpPr>
+            <p:cNvPr id="44" name="Chevron 6"/>
+            <p:cNvSpPr/>
+            <p:nvPr userDrawn="1"/>
+          </p:nvSpPr>
+          <p:spPr>
+            <a:xfrm>
+              <a:off x="1670199" y="0"/>
+              <a:ext cx="1413006" cy="413826"/>
+            </a:xfrm>
+            <a:prstGeom prst="rect">
+              <a:avLst/>
+            </a:prstGeom>
+          </p:spPr>
+          <p:style>
+            <a:lnRef idx="0">
+              <a:scrgbClr r="0" g="0" b="0"/>
+            </a:lnRef>
+            <a:fillRef idx="0">
+              <a:scrgbClr r="0" g="0" b="0"/>
+            </a:fillRef>
+            <a:effectRef idx="0">
+              <a:scrgbClr r="0" g="0" b="0"/>
+            </a:effectRef>
+            <a:fontRef idx="minor">
+              <a:schemeClr val="dk1">
+                <a:hueOff val="0"/>
+                <a:satOff val="0"/>
+                <a:lumOff val="0"/>
+                <a:alphaOff val="0"/>
+              </a:schemeClr>
+            </a:fontRef>
+          </p:style>
+          <p:txBody>
+            <a:bodyPr spcFirstLastPara="0" vert="horz" wrap="square" lIns="52007" tIns="34671" rIns="17336" bIns="34671" numCol="1" spcCol="1270" anchor="ctr" anchorCtr="0">
+              <a:noAutofit/>
+            </a:bodyPr>
+            <a:lstStyle/>
+            <a:p>
+              <a:pPr lvl="0" algn="l" defTabSz="577850">
+                <a:lnSpc>
+                  <a:spcPct val="90000"/>
+                </a:lnSpc>
+                <a:spcBef>
+                  <a:spcPct val="0"/>
+                </a:spcBef>
+                <a:spcAft>
+                  <a:spcPct val="35000"/>
+                </a:spcAft>
+              </a:pPr>
+              <a:r>
+                <a:rPr lang="en-US" sz="1300" kern="1200" dirty="0" smtClean="0">
+                  <a:latin typeface="Times New Roman" panose="02020603050405020304" pitchFamily="18" charset="0"/>
+                  <a:cs typeface="Times New Roman" panose="02020603050405020304" pitchFamily="18" charset="0"/>
+                </a:rPr>
+                <a:t>     Results</a:t>
+              </a:r>
+              <a:endParaRPr lang="en-US" sz="1300" kern="1200" dirty="0">
+                <a:latin typeface="Times New Roman" panose="02020603050405020304" pitchFamily="18" charset="0"/>
+                <a:cs typeface="Times New Roman" panose="02020603050405020304" pitchFamily="18" charset="0"/>
+              </a:endParaRPr>
+            </a:p>
+          </p:txBody>
+        </p:sp>
+      </p:grpSp>
+      <p:sp>
+        <p:nvSpPr>
+          <p:cNvPr id="45" name="TextBox 44"/>
+          <p:cNvSpPr txBox="1"/>
+          <p:nvPr userDrawn="1"/>
+        </p:nvSpPr>
+        <p:spPr>
+          <a:xfrm>
+            <a:off x="599017" y="36065"/>
+            <a:ext cx="816249" cy="215444"/>
+          </a:xfrm>
+          <a:prstGeom prst="rect">
             <a:avLst/>
           </a:prstGeom>
-          <a:solidFill>
-            <a:schemeClr val="accent1"/>
-          </a:solidFill>
-          <a:ln w="25400" cap="flat" cmpd="sng" algn="ctr">
-            <a:solidFill>
-              <a:srgbClr val="990000"/>
-            </a:solidFill>
-            <a:prstDash val="solid"/>
-            <a:round/>
-            <a:headEnd type="none" w="med" len="med"/>
-            <a:tailEnd type="none" w="med" len="med"/>
-          </a:ln>
-          <a:effectLst/>
-          <a:extLst>
-            <a:ext uri="{AF507438-7753-43E0-B8FC-AC1667EBCBE1}">
-              <a14:hiddenEffects xmlns:a14="http://schemas.microsoft.com/office/drawing/2010/main">
-                <a:effectLst>
-                  <a:outerShdw dist="35921" dir="2700000" algn="ctr" rotWithShape="0">
-                    <a:schemeClr val="bg2"/>
-                  </a:outerShdw>
-                </a:effectLst>
-              </a14:hiddenEffects>
-            </a:ext>
-          </a:extLst>
+          <a:noFill/>
         </p:spPr>
-      </p:cxnSp>
+        <p:txBody>
+          <a:bodyPr wrap="none" rtlCol="0">
+            <a:spAutoFit/>
+          </a:bodyPr>
+          <a:lstStyle/>
+          <a:p>
+            <a:r>
+              <a:rPr lang="en-US" sz="800" b="1" dirty="0" smtClean="0">
+                <a:solidFill>
+                  <a:schemeClr val="bg1"/>
+                </a:solidFill>
+              </a:rPr>
+              <a:t>18-755 Project</a:t>
+            </a:r>
+            <a:endParaRPr lang="en-US" sz="800" b="1" dirty="0">
+              <a:solidFill>
+                <a:schemeClr val="bg1"/>
+              </a:solidFill>
+            </a:endParaRPr>
+          </a:p>
+        </p:txBody>
+      </p:sp>
     </p:spTree>
     <p:extLst>
       <p:ext uri="{BB962C8B-B14F-4D97-AF65-F5344CB8AC3E}">
@@ -4333,21 +4804,21 @@
       </p:sp>
       <p:grpSp>
         <p:nvGrpSpPr>
-          <p:cNvPr id="3" name="Group 2"/>
+          <p:cNvPr id="27" name="Group 26"/>
           <p:cNvGrpSpPr/>
           <p:nvPr userDrawn="1"/>
         </p:nvGrpSpPr>
         <p:grpSpPr>
           <a:xfrm>
-            <a:off x="1465475" y="5889087"/>
-            <a:ext cx="1826832" cy="413826"/>
+            <a:off x="1524000" y="5889087"/>
+            <a:ext cx="1768307" cy="413826"/>
             <a:chOff x="0" y="0"/>
             <a:chExt cx="1826832" cy="413826"/>
           </a:xfrm>
         </p:grpSpPr>
         <p:sp>
           <p:nvSpPr>
-            <p:cNvPr id="4" name="Pentagon 3"/>
+            <p:cNvPr id="28" name="Pentagon 27"/>
             <p:cNvSpPr/>
             <p:nvPr userDrawn="1"/>
           </p:nvSpPr>
@@ -4397,14 +4868,14 @@
         </p:sp>
         <p:sp>
           <p:nvSpPr>
-            <p:cNvPr id="5" name="Pentagon 4"/>
+            <p:cNvPr id="29" name="Pentagon 4"/>
             <p:cNvSpPr/>
             <p:nvPr userDrawn="1"/>
           </p:nvSpPr>
           <p:spPr>
             <a:xfrm>
               <a:off x="0" y="0"/>
-              <a:ext cx="1723376" cy="413826"/>
+              <a:ext cx="1535345" cy="413826"/>
             </a:xfrm>
             <a:prstGeom prst="rect">
               <a:avLst/>
@@ -4463,21 +4934,21 @@
       </p:grpSp>
       <p:grpSp>
         <p:nvGrpSpPr>
-          <p:cNvPr id="6" name="Group 5"/>
+          <p:cNvPr id="30" name="Group 29"/>
           <p:cNvGrpSpPr/>
           <p:nvPr userDrawn="1"/>
         </p:nvGrpSpPr>
         <p:grpSpPr>
           <a:xfrm>
             <a:off x="2928761" y="5889087"/>
-            <a:ext cx="1826832" cy="413826"/>
+            <a:ext cx="1668379" cy="413826"/>
             <a:chOff x="1463286" y="0"/>
             <a:chExt cx="1826832" cy="413826"/>
           </a:xfrm>
         </p:grpSpPr>
         <p:sp>
           <p:nvSpPr>
-            <p:cNvPr id="7" name="Chevron 6"/>
+            <p:cNvPr id="31" name="Chevron 30"/>
             <p:cNvSpPr/>
             <p:nvPr userDrawn="1"/>
           </p:nvSpPr>
@@ -4527,7 +4998,7 @@
         </p:sp>
         <p:sp>
           <p:nvSpPr>
-            <p:cNvPr id="8" name="Chevron 6"/>
+            <p:cNvPr id="32" name="Chevron 6"/>
             <p:cNvSpPr/>
             <p:nvPr userDrawn="1"/>
           </p:nvSpPr>
@@ -4593,13 +5064,13 @@
       </p:grpSp>
       <p:grpSp>
         <p:nvGrpSpPr>
-          <p:cNvPr id="9" name="Group 8"/>
+          <p:cNvPr id="33" name="Group 32"/>
           <p:cNvGrpSpPr/>
           <p:nvPr userDrawn="1"/>
         </p:nvGrpSpPr>
         <p:grpSpPr>
           <a:xfrm>
-            <a:off x="4390227" y="5889087"/>
+            <a:off x="5828750" y="5889087"/>
             <a:ext cx="1826832" cy="413826"/>
             <a:chOff x="2924752" y="0"/>
             <a:chExt cx="1826832" cy="413826"/>
@@ -4607,7 +5078,7 @@
         </p:grpSpPr>
         <p:sp>
           <p:nvSpPr>
-            <p:cNvPr id="10" name="Chevron 9"/>
+            <p:cNvPr id="34" name="Chevron 33"/>
             <p:cNvSpPr/>
             <p:nvPr userDrawn="1"/>
           </p:nvSpPr>
@@ -4657,143 +5128,13 @@
         </p:sp>
         <p:sp>
           <p:nvSpPr>
-            <p:cNvPr id="11" name="Chevron 8"/>
+            <p:cNvPr id="35" name="Chevron 8"/>
             <p:cNvSpPr/>
             <p:nvPr userDrawn="1"/>
           </p:nvSpPr>
           <p:spPr>
             <a:xfrm>
               <a:off x="3131665" y="0"/>
-              <a:ext cx="1413006" cy="413826"/>
-            </a:xfrm>
-            <a:prstGeom prst="rect">
-              <a:avLst/>
-            </a:prstGeom>
-          </p:spPr>
-          <p:style>
-            <a:lnRef idx="0">
-              <a:scrgbClr r="0" g="0" b="0"/>
-            </a:lnRef>
-            <a:fillRef idx="0">
-              <a:scrgbClr r="0" g="0" b="0"/>
-            </a:fillRef>
-            <a:effectRef idx="0">
-              <a:scrgbClr r="0" g="0" b="0"/>
-            </a:effectRef>
-            <a:fontRef idx="minor">
-              <a:schemeClr val="dk1">
-                <a:hueOff val="0"/>
-                <a:satOff val="0"/>
-                <a:lumOff val="0"/>
-                <a:alphaOff val="0"/>
-              </a:schemeClr>
-            </a:fontRef>
-          </p:style>
-          <p:txBody>
-            <a:bodyPr spcFirstLastPara="0" vert="horz" wrap="square" lIns="52007" tIns="34671" rIns="17336" bIns="34671" numCol="1" spcCol="1270" anchor="ctr" anchorCtr="0">
-              <a:noAutofit/>
-            </a:bodyPr>
-            <a:lstStyle/>
-            <a:p>
-              <a:pPr lvl="0" algn="ctr" defTabSz="577850">
-                <a:lnSpc>
-                  <a:spcPct val="90000"/>
-                </a:lnSpc>
-                <a:spcBef>
-                  <a:spcPct val="0"/>
-                </a:spcBef>
-                <a:spcAft>
-                  <a:spcPct val="35000"/>
-                </a:spcAft>
-              </a:pPr>
-              <a:r>
-                <a:rPr lang="en-US" sz="1300" kern="1200" dirty="0" smtClean="0">
-                  <a:latin typeface="Times New Roman" panose="02020603050405020304" pitchFamily="18" charset="0"/>
-                  <a:cs typeface="Times New Roman" panose="02020603050405020304" pitchFamily="18" charset="0"/>
-                </a:rPr>
-                <a:t>Results</a:t>
-              </a:r>
-              <a:endParaRPr lang="en-US" sz="1300" kern="1200" dirty="0">
-                <a:latin typeface="Times New Roman" panose="02020603050405020304" pitchFamily="18" charset="0"/>
-                <a:cs typeface="Times New Roman" panose="02020603050405020304" pitchFamily="18" charset="0"/>
-              </a:endParaRPr>
-            </a:p>
-          </p:txBody>
-        </p:sp>
-      </p:grpSp>
-      <p:grpSp>
-        <p:nvGrpSpPr>
-          <p:cNvPr id="12" name="Group 11"/>
-          <p:cNvGrpSpPr/>
-          <p:nvPr userDrawn="1"/>
-        </p:nvGrpSpPr>
-        <p:grpSpPr>
-          <a:xfrm>
-            <a:off x="5851693" y="5889087"/>
-            <a:ext cx="1826832" cy="413826"/>
-            <a:chOff x="4386218" y="0"/>
-            <a:chExt cx="1826832" cy="413826"/>
-          </a:xfrm>
-        </p:grpSpPr>
-        <p:sp>
-          <p:nvSpPr>
-            <p:cNvPr id="13" name="Chevron 12"/>
-            <p:cNvSpPr/>
-            <p:nvPr userDrawn="1"/>
-          </p:nvSpPr>
-          <p:spPr>
-            <a:xfrm>
-              <a:off x="4386218" y="0"/>
-              <a:ext cx="1826832" cy="413826"/>
-            </a:xfrm>
-            <a:prstGeom prst="chevron">
-              <a:avLst/>
-            </a:prstGeom>
-            <a:ln>
-              <a:solidFill>
-                <a:srgbClr val="990000"/>
-              </a:solidFill>
-            </a:ln>
-          </p:spPr>
-          <p:style>
-            <a:lnRef idx="3">
-              <a:scrgbClr r="0" g="0" b="0"/>
-            </a:lnRef>
-            <a:fillRef idx="1">
-              <a:schemeClr val="lt1">
-                <a:hueOff val="0"/>
-                <a:satOff val="0"/>
-                <a:lumOff val="0"/>
-                <a:alphaOff val="0"/>
-              </a:schemeClr>
-            </a:fillRef>
-            <a:effectRef idx="1">
-              <a:schemeClr val="lt1">
-                <a:hueOff val="0"/>
-                <a:satOff val="0"/>
-                <a:lumOff val="0"/>
-                <a:alphaOff val="0"/>
-              </a:schemeClr>
-            </a:effectRef>
-            <a:fontRef idx="minor">
-              <a:schemeClr val="dk1">
-                <a:hueOff val="0"/>
-                <a:satOff val="0"/>
-                <a:lumOff val="0"/>
-                <a:alphaOff val="0"/>
-              </a:schemeClr>
-            </a:fontRef>
-          </p:style>
-        </p:sp>
-        <p:sp>
-          <p:nvSpPr>
-            <p:cNvPr id="14" name="Chevron 10"/>
-            <p:cNvSpPr/>
-            <p:nvPr userDrawn="1"/>
-          </p:nvSpPr>
-          <p:spPr>
-            <a:xfrm>
-              <a:off x="4593131" y="0"/>
               <a:ext cx="1413006" cy="413826"/>
             </a:xfrm>
             <a:prstGeom prst="rect">
@@ -4851,6 +5192,174 @@
           </p:txBody>
         </p:sp>
       </p:grpSp>
+      <p:grpSp>
+        <p:nvGrpSpPr>
+          <p:cNvPr id="36" name="Group 35"/>
+          <p:cNvGrpSpPr/>
+          <p:nvPr userDrawn="1"/>
+        </p:nvGrpSpPr>
+        <p:grpSpPr>
+          <a:xfrm>
+            <a:off x="4375485" y="5889087"/>
+            <a:ext cx="1668379" cy="413826"/>
+            <a:chOff x="1463286" y="0"/>
+            <a:chExt cx="1826832" cy="413826"/>
+          </a:xfrm>
+        </p:grpSpPr>
+        <p:sp>
+          <p:nvSpPr>
+            <p:cNvPr id="37" name="Chevron 36"/>
+            <p:cNvSpPr/>
+            <p:nvPr userDrawn="1"/>
+          </p:nvSpPr>
+          <p:spPr>
+            <a:xfrm>
+              <a:off x="1463286" y="0"/>
+              <a:ext cx="1826832" cy="413826"/>
+            </a:xfrm>
+            <a:prstGeom prst="chevron">
+              <a:avLst/>
+            </a:prstGeom>
+            <a:ln>
+              <a:solidFill>
+                <a:srgbClr val="990000"/>
+              </a:solidFill>
+            </a:ln>
+          </p:spPr>
+          <p:style>
+            <a:lnRef idx="3">
+              <a:scrgbClr r="0" g="0" b="0"/>
+            </a:lnRef>
+            <a:fillRef idx="1">
+              <a:schemeClr val="lt1">
+                <a:hueOff val="0"/>
+                <a:satOff val="0"/>
+                <a:lumOff val="0"/>
+                <a:alphaOff val="0"/>
+              </a:schemeClr>
+            </a:fillRef>
+            <a:effectRef idx="1">
+              <a:schemeClr val="lt1">
+                <a:hueOff val="0"/>
+                <a:satOff val="0"/>
+                <a:lumOff val="0"/>
+                <a:alphaOff val="0"/>
+              </a:schemeClr>
+            </a:effectRef>
+            <a:fontRef idx="minor">
+              <a:schemeClr val="dk1">
+                <a:hueOff val="0"/>
+                <a:satOff val="0"/>
+                <a:lumOff val="0"/>
+                <a:alphaOff val="0"/>
+              </a:schemeClr>
+            </a:fontRef>
+          </p:style>
+        </p:sp>
+        <p:sp>
+          <p:nvSpPr>
+            <p:cNvPr id="38" name="Chevron 6"/>
+            <p:cNvSpPr/>
+            <p:nvPr userDrawn="1"/>
+          </p:nvSpPr>
+          <p:spPr>
+            <a:xfrm>
+              <a:off x="1742913" y="0"/>
+              <a:ext cx="1085096" cy="413826"/>
+            </a:xfrm>
+            <a:prstGeom prst="rect">
+              <a:avLst/>
+            </a:prstGeom>
+          </p:spPr>
+          <p:style>
+            <a:lnRef idx="0">
+              <a:scrgbClr r="0" g="0" b="0"/>
+            </a:lnRef>
+            <a:fillRef idx="0">
+              <a:scrgbClr r="0" g="0" b="0"/>
+            </a:fillRef>
+            <a:effectRef idx="0">
+              <a:scrgbClr r="0" g="0" b="0"/>
+            </a:effectRef>
+            <a:fontRef idx="minor">
+              <a:schemeClr val="dk1">
+                <a:hueOff val="0"/>
+                <a:satOff val="0"/>
+                <a:lumOff val="0"/>
+                <a:alphaOff val="0"/>
+              </a:schemeClr>
+            </a:fontRef>
+          </p:style>
+          <p:txBody>
+            <a:bodyPr spcFirstLastPara="0" vert="horz" wrap="square" lIns="52007" tIns="34671" rIns="17336" bIns="34671" numCol="1" spcCol="1270" anchor="ctr" anchorCtr="0">
+              <a:noAutofit/>
+            </a:bodyPr>
+            <a:lstStyle/>
+            <a:p>
+              <a:pPr lvl="0" algn="l" defTabSz="577850">
+                <a:lnSpc>
+                  <a:spcPct val="90000"/>
+                </a:lnSpc>
+                <a:spcBef>
+                  <a:spcPct val="0"/>
+                </a:spcBef>
+                <a:spcAft>
+                  <a:spcPct val="35000"/>
+                </a:spcAft>
+              </a:pPr>
+              <a:r>
+                <a:rPr lang="en-US" sz="1300" kern="1200" dirty="0" smtClean="0">
+                  <a:latin typeface="Times New Roman" panose="02020603050405020304" pitchFamily="18" charset="0"/>
+                  <a:cs typeface="Times New Roman" panose="02020603050405020304" pitchFamily="18" charset="0"/>
+                </a:rPr>
+                <a:t>     Results</a:t>
+              </a:r>
+              <a:endParaRPr lang="en-US" sz="1300" kern="1200" dirty="0">
+                <a:latin typeface="Times New Roman" panose="02020603050405020304" pitchFamily="18" charset="0"/>
+                <a:cs typeface="Times New Roman" panose="02020603050405020304" pitchFamily="18" charset="0"/>
+              </a:endParaRPr>
+            </a:p>
+          </p:txBody>
+        </p:sp>
+      </p:grpSp>
+      <p:sp>
+        <p:nvSpPr>
+          <p:cNvPr id="39" name="TextBox 38"/>
+          <p:cNvSpPr txBox="1"/>
+          <p:nvPr userDrawn="1"/>
+        </p:nvSpPr>
+        <p:spPr>
+          <a:xfrm>
+            <a:off x="599017" y="36065"/>
+            <a:ext cx="816249" cy="215444"/>
+          </a:xfrm>
+          <a:prstGeom prst="rect">
+            <a:avLst/>
+          </a:prstGeom>
+          <a:noFill/>
+        </p:spPr>
+        <p:txBody>
+          <a:bodyPr wrap="none" rtlCol="0">
+            <a:spAutoFit/>
+          </a:bodyPr>
+          <a:lstStyle/>
+          <a:p>
+            <a:r>
+              <a:rPr lang="en-US" sz="800" b="1" dirty="0" smtClean="0">
+                <a:solidFill>
+                  <a:schemeClr val="bg1"/>
+                </a:solidFill>
+              </a:rPr>
+              <a:t>18-755 Project</a:t>
+            </a:r>
+            <a:endParaRPr lang="en-US" sz="800" b="1" dirty="0">
+              <a:solidFill>
+                <a:schemeClr val="bg1"/>
+              </a:solidFill>
+            </a:endParaRPr>
+          </a:p>
+        </p:txBody>
+      </p:sp>
     </p:spTree>
     <p:extLst>
       <p:ext uri="{BB962C8B-B14F-4D97-AF65-F5344CB8AC3E}">
@@ -5093,21 +5602,21 @@
       </p:sp>
       <p:grpSp>
         <p:nvGrpSpPr>
-          <p:cNvPr id="6" name="Group 5"/>
+          <p:cNvPr id="30" name="Group 29"/>
           <p:cNvGrpSpPr/>
           <p:nvPr userDrawn="1"/>
         </p:nvGrpSpPr>
         <p:grpSpPr>
           <a:xfrm>
-            <a:off x="1465475" y="5889087"/>
-            <a:ext cx="1826832" cy="413826"/>
+            <a:off x="1524000" y="5889087"/>
+            <a:ext cx="1768307" cy="413826"/>
             <a:chOff x="0" y="0"/>
             <a:chExt cx="1826832" cy="413826"/>
           </a:xfrm>
         </p:grpSpPr>
         <p:sp>
           <p:nvSpPr>
-            <p:cNvPr id="7" name="Pentagon 6"/>
+            <p:cNvPr id="31" name="Pentagon 30"/>
             <p:cNvSpPr/>
             <p:nvPr userDrawn="1"/>
           </p:nvSpPr>
@@ -5157,14 +5666,14 @@
         </p:sp>
         <p:sp>
           <p:nvSpPr>
-            <p:cNvPr id="8" name="Pentagon 4"/>
+            <p:cNvPr id="32" name="Pentagon 4"/>
             <p:cNvSpPr/>
             <p:nvPr userDrawn="1"/>
           </p:nvSpPr>
           <p:spPr>
             <a:xfrm>
               <a:off x="0" y="0"/>
-              <a:ext cx="1723376" cy="413826"/>
+              <a:ext cx="1535345" cy="413826"/>
             </a:xfrm>
             <a:prstGeom prst="rect">
               <a:avLst/>
@@ -5223,21 +5732,21 @@
       </p:grpSp>
       <p:grpSp>
         <p:nvGrpSpPr>
-          <p:cNvPr id="9" name="Group 8"/>
+          <p:cNvPr id="33" name="Group 32"/>
           <p:cNvGrpSpPr/>
           <p:nvPr userDrawn="1"/>
         </p:nvGrpSpPr>
         <p:grpSpPr>
           <a:xfrm>
             <a:off x="2928761" y="5889087"/>
-            <a:ext cx="1826832" cy="413826"/>
+            <a:ext cx="1668379" cy="413826"/>
             <a:chOff x="1463286" y="0"/>
             <a:chExt cx="1826832" cy="413826"/>
           </a:xfrm>
         </p:grpSpPr>
         <p:sp>
           <p:nvSpPr>
-            <p:cNvPr id="10" name="Chevron 9"/>
+            <p:cNvPr id="34" name="Chevron 33"/>
             <p:cNvSpPr/>
             <p:nvPr userDrawn="1"/>
           </p:nvSpPr>
@@ -5287,7 +5796,7 @@
         </p:sp>
         <p:sp>
           <p:nvSpPr>
-            <p:cNvPr id="11" name="Chevron 6"/>
+            <p:cNvPr id="35" name="Chevron 6"/>
             <p:cNvSpPr/>
             <p:nvPr userDrawn="1"/>
           </p:nvSpPr>
@@ -5353,13 +5862,13 @@
       </p:grpSp>
       <p:grpSp>
         <p:nvGrpSpPr>
-          <p:cNvPr id="12" name="Group 11"/>
+          <p:cNvPr id="36" name="Group 35"/>
           <p:cNvGrpSpPr/>
           <p:nvPr userDrawn="1"/>
         </p:nvGrpSpPr>
         <p:grpSpPr>
           <a:xfrm>
-            <a:off x="4390227" y="5889087"/>
+            <a:off x="5828750" y="5889087"/>
             <a:ext cx="1826832" cy="413826"/>
             <a:chOff x="2924752" y="0"/>
             <a:chExt cx="1826832" cy="413826"/>
@@ -5367,7 +5876,7 @@
         </p:grpSpPr>
         <p:sp>
           <p:nvSpPr>
-            <p:cNvPr id="13" name="Chevron 12"/>
+            <p:cNvPr id="37" name="Chevron 36"/>
             <p:cNvSpPr/>
             <p:nvPr userDrawn="1"/>
           </p:nvSpPr>
@@ -5417,143 +5926,13 @@
         </p:sp>
         <p:sp>
           <p:nvSpPr>
-            <p:cNvPr id="14" name="Chevron 8"/>
+            <p:cNvPr id="38" name="Chevron 8"/>
             <p:cNvSpPr/>
             <p:nvPr userDrawn="1"/>
           </p:nvSpPr>
           <p:spPr>
             <a:xfrm>
               <a:off x="3131665" y="0"/>
-              <a:ext cx="1413006" cy="413826"/>
-            </a:xfrm>
-            <a:prstGeom prst="rect">
-              <a:avLst/>
-            </a:prstGeom>
-          </p:spPr>
-          <p:style>
-            <a:lnRef idx="0">
-              <a:scrgbClr r="0" g="0" b="0"/>
-            </a:lnRef>
-            <a:fillRef idx="0">
-              <a:scrgbClr r="0" g="0" b="0"/>
-            </a:fillRef>
-            <a:effectRef idx="0">
-              <a:scrgbClr r="0" g="0" b="0"/>
-            </a:effectRef>
-            <a:fontRef idx="minor">
-              <a:schemeClr val="dk1">
-                <a:hueOff val="0"/>
-                <a:satOff val="0"/>
-                <a:lumOff val="0"/>
-                <a:alphaOff val="0"/>
-              </a:schemeClr>
-            </a:fontRef>
-          </p:style>
-          <p:txBody>
-            <a:bodyPr spcFirstLastPara="0" vert="horz" wrap="square" lIns="52007" tIns="34671" rIns="17336" bIns="34671" numCol="1" spcCol="1270" anchor="ctr" anchorCtr="0">
-              <a:noAutofit/>
-            </a:bodyPr>
-            <a:lstStyle/>
-            <a:p>
-              <a:pPr lvl="0" algn="ctr" defTabSz="577850">
-                <a:lnSpc>
-                  <a:spcPct val="90000"/>
-                </a:lnSpc>
-                <a:spcBef>
-                  <a:spcPct val="0"/>
-                </a:spcBef>
-                <a:spcAft>
-                  <a:spcPct val="35000"/>
-                </a:spcAft>
-              </a:pPr>
-              <a:r>
-                <a:rPr lang="en-US" sz="1300" kern="1200" dirty="0" smtClean="0">
-                  <a:latin typeface="Times New Roman" panose="02020603050405020304" pitchFamily="18" charset="0"/>
-                  <a:cs typeface="Times New Roman" panose="02020603050405020304" pitchFamily="18" charset="0"/>
-                </a:rPr>
-                <a:t>Results</a:t>
-              </a:r>
-              <a:endParaRPr lang="en-US" sz="1300" kern="1200" dirty="0">
-                <a:latin typeface="Times New Roman" panose="02020603050405020304" pitchFamily="18" charset="0"/>
-                <a:cs typeface="Times New Roman" panose="02020603050405020304" pitchFamily="18" charset="0"/>
-              </a:endParaRPr>
-            </a:p>
-          </p:txBody>
-        </p:sp>
-      </p:grpSp>
-      <p:grpSp>
-        <p:nvGrpSpPr>
-          <p:cNvPr id="15" name="Group 14"/>
-          <p:cNvGrpSpPr/>
-          <p:nvPr userDrawn="1"/>
-        </p:nvGrpSpPr>
-        <p:grpSpPr>
-          <a:xfrm>
-            <a:off x="5851693" y="5889087"/>
-            <a:ext cx="1826832" cy="413826"/>
-            <a:chOff x="4386218" y="0"/>
-            <a:chExt cx="1826832" cy="413826"/>
-          </a:xfrm>
-        </p:grpSpPr>
-        <p:sp>
-          <p:nvSpPr>
-            <p:cNvPr id="16" name="Chevron 15"/>
-            <p:cNvSpPr/>
-            <p:nvPr userDrawn="1"/>
-          </p:nvSpPr>
-          <p:spPr>
-            <a:xfrm>
-              <a:off x="4386218" y="0"/>
-              <a:ext cx="1826832" cy="413826"/>
-            </a:xfrm>
-            <a:prstGeom prst="chevron">
-              <a:avLst/>
-            </a:prstGeom>
-            <a:ln>
-              <a:solidFill>
-                <a:srgbClr val="990000"/>
-              </a:solidFill>
-            </a:ln>
-          </p:spPr>
-          <p:style>
-            <a:lnRef idx="3">
-              <a:scrgbClr r="0" g="0" b="0"/>
-            </a:lnRef>
-            <a:fillRef idx="1">
-              <a:schemeClr val="lt1">
-                <a:hueOff val="0"/>
-                <a:satOff val="0"/>
-                <a:lumOff val="0"/>
-                <a:alphaOff val="0"/>
-              </a:schemeClr>
-            </a:fillRef>
-            <a:effectRef idx="1">
-              <a:schemeClr val="lt1">
-                <a:hueOff val="0"/>
-                <a:satOff val="0"/>
-                <a:lumOff val="0"/>
-                <a:alphaOff val="0"/>
-              </a:schemeClr>
-            </a:effectRef>
-            <a:fontRef idx="minor">
-              <a:schemeClr val="dk1">
-                <a:hueOff val="0"/>
-                <a:satOff val="0"/>
-                <a:lumOff val="0"/>
-                <a:alphaOff val="0"/>
-              </a:schemeClr>
-            </a:fontRef>
-          </p:style>
-        </p:sp>
-        <p:sp>
-          <p:nvSpPr>
-            <p:cNvPr id="17" name="Chevron 10"/>
-            <p:cNvSpPr/>
-            <p:nvPr userDrawn="1"/>
-          </p:nvSpPr>
-          <p:spPr>
-            <a:xfrm>
-              <a:off x="4593131" y="0"/>
               <a:ext cx="1413006" cy="413826"/>
             </a:xfrm>
             <a:prstGeom prst="rect">
@@ -5611,6 +5990,174 @@
           </p:txBody>
         </p:sp>
       </p:grpSp>
+      <p:grpSp>
+        <p:nvGrpSpPr>
+          <p:cNvPr id="39" name="Group 38"/>
+          <p:cNvGrpSpPr/>
+          <p:nvPr userDrawn="1"/>
+        </p:nvGrpSpPr>
+        <p:grpSpPr>
+          <a:xfrm>
+            <a:off x="4375485" y="5889087"/>
+            <a:ext cx="1668379" cy="413826"/>
+            <a:chOff x="1463286" y="0"/>
+            <a:chExt cx="1826832" cy="413826"/>
+          </a:xfrm>
+        </p:grpSpPr>
+        <p:sp>
+          <p:nvSpPr>
+            <p:cNvPr id="40" name="Chevron 39"/>
+            <p:cNvSpPr/>
+            <p:nvPr userDrawn="1"/>
+          </p:nvSpPr>
+          <p:spPr>
+            <a:xfrm>
+              <a:off x="1463286" y="0"/>
+              <a:ext cx="1826832" cy="413826"/>
+            </a:xfrm>
+            <a:prstGeom prst="chevron">
+              <a:avLst/>
+            </a:prstGeom>
+            <a:ln>
+              <a:solidFill>
+                <a:srgbClr val="990000"/>
+              </a:solidFill>
+            </a:ln>
+          </p:spPr>
+          <p:style>
+            <a:lnRef idx="3">
+              <a:scrgbClr r="0" g="0" b="0"/>
+            </a:lnRef>
+            <a:fillRef idx="1">
+              <a:schemeClr val="lt1">
+                <a:hueOff val="0"/>
+                <a:satOff val="0"/>
+                <a:lumOff val="0"/>
+                <a:alphaOff val="0"/>
+              </a:schemeClr>
+            </a:fillRef>
+            <a:effectRef idx="1">
+              <a:schemeClr val="lt1">
+                <a:hueOff val="0"/>
+                <a:satOff val="0"/>
+                <a:lumOff val="0"/>
+                <a:alphaOff val="0"/>
+              </a:schemeClr>
+            </a:effectRef>
+            <a:fontRef idx="minor">
+              <a:schemeClr val="dk1">
+                <a:hueOff val="0"/>
+                <a:satOff val="0"/>
+                <a:lumOff val="0"/>
+                <a:alphaOff val="0"/>
+              </a:schemeClr>
+            </a:fontRef>
+          </p:style>
+        </p:sp>
+        <p:sp>
+          <p:nvSpPr>
+            <p:cNvPr id="41" name="Chevron 6"/>
+            <p:cNvSpPr/>
+            <p:nvPr userDrawn="1"/>
+          </p:nvSpPr>
+          <p:spPr>
+            <a:xfrm>
+              <a:off x="1670199" y="0"/>
+              <a:ext cx="1413006" cy="413826"/>
+            </a:xfrm>
+            <a:prstGeom prst="rect">
+              <a:avLst/>
+            </a:prstGeom>
+          </p:spPr>
+          <p:style>
+            <a:lnRef idx="0">
+              <a:scrgbClr r="0" g="0" b="0"/>
+            </a:lnRef>
+            <a:fillRef idx="0">
+              <a:scrgbClr r="0" g="0" b="0"/>
+            </a:fillRef>
+            <a:effectRef idx="0">
+              <a:scrgbClr r="0" g="0" b="0"/>
+            </a:effectRef>
+            <a:fontRef idx="minor">
+              <a:schemeClr val="dk1">
+                <a:hueOff val="0"/>
+                <a:satOff val="0"/>
+                <a:lumOff val="0"/>
+                <a:alphaOff val="0"/>
+              </a:schemeClr>
+            </a:fontRef>
+          </p:style>
+          <p:txBody>
+            <a:bodyPr spcFirstLastPara="0" vert="horz" wrap="square" lIns="52007" tIns="34671" rIns="17336" bIns="34671" numCol="1" spcCol="1270" anchor="ctr" anchorCtr="0">
+              <a:noAutofit/>
+            </a:bodyPr>
+            <a:lstStyle/>
+            <a:p>
+              <a:pPr lvl="0" algn="l" defTabSz="577850">
+                <a:lnSpc>
+                  <a:spcPct val="90000"/>
+                </a:lnSpc>
+                <a:spcBef>
+                  <a:spcPct val="0"/>
+                </a:spcBef>
+                <a:spcAft>
+                  <a:spcPct val="35000"/>
+                </a:spcAft>
+              </a:pPr>
+              <a:r>
+                <a:rPr lang="en-US" sz="1300" kern="1200" dirty="0" smtClean="0">
+                  <a:latin typeface="Times New Roman" panose="02020603050405020304" pitchFamily="18" charset="0"/>
+                  <a:cs typeface="Times New Roman" panose="02020603050405020304" pitchFamily="18" charset="0"/>
+                </a:rPr>
+                <a:t>     Results</a:t>
+              </a:r>
+              <a:endParaRPr lang="en-US" sz="1300" kern="1200" dirty="0">
+                <a:latin typeface="Times New Roman" panose="02020603050405020304" pitchFamily="18" charset="0"/>
+                <a:cs typeface="Times New Roman" panose="02020603050405020304" pitchFamily="18" charset="0"/>
+              </a:endParaRPr>
+            </a:p>
+          </p:txBody>
+        </p:sp>
+      </p:grpSp>
+      <p:sp>
+        <p:nvSpPr>
+          <p:cNvPr id="42" name="TextBox 41"/>
+          <p:cNvSpPr txBox="1"/>
+          <p:nvPr userDrawn="1"/>
+        </p:nvSpPr>
+        <p:spPr>
+          <a:xfrm>
+            <a:off x="599017" y="36065"/>
+            <a:ext cx="816249" cy="215444"/>
+          </a:xfrm>
+          <a:prstGeom prst="rect">
+            <a:avLst/>
+          </a:prstGeom>
+          <a:noFill/>
+        </p:spPr>
+        <p:txBody>
+          <a:bodyPr wrap="none" rtlCol="0">
+            <a:spAutoFit/>
+          </a:bodyPr>
+          <a:lstStyle/>
+          <a:p>
+            <a:r>
+              <a:rPr lang="en-US" sz="800" b="1" dirty="0" smtClean="0">
+                <a:solidFill>
+                  <a:schemeClr val="bg1"/>
+                </a:solidFill>
+              </a:rPr>
+              <a:t>18-755 Project</a:t>
+            </a:r>
+            <a:endParaRPr lang="en-US" sz="800" b="1" dirty="0">
+              <a:solidFill>
+                <a:schemeClr val="bg1"/>
+              </a:solidFill>
+            </a:endParaRPr>
+          </a:p>
+        </p:txBody>
+      </p:sp>
     </p:spTree>
     <p:extLst>
       <p:ext uri="{BB962C8B-B14F-4D97-AF65-F5344CB8AC3E}">
@@ -5833,21 +6380,21 @@
       </p:sp>
       <p:grpSp>
         <p:nvGrpSpPr>
-          <p:cNvPr id="6" name="Group 5"/>
+          <p:cNvPr id="30" name="Group 29"/>
           <p:cNvGrpSpPr/>
           <p:nvPr userDrawn="1"/>
         </p:nvGrpSpPr>
         <p:grpSpPr>
           <a:xfrm>
-            <a:off x="1465475" y="5889087"/>
-            <a:ext cx="1826832" cy="413826"/>
+            <a:off x="1524000" y="5889087"/>
+            <a:ext cx="1768307" cy="413826"/>
             <a:chOff x="0" y="0"/>
             <a:chExt cx="1826832" cy="413826"/>
           </a:xfrm>
         </p:grpSpPr>
         <p:sp>
           <p:nvSpPr>
-            <p:cNvPr id="7" name="Pentagon 6"/>
+            <p:cNvPr id="31" name="Pentagon 30"/>
             <p:cNvSpPr/>
             <p:nvPr userDrawn="1"/>
           </p:nvSpPr>
@@ -5897,14 +6444,14 @@
         </p:sp>
         <p:sp>
           <p:nvSpPr>
-            <p:cNvPr id="8" name="Pentagon 4"/>
+            <p:cNvPr id="32" name="Pentagon 4"/>
             <p:cNvSpPr/>
             <p:nvPr userDrawn="1"/>
           </p:nvSpPr>
           <p:spPr>
             <a:xfrm>
               <a:off x="0" y="0"/>
-              <a:ext cx="1723376" cy="413826"/>
+              <a:ext cx="1535345" cy="413826"/>
             </a:xfrm>
             <a:prstGeom prst="rect">
               <a:avLst/>
@@ -5963,21 +6510,21 @@
       </p:grpSp>
       <p:grpSp>
         <p:nvGrpSpPr>
-          <p:cNvPr id="9" name="Group 8"/>
+          <p:cNvPr id="33" name="Group 32"/>
           <p:cNvGrpSpPr/>
           <p:nvPr userDrawn="1"/>
         </p:nvGrpSpPr>
         <p:grpSpPr>
           <a:xfrm>
             <a:off x="2928761" y="5889087"/>
-            <a:ext cx="1826832" cy="413826"/>
+            <a:ext cx="1668379" cy="413826"/>
             <a:chOff x="1463286" y="0"/>
             <a:chExt cx="1826832" cy="413826"/>
           </a:xfrm>
         </p:grpSpPr>
         <p:sp>
           <p:nvSpPr>
-            <p:cNvPr id="10" name="Chevron 9"/>
+            <p:cNvPr id="34" name="Chevron 33"/>
             <p:cNvSpPr/>
             <p:nvPr userDrawn="1"/>
           </p:nvSpPr>
@@ -6027,7 +6574,7 @@
         </p:sp>
         <p:sp>
           <p:nvSpPr>
-            <p:cNvPr id="11" name="Chevron 6"/>
+            <p:cNvPr id="35" name="Chevron 6"/>
             <p:cNvSpPr/>
             <p:nvPr userDrawn="1"/>
           </p:nvSpPr>
@@ -6093,13 +6640,13 @@
       </p:grpSp>
       <p:grpSp>
         <p:nvGrpSpPr>
-          <p:cNvPr id="12" name="Group 11"/>
+          <p:cNvPr id="36" name="Group 35"/>
           <p:cNvGrpSpPr/>
           <p:nvPr userDrawn="1"/>
         </p:nvGrpSpPr>
         <p:grpSpPr>
           <a:xfrm>
-            <a:off x="4390227" y="5889087"/>
+            <a:off x="5828750" y="5889087"/>
             <a:ext cx="1826832" cy="413826"/>
             <a:chOff x="2924752" y="0"/>
             <a:chExt cx="1826832" cy="413826"/>
@@ -6107,7 +6654,7 @@
         </p:grpSpPr>
         <p:sp>
           <p:nvSpPr>
-            <p:cNvPr id="13" name="Chevron 12"/>
+            <p:cNvPr id="37" name="Chevron 36"/>
             <p:cNvSpPr/>
             <p:nvPr userDrawn="1"/>
           </p:nvSpPr>
@@ -6157,143 +6704,13 @@
         </p:sp>
         <p:sp>
           <p:nvSpPr>
-            <p:cNvPr id="14" name="Chevron 8"/>
+            <p:cNvPr id="38" name="Chevron 8"/>
             <p:cNvSpPr/>
             <p:nvPr userDrawn="1"/>
           </p:nvSpPr>
           <p:spPr>
             <a:xfrm>
               <a:off x="3131665" y="0"/>
-              <a:ext cx="1413006" cy="413826"/>
-            </a:xfrm>
-            <a:prstGeom prst="rect">
-              <a:avLst/>
-            </a:prstGeom>
-          </p:spPr>
-          <p:style>
-            <a:lnRef idx="0">
-              <a:scrgbClr r="0" g="0" b="0"/>
-            </a:lnRef>
-            <a:fillRef idx="0">
-              <a:scrgbClr r="0" g="0" b="0"/>
-            </a:fillRef>
-            <a:effectRef idx="0">
-              <a:scrgbClr r="0" g="0" b="0"/>
-            </a:effectRef>
-            <a:fontRef idx="minor">
-              <a:schemeClr val="dk1">
-                <a:hueOff val="0"/>
-                <a:satOff val="0"/>
-                <a:lumOff val="0"/>
-                <a:alphaOff val="0"/>
-              </a:schemeClr>
-            </a:fontRef>
-          </p:style>
-          <p:txBody>
-            <a:bodyPr spcFirstLastPara="0" vert="horz" wrap="square" lIns="52007" tIns="34671" rIns="17336" bIns="34671" numCol="1" spcCol="1270" anchor="ctr" anchorCtr="0">
-              <a:noAutofit/>
-            </a:bodyPr>
-            <a:lstStyle/>
-            <a:p>
-              <a:pPr lvl="0" algn="ctr" defTabSz="577850">
-                <a:lnSpc>
-                  <a:spcPct val="90000"/>
-                </a:lnSpc>
-                <a:spcBef>
-                  <a:spcPct val="0"/>
-                </a:spcBef>
-                <a:spcAft>
-                  <a:spcPct val="35000"/>
-                </a:spcAft>
-              </a:pPr>
-              <a:r>
-                <a:rPr lang="en-US" sz="1300" kern="1200" dirty="0" smtClean="0">
-                  <a:latin typeface="Times New Roman" panose="02020603050405020304" pitchFamily="18" charset="0"/>
-                  <a:cs typeface="Times New Roman" panose="02020603050405020304" pitchFamily="18" charset="0"/>
-                </a:rPr>
-                <a:t>Results</a:t>
-              </a:r>
-              <a:endParaRPr lang="en-US" sz="1300" kern="1200" dirty="0">
-                <a:latin typeface="Times New Roman" panose="02020603050405020304" pitchFamily="18" charset="0"/>
-                <a:cs typeface="Times New Roman" panose="02020603050405020304" pitchFamily="18" charset="0"/>
-              </a:endParaRPr>
-            </a:p>
-          </p:txBody>
-        </p:sp>
-      </p:grpSp>
-      <p:grpSp>
-        <p:nvGrpSpPr>
-          <p:cNvPr id="15" name="Group 14"/>
-          <p:cNvGrpSpPr/>
-          <p:nvPr userDrawn="1"/>
-        </p:nvGrpSpPr>
-        <p:grpSpPr>
-          <a:xfrm>
-            <a:off x="5851693" y="5889087"/>
-            <a:ext cx="1826832" cy="413826"/>
-            <a:chOff x="4386218" y="0"/>
-            <a:chExt cx="1826832" cy="413826"/>
-          </a:xfrm>
-        </p:grpSpPr>
-        <p:sp>
-          <p:nvSpPr>
-            <p:cNvPr id="16" name="Chevron 15"/>
-            <p:cNvSpPr/>
-            <p:nvPr userDrawn="1"/>
-          </p:nvSpPr>
-          <p:spPr>
-            <a:xfrm>
-              <a:off x="4386218" y="0"/>
-              <a:ext cx="1826832" cy="413826"/>
-            </a:xfrm>
-            <a:prstGeom prst="chevron">
-              <a:avLst/>
-            </a:prstGeom>
-            <a:ln>
-              <a:solidFill>
-                <a:srgbClr val="990000"/>
-              </a:solidFill>
-            </a:ln>
-          </p:spPr>
-          <p:style>
-            <a:lnRef idx="3">
-              <a:scrgbClr r="0" g="0" b="0"/>
-            </a:lnRef>
-            <a:fillRef idx="1">
-              <a:schemeClr val="lt1">
-                <a:hueOff val="0"/>
-                <a:satOff val="0"/>
-                <a:lumOff val="0"/>
-                <a:alphaOff val="0"/>
-              </a:schemeClr>
-            </a:fillRef>
-            <a:effectRef idx="1">
-              <a:schemeClr val="lt1">
-                <a:hueOff val="0"/>
-                <a:satOff val="0"/>
-                <a:lumOff val="0"/>
-                <a:alphaOff val="0"/>
-              </a:schemeClr>
-            </a:effectRef>
-            <a:fontRef idx="minor">
-              <a:schemeClr val="dk1">
-                <a:hueOff val="0"/>
-                <a:satOff val="0"/>
-                <a:lumOff val="0"/>
-                <a:alphaOff val="0"/>
-              </a:schemeClr>
-            </a:fontRef>
-          </p:style>
-        </p:sp>
-        <p:sp>
-          <p:nvSpPr>
-            <p:cNvPr id="17" name="Chevron 10"/>
-            <p:cNvSpPr/>
-            <p:nvPr userDrawn="1"/>
-          </p:nvSpPr>
-          <p:spPr>
-            <a:xfrm>
-              <a:off x="4593131" y="0"/>
               <a:ext cx="1413006" cy="413826"/>
             </a:xfrm>
             <a:prstGeom prst="rect">
@@ -6351,6 +6768,174 @@
           </p:txBody>
         </p:sp>
       </p:grpSp>
+      <p:grpSp>
+        <p:nvGrpSpPr>
+          <p:cNvPr id="39" name="Group 38"/>
+          <p:cNvGrpSpPr/>
+          <p:nvPr userDrawn="1"/>
+        </p:nvGrpSpPr>
+        <p:grpSpPr>
+          <a:xfrm>
+            <a:off x="4375485" y="5889087"/>
+            <a:ext cx="1668379" cy="413826"/>
+            <a:chOff x="1463286" y="0"/>
+            <a:chExt cx="1826832" cy="413826"/>
+          </a:xfrm>
+        </p:grpSpPr>
+        <p:sp>
+          <p:nvSpPr>
+            <p:cNvPr id="40" name="Chevron 39"/>
+            <p:cNvSpPr/>
+            <p:nvPr userDrawn="1"/>
+          </p:nvSpPr>
+          <p:spPr>
+            <a:xfrm>
+              <a:off x="1463286" y="0"/>
+              <a:ext cx="1826832" cy="413826"/>
+            </a:xfrm>
+            <a:prstGeom prst="chevron">
+              <a:avLst/>
+            </a:prstGeom>
+            <a:ln>
+              <a:solidFill>
+                <a:srgbClr val="990000"/>
+              </a:solidFill>
+            </a:ln>
+          </p:spPr>
+          <p:style>
+            <a:lnRef idx="3">
+              <a:scrgbClr r="0" g="0" b="0"/>
+            </a:lnRef>
+            <a:fillRef idx="1">
+              <a:schemeClr val="lt1">
+                <a:hueOff val="0"/>
+                <a:satOff val="0"/>
+                <a:lumOff val="0"/>
+                <a:alphaOff val="0"/>
+              </a:schemeClr>
+            </a:fillRef>
+            <a:effectRef idx="1">
+              <a:schemeClr val="lt1">
+                <a:hueOff val="0"/>
+                <a:satOff val="0"/>
+                <a:lumOff val="0"/>
+                <a:alphaOff val="0"/>
+              </a:schemeClr>
+            </a:effectRef>
+            <a:fontRef idx="minor">
+              <a:schemeClr val="dk1">
+                <a:hueOff val="0"/>
+                <a:satOff val="0"/>
+                <a:lumOff val="0"/>
+                <a:alphaOff val="0"/>
+              </a:schemeClr>
+            </a:fontRef>
+          </p:style>
+        </p:sp>
+        <p:sp>
+          <p:nvSpPr>
+            <p:cNvPr id="41" name="Chevron 6"/>
+            <p:cNvSpPr/>
+            <p:nvPr userDrawn="1"/>
+          </p:nvSpPr>
+          <p:spPr>
+            <a:xfrm>
+              <a:off x="1670199" y="0"/>
+              <a:ext cx="1413006" cy="413826"/>
+            </a:xfrm>
+            <a:prstGeom prst="rect">
+              <a:avLst/>
+            </a:prstGeom>
+          </p:spPr>
+          <p:style>
+            <a:lnRef idx="0">
+              <a:scrgbClr r="0" g="0" b="0"/>
+            </a:lnRef>
+            <a:fillRef idx="0">
+              <a:scrgbClr r="0" g="0" b="0"/>
+            </a:fillRef>
+            <a:effectRef idx="0">
+              <a:scrgbClr r="0" g="0" b="0"/>
+            </a:effectRef>
+            <a:fontRef idx="minor">
+              <a:schemeClr val="dk1">
+                <a:hueOff val="0"/>
+                <a:satOff val="0"/>
+                <a:lumOff val="0"/>
+                <a:alphaOff val="0"/>
+              </a:schemeClr>
+            </a:fontRef>
+          </p:style>
+          <p:txBody>
+            <a:bodyPr spcFirstLastPara="0" vert="horz" wrap="square" lIns="52007" tIns="34671" rIns="17336" bIns="34671" numCol="1" spcCol="1270" anchor="ctr" anchorCtr="0">
+              <a:noAutofit/>
+            </a:bodyPr>
+            <a:lstStyle/>
+            <a:p>
+              <a:pPr lvl="0" algn="l" defTabSz="577850">
+                <a:lnSpc>
+                  <a:spcPct val="90000"/>
+                </a:lnSpc>
+                <a:spcBef>
+                  <a:spcPct val="0"/>
+                </a:spcBef>
+                <a:spcAft>
+                  <a:spcPct val="35000"/>
+                </a:spcAft>
+              </a:pPr>
+              <a:r>
+                <a:rPr lang="en-US" sz="1300" kern="1200" dirty="0" smtClean="0">
+                  <a:latin typeface="Times New Roman" panose="02020603050405020304" pitchFamily="18" charset="0"/>
+                  <a:cs typeface="Times New Roman" panose="02020603050405020304" pitchFamily="18" charset="0"/>
+                </a:rPr>
+                <a:t>     Results</a:t>
+              </a:r>
+              <a:endParaRPr lang="en-US" sz="1300" kern="1200" dirty="0">
+                <a:latin typeface="Times New Roman" panose="02020603050405020304" pitchFamily="18" charset="0"/>
+                <a:cs typeface="Times New Roman" panose="02020603050405020304" pitchFamily="18" charset="0"/>
+              </a:endParaRPr>
+            </a:p>
+          </p:txBody>
+        </p:sp>
+      </p:grpSp>
+      <p:sp>
+        <p:nvSpPr>
+          <p:cNvPr id="42" name="TextBox 41"/>
+          <p:cNvSpPr txBox="1"/>
+          <p:nvPr userDrawn="1"/>
+        </p:nvSpPr>
+        <p:spPr>
+          <a:xfrm>
+            <a:off x="599017" y="36065"/>
+            <a:ext cx="816249" cy="215444"/>
+          </a:xfrm>
+          <a:prstGeom prst="rect">
+            <a:avLst/>
+          </a:prstGeom>
+          <a:noFill/>
+        </p:spPr>
+        <p:txBody>
+          <a:bodyPr wrap="none" rtlCol="0">
+            <a:spAutoFit/>
+          </a:bodyPr>
+          <a:lstStyle/>
+          <a:p>
+            <a:r>
+              <a:rPr lang="en-US" sz="800" b="1" dirty="0" smtClean="0">
+                <a:solidFill>
+                  <a:schemeClr val="bg1"/>
+                </a:solidFill>
+              </a:rPr>
+              <a:t>18-755 Project</a:t>
+            </a:r>
+            <a:endParaRPr lang="en-US" sz="800" b="1" dirty="0">
+              <a:solidFill>
+                <a:schemeClr val="bg1"/>
+              </a:solidFill>
+            </a:endParaRPr>
+          </a:p>
+        </p:txBody>
+      </p:sp>
     </p:spTree>
     <p:extLst>
       <p:ext uri="{BB962C8B-B14F-4D97-AF65-F5344CB8AC3E}">
@@ -6454,7 +7039,6 @@
               <a:rPr lang="en-US" altLang="en-US" smtClean="0"/>
               <a:t>Click to edit Master title style</a:t>
             </a:r>
-            <a:endParaRPr lang="en-US" altLang="en-US" smtClean="0"/>
           </a:p>
         </p:txBody>
       </p:sp>
@@ -6551,7 +7135,6 @@
               <a:rPr lang="en-US" altLang="en-US" smtClean="0"/>
               <a:t>Fifth level</a:t>
             </a:r>
-            <a:endParaRPr lang="en-US" altLang="en-US" smtClean="0"/>
           </a:p>
         </p:txBody>
       </p:sp>
@@ -6780,6 +7363,7 @@
     <p:sldLayoutId id="2147483658" r:id="rId10"/>
     <p:sldLayoutId id="2147483659" r:id="rId11"/>
   </p:sldLayoutIdLst>
+  <p:hf hdr="0" ftr="0" dt="0"/>
   <p:txStyles>
     <p:titleStyle>
       <a:lvl1pPr algn="ctr" rtl="0" eaLnBrk="1" fontAlgn="base" hangingPunct="1">
@@ -7265,7 +7849,15 @@
           <a:bodyPr/>
           <a:lstStyle/>
           <a:p>
-            <a:endParaRPr lang="en-US"/>
+            <a:r>
+              <a:rPr lang="en-US" sz="3600" dirty="0">
+                <a:latin typeface="Verdana" panose="020B0604030504040204" pitchFamily="34" charset="0"/>
+                <a:ea typeface="Verdana" panose="020B0604030504040204" pitchFamily="34" charset="0"/>
+                <a:cs typeface="Verdana" panose="020B0604030504040204" pitchFamily="34" charset="0"/>
+              </a:rPr>
+              <a:t>Citi Bike Usage Balancing through Congestion Pricing</a:t>
+            </a:r>
+            <a:endParaRPr lang="en-US" sz="3600" dirty="0"/>
           </a:p>
         </p:txBody>
       </p:sp>
@@ -7284,7 +7876,66 @@
           <a:bodyPr/>
           <a:lstStyle/>
           <a:p>
-            <a:endParaRPr lang="en-US"/>
+            <a:r>
+              <a:rPr lang="en-US" b="1" dirty="0">
+                <a:latin typeface="Verdana" panose="020B0604030504040204" pitchFamily="34" charset="0"/>
+                <a:ea typeface="Verdana" panose="020B0604030504040204" pitchFamily="34" charset="0"/>
+                <a:cs typeface="Verdana" panose="020B0604030504040204" pitchFamily="34" charset="0"/>
+              </a:rPr>
+              <a:t>Milestone 2</a:t>
+            </a:r>
+            <a:r>
+              <a:rPr lang="en-US" b="1" dirty="0" smtClean="0">
+                <a:latin typeface="Verdana" panose="020B0604030504040204" pitchFamily="34" charset="0"/>
+                <a:ea typeface="Verdana" panose="020B0604030504040204" pitchFamily="34" charset="0"/>
+                <a:cs typeface="Verdana" panose="020B0604030504040204" pitchFamily="34" charset="0"/>
+              </a:rPr>
+              <a:t> </a:t>
+            </a:r>
+            <a:r>
+              <a:rPr lang="en-US" b="1" dirty="0">
+                <a:latin typeface="Verdana" panose="020B0604030504040204" pitchFamily="34" charset="0"/>
+                <a:ea typeface="Verdana" panose="020B0604030504040204" pitchFamily="34" charset="0"/>
+                <a:cs typeface="Verdana" panose="020B0604030504040204" pitchFamily="34" charset="0"/>
+              </a:rPr>
+              <a:t>Presentation</a:t>
+            </a:r>
+          </a:p>
+          <a:p>
+            <a:endParaRPr lang="en-US" b="1" dirty="0">
+              <a:latin typeface="Verdana" panose="020B0604030504040204" pitchFamily="34" charset="0"/>
+              <a:ea typeface="Verdana" panose="020B0604030504040204" pitchFamily="34" charset="0"/>
+              <a:cs typeface="Verdana" panose="020B0604030504040204" pitchFamily="34" charset="0"/>
+            </a:endParaRPr>
+          </a:p>
+          <a:p>
+            <a:r>
+              <a:rPr lang="en-US" dirty="0">
+                <a:latin typeface="Times New Roman" panose="02020603050405020304" pitchFamily="18" charset="0"/>
+                <a:ea typeface="Verdana" panose="020B0604030504040204" pitchFamily="34" charset="0"/>
+                <a:cs typeface="Times New Roman" panose="02020603050405020304" pitchFamily="18" charset="0"/>
+              </a:rPr>
+              <a:t>Paul </a:t>
+            </a:r>
+            <a:r>
+              <a:rPr lang="en-US" dirty="0" err="1">
+                <a:latin typeface="Times New Roman" panose="02020603050405020304" pitchFamily="18" charset="0"/>
+                <a:ea typeface="Verdana" panose="020B0604030504040204" pitchFamily="34" charset="0"/>
+                <a:cs typeface="Times New Roman" panose="02020603050405020304" pitchFamily="18" charset="0"/>
+              </a:rPr>
+              <a:t>Griffioen</a:t>
+            </a:r>
+            <a:r>
+              <a:rPr lang="en-US" dirty="0">
+                <a:latin typeface="Times New Roman" panose="02020603050405020304" pitchFamily="18" charset="0"/>
+                <a:ea typeface="Verdana" panose="020B0604030504040204" pitchFamily="34" charset="0"/>
+                <a:cs typeface="Times New Roman" panose="02020603050405020304" pitchFamily="18" charset="0"/>
+              </a:rPr>
+              <a:t> and Anthony Jin</a:t>
+            </a:r>
+          </a:p>
+          <a:p>
+            <a:endParaRPr lang="en-US" dirty="0"/>
           </a:p>
         </p:txBody>
       </p:sp>
@@ -7293,6 +7944,13 @@
   <p:clrMapOvr>
     <a:masterClrMapping/>
   </p:clrMapOvr>
+  <p:timing>
+    <p:tnLst>
+      <p:par>
+        <p:cTn id="1" dur="indefinite" restart="never" nodeType="tmRoot"/>
+      </p:par>
+    </p:tnLst>
+  </p:timing>
 </p:sld>
 </file>
 
@@ -7328,10 +7986,900 @@
           <a:bodyPr/>
           <a:lstStyle/>
           <a:p>
-            <a:endParaRPr lang="en-US"/>
+            <a:r>
+              <a:rPr lang="en-US" dirty="0" smtClean="0"/>
+              <a:t>Decongesting the </a:t>
+            </a:r>
+            <a:r>
+              <a:rPr lang="en-US" dirty="0"/>
+              <a:t>C</a:t>
+            </a:r>
+            <a:r>
+              <a:rPr lang="en-US" dirty="0" smtClean="0"/>
+              <a:t>iti </a:t>
+            </a:r>
+            <a:r>
+              <a:rPr lang="en-US" dirty="0" smtClean="0"/>
+              <a:t>Bike Network</a:t>
+            </a:r>
+            <a:endParaRPr lang="en-US" dirty="0"/>
           </a:p>
         </p:txBody>
       </p:sp>
+      <p:grpSp>
+        <p:nvGrpSpPr>
+          <p:cNvPr id="3" name="Group 2"/>
+          <p:cNvGrpSpPr/>
+          <p:nvPr/>
+        </p:nvGrpSpPr>
+        <p:grpSpPr>
+          <a:xfrm>
+            <a:off x="1524000" y="5891723"/>
+            <a:ext cx="1600200" cy="413826"/>
+            <a:chOff x="76200" y="-1143001"/>
+            <a:chExt cx="1826832" cy="413826"/>
+          </a:xfrm>
+          <a:solidFill>
+            <a:srgbClr val="990000"/>
+          </a:solidFill>
+        </p:grpSpPr>
+        <p:sp>
+          <p:nvSpPr>
+            <p:cNvPr id="5" name="Pentagon 4"/>
+            <p:cNvSpPr/>
+            <p:nvPr/>
+          </p:nvSpPr>
+          <p:spPr>
+            <a:xfrm>
+              <a:off x="76200" y="-1143001"/>
+              <a:ext cx="1826832" cy="413826"/>
+            </a:xfrm>
+            <a:prstGeom prst="homePlate">
+              <a:avLst/>
+            </a:prstGeom>
+            <a:grpFill/>
+            <a:ln>
+              <a:solidFill>
+                <a:srgbClr val="990000"/>
+              </a:solidFill>
+            </a:ln>
+          </p:spPr>
+          <p:style>
+            <a:lnRef idx="2">
+              <a:scrgbClr r="0" g="0" b="0"/>
+            </a:lnRef>
+            <a:fillRef idx="1">
+              <a:schemeClr val="lt1">
+                <a:hueOff val="0"/>
+                <a:satOff val="0"/>
+                <a:lumOff val="0"/>
+                <a:alphaOff val="0"/>
+              </a:schemeClr>
+            </a:fillRef>
+            <a:effectRef idx="0">
+              <a:schemeClr val="lt1">
+                <a:hueOff val="0"/>
+                <a:satOff val="0"/>
+                <a:lumOff val="0"/>
+                <a:alphaOff val="0"/>
+              </a:schemeClr>
+            </a:effectRef>
+            <a:fontRef idx="minor">
+              <a:schemeClr val="dk1">
+                <a:hueOff val="0"/>
+                <a:satOff val="0"/>
+                <a:lumOff val="0"/>
+                <a:alphaOff val="0"/>
+              </a:schemeClr>
+            </a:fontRef>
+          </p:style>
+        </p:sp>
+        <p:sp>
+          <p:nvSpPr>
+            <p:cNvPr id="6" name="Pentagon 4"/>
+            <p:cNvSpPr/>
+            <p:nvPr/>
+          </p:nvSpPr>
+          <p:spPr>
+            <a:xfrm>
+              <a:off x="227615" y="-1104901"/>
+              <a:ext cx="1414441" cy="337626"/>
+            </a:xfrm>
+            <a:prstGeom prst="rect">
+              <a:avLst/>
+            </a:prstGeom>
+            <a:grpFill/>
+          </p:spPr>
+          <p:style>
+            <a:lnRef idx="0">
+              <a:scrgbClr r="0" g="0" b="0"/>
+            </a:lnRef>
+            <a:fillRef idx="0">
+              <a:scrgbClr r="0" g="0" b="0"/>
+            </a:fillRef>
+            <a:effectRef idx="0">
+              <a:scrgbClr r="0" g="0" b="0"/>
+            </a:effectRef>
+            <a:fontRef idx="minor">
+              <a:schemeClr val="dk1">
+                <a:hueOff val="0"/>
+                <a:satOff val="0"/>
+                <a:lumOff val="0"/>
+                <a:alphaOff val="0"/>
+              </a:schemeClr>
+            </a:fontRef>
+          </p:style>
+          <p:txBody>
+            <a:bodyPr spcFirstLastPara="0" vert="horz" wrap="square" lIns="69342" tIns="34671" rIns="17336" bIns="34671" numCol="1" spcCol="1270" anchor="ctr" anchorCtr="0">
+              <a:noAutofit/>
+            </a:bodyPr>
+            <a:lstStyle/>
+            <a:p>
+              <a:pPr lvl="0" algn="ctr" defTabSz="577850">
+                <a:lnSpc>
+                  <a:spcPct val="90000"/>
+                </a:lnSpc>
+                <a:spcBef>
+                  <a:spcPct val="0"/>
+                </a:spcBef>
+                <a:spcAft>
+                  <a:spcPct val="35000"/>
+                </a:spcAft>
+              </a:pPr>
+              <a:r>
+                <a:rPr lang="en-US" sz="1300" kern="1200" dirty="0" smtClean="0">
+                  <a:solidFill>
+                    <a:schemeClr val="bg1"/>
+                  </a:solidFill>
+                  <a:latin typeface="Times New Roman" panose="02020603050405020304" pitchFamily="18" charset="0"/>
+                  <a:cs typeface="Times New Roman" panose="02020603050405020304" pitchFamily="18" charset="0"/>
+                </a:rPr>
+                <a:t>Overview</a:t>
+              </a:r>
+              <a:endParaRPr lang="en-US" sz="1300" kern="1200" dirty="0">
+                <a:solidFill>
+                  <a:schemeClr val="bg1"/>
+                </a:solidFill>
+                <a:latin typeface="Times New Roman" panose="02020603050405020304" pitchFamily="18" charset="0"/>
+                <a:cs typeface="Times New Roman" panose="02020603050405020304" pitchFamily="18" charset="0"/>
+              </a:endParaRPr>
+            </a:p>
+          </p:txBody>
+        </p:sp>
+      </p:grpSp>
+      <p:sp>
+        <p:nvSpPr>
+          <p:cNvPr id="2" name="Slide Number Placeholder 1"/>
+          <p:cNvSpPr>
+            <a:spLocks noGrp="1"/>
+          </p:cNvSpPr>
+          <p:nvPr>
+            <p:ph type="sldNum" sz="quarter" idx="10"/>
+          </p:nvPr>
+        </p:nvSpPr>
+        <p:spPr/>
+        <p:txBody>
+          <a:bodyPr/>
+          <a:lstStyle/>
+          <a:p>
+            <a:fld id="{D90F13D6-F77B-4791-A11F-9D334EE501E7}" type="slidenum">
+              <a:rPr lang="en-US" altLang="en-US" smtClean="0"/>
+              <a:pPr/>
+              <a:t>2</a:t>
+            </a:fld>
+            <a:endParaRPr lang="en-US" altLang="en-US"/>
+          </a:p>
+        </p:txBody>
+      </p:sp>
+      <p:sp>
+        <p:nvSpPr>
+          <p:cNvPr id="7" name="TextBox 6"/>
+          <p:cNvSpPr txBox="1"/>
+          <p:nvPr/>
+        </p:nvSpPr>
+        <p:spPr>
+          <a:xfrm>
+            <a:off x="714375" y="1389036"/>
+            <a:ext cx="5048102" cy="3785652"/>
+          </a:xfrm>
+          <a:prstGeom prst="rect">
+            <a:avLst/>
+          </a:prstGeom>
+          <a:noFill/>
+        </p:spPr>
+        <p:txBody>
+          <a:bodyPr wrap="square" rtlCol="0">
+            <a:spAutoFit/>
+          </a:bodyPr>
+          <a:lstStyle/>
+          <a:p>
+            <a:pPr marL="342900" indent="-342900">
+              <a:buClr>
+                <a:srgbClr val="990000"/>
+              </a:buClr>
+              <a:buFont typeface="Wingdings" panose="05000000000000000000" pitchFamily="2" charset="2"/>
+              <a:buChar char="q"/>
+            </a:pPr>
+            <a:r>
+              <a:rPr lang="en-US" sz="2000" dirty="0" smtClean="0">
+                <a:latin typeface="Times New Roman" panose="02020603050405020304" pitchFamily="18" charset="0"/>
+                <a:cs typeface="Times New Roman" panose="02020603050405020304" pitchFamily="18" charset="0"/>
+              </a:rPr>
+              <a:t>Network Definition</a:t>
+            </a:r>
+            <a:endParaRPr lang="en-US" sz="2000" dirty="0">
+              <a:latin typeface="Times New Roman" panose="02020603050405020304" pitchFamily="18" charset="0"/>
+              <a:cs typeface="Times New Roman" panose="02020603050405020304" pitchFamily="18" charset="0"/>
+            </a:endParaRPr>
+          </a:p>
+          <a:p>
+            <a:pPr marL="800100" lvl="1" indent="-342900">
+              <a:buClr>
+                <a:srgbClr val="990000"/>
+              </a:buClr>
+              <a:buFont typeface="Wingdings" panose="05000000000000000000" pitchFamily="2" charset="2"/>
+              <a:buChar char="q"/>
+            </a:pPr>
+            <a:r>
+              <a:rPr lang="en-US" sz="1800" dirty="0">
+                <a:latin typeface="Times New Roman" panose="02020603050405020304" pitchFamily="18" charset="0"/>
+                <a:cs typeface="Times New Roman" panose="02020603050405020304" pitchFamily="18" charset="0"/>
+              </a:rPr>
+              <a:t>Nodes = bike stations</a:t>
+            </a:r>
+          </a:p>
+          <a:p>
+            <a:pPr marL="800100" lvl="1" indent="-342900">
+              <a:buClr>
+                <a:srgbClr val="990000"/>
+              </a:buClr>
+              <a:buFont typeface="Wingdings" panose="05000000000000000000" pitchFamily="2" charset="2"/>
+              <a:buChar char="q"/>
+            </a:pPr>
+            <a:r>
+              <a:rPr lang="en-US" sz="1800" dirty="0">
+                <a:latin typeface="Times New Roman" panose="02020603050405020304" pitchFamily="18" charset="0"/>
+                <a:cs typeface="Times New Roman" panose="02020603050405020304" pitchFamily="18" charset="0"/>
+              </a:rPr>
+              <a:t>Edges = trips between two bike </a:t>
+            </a:r>
+            <a:r>
+              <a:rPr lang="en-US" sz="1800" dirty="0" smtClean="0">
+                <a:latin typeface="Times New Roman" panose="02020603050405020304" pitchFamily="18" charset="0"/>
+                <a:cs typeface="Times New Roman" panose="02020603050405020304" pitchFamily="18" charset="0"/>
+              </a:rPr>
+              <a:t>stations</a:t>
+            </a:r>
+          </a:p>
+          <a:p>
+            <a:pPr marL="800100" lvl="1" indent="-342900">
+              <a:buClr>
+                <a:srgbClr val="990000"/>
+              </a:buClr>
+              <a:buFont typeface="Wingdings" panose="05000000000000000000" pitchFamily="2" charset="2"/>
+              <a:buChar char="q"/>
+            </a:pPr>
+            <a:r>
+              <a:rPr lang="en-US" sz="1800" dirty="0" smtClean="0">
+                <a:latin typeface="Times New Roman" panose="02020603050405020304" pitchFamily="18" charset="0"/>
+                <a:cs typeface="Times New Roman" panose="02020603050405020304" pitchFamily="18" charset="0"/>
+              </a:rPr>
+              <a:t>Dynamic, directed, and weighted</a:t>
+            </a:r>
+          </a:p>
+          <a:p>
+            <a:pPr marL="342900" indent="-342900">
+              <a:buClr>
+                <a:srgbClr val="990000"/>
+              </a:buClr>
+              <a:buFont typeface="Wingdings" panose="05000000000000000000" pitchFamily="2" charset="2"/>
+              <a:buChar char="q"/>
+            </a:pPr>
+            <a:r>
+              <a:rPr lang="en-US" sz="2000" dirty="0" smtClean="0">
+                <a:latin typeface="Times New Roman" panose="02020603050405020304" pitchFamily="18" charset="0"/>
+                <a:cs typeface="Times New Roman" panose="02020603050405020304" pitchFamily="18" charset="0"/>
+              </a:rPr>
+              <a:t>Citi Bike Network Simulator</a:t>
+            </a:r>
+          </a:p>
+          <a:p>
+            <a:pPr marL="800100" lvl="1" indent="-342900">
+              <a:buClr>
+                <a:srgbClr val="990000"/>
+              </a:buClr>
+              <a:buFont typeface="Wingdings" panose="05000000000000000000" pitchFamily="2" charset="2"/>
+              <a:buChar char="q"/>
+            </a:pPr>
+            <a:r>
+              <a:rPr lang="en-US" sz="1800" dirty="0" smtClean="0">
+                <a:latin typeface="Times New Roman" panose="02020603050405020304" pitchFamily="18" charset="0"/>
+                <a:cs typeface="Times New Roman" panose="02020603050405020304" pitchFamily="18" charset="0"/>
+              </a:rPr>
+              <a:t>Initialization procedure</a:t>
+            </a:r>
+          </a:p>
+          <a:p>
+            <a:pPr marL="800100" lvl="1" indent="-342900">
+              <a:buClr>
+                <a:srgbClr val="990000"/>
+              </a:buClr>
+              <a:buFont typeface="Wingdings" panose="05000000000000000000" pitchFamily="2" charset="2"/>
+              <a:buChar char="q"/>
+            </a:pPr>
+            <a:r>
+              <a:rPr lang="en-US" sz="1800" dirty="0" smtClean="0">
+                <a:latin typeface="Times New Roman" panose="02020603050405020304" pitchFamily="18" charset="0"/>
+                <a:cs typeface="Times New Roman" panose="02020603050405020304" pitchFamily="18" charset="0"/>
+              </a:rPr>
+              <a:t>Simulate current movement patterns</a:t>
+            </a:r>
+          </a:p>
+          <a:p>
+            <a:pPr marL="800100" lvl="1" indent="-342900">
+              <a:buClr>
+                <a:srgbClr val="990000"/>
+              </a:buClr>
+              <a:buFont typeface="Wingdings" panose="05000000000000000000" pitchFamily="2" charset="2"/>
+              <a:buChar char="q"/>
+            </a:pPr>
+            <a:r>
+              <a:rPr lang="en-US" sz="1800" dirty="0" smtClean="0">
+                <a:latin typeface="Times New Roman" panose="02020603050405020304" pitchFamily="18" charset="0"/>
+                <a:cs typeface="Times New Roman" panose="02020603050405020304" pitchFamily="18" charset="0"/>
+              </a:rPr>
+              <a:t>Introduce incentives to modify current movement patterns</a:t>
+            </a:r>
+          </a:p>
+          <a:p>
+            <a:pPr marL="342900" indent="-342900">
+              <a:buClr>
+                <a:srgbClr val="990000"/>
+              </a:buClr>
+              <a:buFont typeface="Wingdings" panose="05000000000000000000" pitchFamily="2" charset="2"/>
+              <a:buChar char="q"/>
+            </a:pPr>
+            <a:r>
+              <a:rPr lang="en-US" sz="2000" dirty="0" smtClean="0">
+                <a:latin typeface="Times New Roman" panose="02020603050405020304" pitchFamily="18" charset="0"/>
+                <a:cs typeface="Times New Roman" panose="02020603050405020304" pitchFamily="18" charset="0"/>
+              </a:rPr>
+              <a:t>Convex Optimization</a:t>
+            </a:r>
+          </a:p>
+          <a:p>
+            <a:pPr marL="800100" lvl="1" indent="-342900">
+              <a:buClr>
+                <a:srgbClr val="990000"/>
+              </a:buClr>
+              <a:buFont typeface="Wingdings" panose="05000000000000000000" pitchFamily="2" charset="2"/>
+              <a:buChar char="q"/>
+            </a:pPr>
+            <a:r>
+              <a:rPr lang="en-US" sz="1800" dirty="0" smtClean="0">
+                <a:latin typeface="Times New Roman" panose="02020603050405020304" pitchFamily="18" charset="0"/>
+                <a:cs typeface="Times New Roman" panose="02020603050405020304" pitchFamily="18" charset="0"/>
+              </a:rPr>
+              <a:t>Formulate objective function</a:t>
+            </a:r>
+          </a:p>
+          <a:p>
+            <a:pPr marL="800100" lvl="1" indent="-342900">
+              <a:buClr>
+                <a:srgbClr val="990000"/>
+              </a:buClr>
+              <a:buFont typeface="Wingdings" panose="05000000000000000000" pitchFamily="2" charset="2"/>
+              <a:buChar char="q"/>
+            </a:pPr>
+            <a:r>
+              <a:rPr lang="en-US" sz="1800" dirty="0" smtClean="0">
+                <a:latin typeface="Times New Roman" panose="02020603050405020304" pitchFamily="18" charset="0"/>
+                <a:cs typeface="Times New Roman" panose="02020603050405020304" pitchFamily="18" charset="0"/>
+              </a:rPr>
+              <a:t>Define constraints</a:t>
+            </a:r>
+          </a:p>
+          <a:p>
+            <a:pPr marL="342900" indent="-342900">
+              <a:buClr>
+                <a:srgbClr val="990000"/>
+              </a:buClr>
+              <a:buFont typeface="Wingdings" panose="05000000000000000000" pitchFamily="2" charset="2"/>
+              <a:buChar char="q"/>
+            </a:pPr>
+            <a:r>
+              <a:rPr lang="en-US" sz="2000" dirty="0" smtClean="0">
+                <a:latin typeface="Times New Roman" panose="02020603050405020304" pitchFamily="18" charset="0"/>
+                <a:cs typeface="Times New Roman" panose="02020603050405020304" pitchFamily="18" charset="0"/>
+              </a:rPr>
+              <a:t>Decongestion via convex optimization</a:t>
+            </a:r>
+          </a:p>
+        </p:txBody>
+      </p:sp>
+      <p:grpSp>
+        <p:nvGrpSpPr>
+          <p:cNvPr id="35" name="Group 34"/>
+          <p:cNvGrpSpPr/>
+          <p:nvPr/>
+        </p:nvGrpSpPr>
+        <p:grpSpPr>
+          <a:xfrm>
+            <a:off x="5755642" y="1823801"/>
+            <a:ext cx="857671" cy="461584"/>
+            <a:chOff x="5687062" y="2648864"/>
+            <a:chExt cx="857671" cy="461584"/>
+          </a:xfrm>
+        </p:grpSpPr>
+        <p:sp>
+          <p:nvSpPr>
+            <p:cNvPr id="36" name="Oval 35"/>
+            <p:cNvSpPr/>
+            <p:nvPr/>
+          </p:nvSpPr>
+          <p:spPr bwMode="auto">
+            <a:xfrm>
+              <a:off x="6407573" y="2973288"/>
+              <a:ext cx="137160" cy="137160"/>
+            </a:xfrm>
+            <a:prstGeom prst="ellipse">
+              <a:avLst/>
+            </a:prstGeom>
+            <a:solidFill>
+              <a:schemeClr val="tx1"/>
+            </a:solidFill>
+            <a:ln w="9525" cap="flat" cmpd="sng" algn="ctr">
+              <a:solidFill>
+                <a:schemeClr val="tx1"/>
+              </a:solidFill>
+              <a:prstDash val="solid"/>
+              <a:round/>
+              <a:headEnd type="none" w="med" len="med"/>
+              <a:tailEnd type="none" w="med" len="med"/>
+            </a:ln>
+            <a:effectLst/>
+            <a:extLst/>
+          </p:spPr>
+          <p:txBody>
+            <a:bodyPr vert="horz" wrap="square" lIns="91440" tIns="45720" rIns="91440" bIns="45720" numCol="1" rtlCol="0" anchor="t" anchorCtr="0" compatLnSpc="1">
+              <a:prstTxWarp prst="textNoShape">
+                <a:avLst/>
+              </a:prstTxWarp>
+            </a:bodyPr>
+            <a:lstStyle/>
+            <a:p>
+              <a:pPr marL="0" marR="0" indent="0" algn="l" defTabSz="914400" rtl="0" eaLnBrk="0" fontAlgn="base" latinLnBrk="0" hangingPunct="0">
+                <a:lnSpc>
+                  <a:spcPct val="100000"/>
+                </a:lnSpc>
+                <a:spcBef>
+                  <a:spcPct val="0"/>
+                </a:spcBef>
+                <a:spcAft>
+                  <a:spcPct val="0"/>
+                </a:spcAft>
+                <a:buClrTx/>
+                <a:buSzTx/>
+                <a:buFontTx/>
+                <a:buNone/>
+                <a:tabLst/>
+              </a:pPr>
+              <a:endParaRPr kumimoji="0" lang="en-US" sz="2400" b="0" i="0" u="none" strike="noStrike" cap="none" normalizeH="0" baseline="0" smtClean="0">
+                <a:ln>
+                  <a:noFill/>
+                </a:ln>
+                <a:solidFill>
+                  <a:schemeClr val="tx1"/>
+                </a:solidFill>
+                <a:effectLst/>
+                <a:latin typeface="Times" panose="02020603050405020304" pitchFamily="18" charset="0"/>
+              </a:endParaRPr>
+            </a:p>
+          </p:txBody>
+        </p:sp>
+        <p:sp>
+          <p:nvSpPr>
+            <p:cNvPr id="37" name="TextBox 36"/>
+            <p:cNvSpPr txBox="1"/>
+            <p:nvPr/>
+          </p:nvSpPr>
+          <p:spPr>
+            <a:xfrm>
+              <a:off x="5687062" y="2648864"/>
+              <a:ext cx="857671" cy="307777"/>
+            </a:xfrm>
+            <a:prstGeom prst="rect">
+              <a:avLst/>
+            </a:prstGeom>
+            <a:noFill/>
+          </p:spPr>
+          <p:txBody>
+            <a:bodyPr wrap="none" rtlCol="0">
+              <a:spAutoFit/>
+            </a:bodyPr>
+            <a:lstStyle/>
+            <a:p>
+              <a:r>
+                <a:rPr lang="en-US" sz="1400" dirty="0" smtClean="0"/>
+                <a:t>Station A</a:t>
+              </a:r>
+              <a:endParaRPr lang="en-US" sz="1400" dirty="0"/>
+            </a:p>
+          </p:txBody>
+        </p:sp>
+      </p:grpSp>
+      <p:grpSp>
+        <p:nvGrpSpPr>
+          <p:cNvPr id="38" name="Group 37"/>
+          <p:cNvGrpSpPr/>
+          <p:nvPr/>
+        </p:nvGrpSpPr>
+        <p:grpSpPr>
+          <a:xfrm>
+            <a:off x="7865956" y="3036337"/>
+            <a:ext cx="899328" cy="456600"/>
+            <a:chOff x="6407573" y="2653848"/>
+            <a:chExt cx="899328" cy="456600"/>
+          </a:xfrm>
+        </p:grpSpPr>
+        <p:sp>
+          <p:nvSpPr>
+            <p:cNvPr id="39" name="Oval 38"/>
+            <p:cNvSpPr/>
+            <p:nvPr/>
+          </p:nvSpPr>
+          <p:spPr bwMode="auto">
+            <a:xfrm>
+              <a:off x="6407573" y="2973288"/>
+              <a:ext cx="137160" cy="137160"/>
+            </a:xfrm>
+            <a:prstGeom prst="ellipse">
+              <a:avLst/>
+            </a:prstGeom>
+            <a:solidFill>
+              <a:schemeClr val="tx1"/>
+            </a:solidFill>
+            <a:ln w="9525" cap="flat" cmpd="sng" algn="ctr">
+              <a:solidFill>
+                <a:schemeClr val="tx1"/>
+              </a:solidFill>
+              <a:prstDash val="solid"/>
+              <a:round/>
+              <a:headEnd type="none" w="med" len="med"/>
+              <a:tailEnd type="none" w="med" len="med"/>
+            </a:ln>
+            <a:effectLst/>
+            <a:extLst/>
+          </p:spPr>
+          <p:txBody>
+            <a:bodyPr vert="horz" wrap="square" lIns="91440" tIns="45720" rIns="91440" bIns="45720" numCol="1" rtlCol="0" anchor="t" anchorCtr="0" compatLnSpc="1">
+              <a:prstTxWarp prst="textNoShape">
+                <a:avLst/>
+              </a:prstTxWarp>
+            </a:bodyPr>
+            <a:lstStyle/>
+            <a:p>
+              <a:pPr marL="0" marR="0" indent="0" algn="l" defTabSz="914400" rtl="0" eaLnBrk="0" fontAlgn="base" latinLnBrk="0" hangingPunct="0">
+                <a:lnSpc>
+                  <a:spcPct val="100000"/>
+                </a:lnSpc>
+                <a:spcBef>
+                  <a:spcPct val="0"/>
+                </a:spcBef>
+                <a:spcAft>
+                  <a:spcPct val="0"/>
+                </a:spcAft>
+                <a:buClrTx/>
+                <a:buSzTx/>
+                <a:buFontTx/>
+                <a:buNone/>
+                <a:tabLst/>
+              </a:pPr>
+              <a:endParaRPr kumimoji="0" lang="en-US" sz="2400" b="0" i="0" u="none" strike="noStrike" cap="none" normalizeH="0" baseline="0" smtClean="0">
+                <a:ln>
+                  <a:noFill/>
+                </a:ln>
+                <a:solidFill>
+                  <a:schemeClr val="tx1"/>
+                </a:solidFill>
+                <a:effectLst/>
+                <a:latin typeface="Times" panose="02020603050405020304" pitchFamily="18" charset="0"/>
+              </a:endParaRPr>
+            </a:p>
+          </p:txBody>
+        </p:sp>
+        <p:sp>
+          <p:nvSpPr>
+            <p:cNvPr id="40" name="TextBox 39"/>
+            <p:cNvSpPr txBox="1"/>
+            <p:nvPr/>
+          </p:nvSpPr>
+          <p:spPr>
+            <a:xfrm>
+              <a:off x="6448974" y="2653848"/>
+              <a:ext cx="857927" cy="307777"/>
+            </a:xfrm>
+            <a:prstGeom prst="rect">
+              <a:avLst/>
+            </a:prstGeom>
+            <a:noFill/>
+          </p:spPr>
+          <p:txBody>
+            <a:bodyPr wrap="none" rtlCol="0">
+              <a:spAutoFit/>
+            </a:bodyPr>
+            <a:lstStyle/>
+            <a:p>
+              <a:r>
+                <a:rPr lang="en-US" sz="1400" dirty="0" smtClean="0"/>
+                <a:t>Station B</a:t>
+              </a:r>
+              <a:endParaRPr lang="en-US" sz="1400" dirty="0"/>
+            </a:p>
+          </p:txBody>
+        </p:sp>
+      </p:grpSp>
+      <p:grpSp>
+        <p:nvGrpSpPr>
+          <p:cNvPr id="41" name="Group 40"/>
+          <p:cNvGrpSpPr/>
+          <p:nvPr/>
+        </p:nvGrpSpPr>
+        <p:grpSpPr>
+          <a:xfrm>
+            <a:off x="6593226" y="2265298"/>
+            <a:ext cx="1388726" cy="1110566"/>
+            <a:chOff x="6593226" y="2265298"/>
+            <a:chExt cx="1388726" cy="1110566"/>
+          </a:xfrm>
+        </p:grpSpPr>
+        <p:cxnSp>
+          <p:nvCxnSpPr>
+            <p:cNvPr id="42" name="Straight Arrow Connector 41"/>
+            <p:cNvCxnSpPr>
+              <a:stCxn id="36" idx="5"/>
+              <a:endCxn id="39" idx="1"/>
+            </p:cNvCxnSpPr>
+            <p:nvPr/>
+          </p:nvCxnSpPr>
+          <p:spPr bwMode="auto">
+            <a:xfrm>
+              <a:off x="6593226" y="2265298"/>
+              <a:ext cx="1292817" cy="1110566"/>
+            </a:xfrm>
+            <a:prstGeom prst="straightConnector1">
+              <a:avLst/>
+            </a:prstGeom>
+            <a:solidFill>
+              <a:schemeClr val="accent1"/>
+            </a:solidFill>
+            <a:ln w="25400" cap="flat" cmpd="sng" algn="ctr">
+              <a:solidFill>
+                <a:schemeClr val="tx1"/>
+              </a:solidFill>
+              <a:prstDash val="solid"/>
+              <a:round/>
+              <a:headEnd type="none" w="med" len="med"/>
+              <a:tailEnd type="triangle"/>
+            </a:ln>
+            <a:effectLst/>
+            <a:extLst>
+              <a:ext uri="{AF507438-7753-43E0-B8FC-AC1667EBCBE1}">
+                <a14:hiddenEffects xmlns:a14="http://schemas.microsoft.com/office/drawing/2010/main">
+                  <a:effectLst>
+                    <a:outerShdw dist="35921" dir="2700000" algn="ctr" rotWithShape="0">
+                      <a:schemeClr val="bg2"/>
+                    </a:outerShdw>
+                  </a:effectLst>
+                </a14:hiddenEffects>
+              </a:ext>
+            </a:extLst>
+          </p:spPr>
+        </p:cxnSp>
+        <p:sp>
+          <p:nvSpPr>
+            <p:cNvPr id="43" name="TextBox 42"/>
+            <p:cNvSpPr txBox="1"/>
+            <p:nvPr/>
+          </p:nvSpPr>
+          <p:spPr>
+            <a:xfrm>
+              <a:off x="7029447" y="2438400"/>
+              <a:ext cx="952505" cy="307777"/>
+            </a:xfrm>
+            <a:prstGeom prst="rect">
+              <a:avLst/>
+            </a:prstGeom>
+            <a:noFill/>
+          </p:spPr>
+          <p:txBody>
+            <a:bodyPr wrap="none" rtlCol="0">
+              <a:spAutoFit/>
+            </a:bodyPr>
+            <a:lstStyle/>
+            <a:p>
+              <a:r>
+                <a:rPr lang="en-US" sz="1400" dirty="0" smtClean="0"/>
+                <a:t>Bike trip 1</a:t>
+              </a:r>
+              <a:endParaRPr lang="en-US" sz="1400" dirty="0"/>
+            </a:p>
+          </p:txBody>
+        </p:sp>
+      </p:grpSp>
+      <p:grpSp>
+        <p:nvGrpSpPr>
+          <p:cNvPr id="44" name="Group 43"/>
+          <p:cNvGrpSpPr/>
+          <p:nvPr/>
+        </p:nvGrpSpPr>
+        <p:grpSpPr>
+          <a:xfrm>
+            <a:off x="6401224" y="2285385"/>
+            <a:ext cx="1464731" cy="1224199"/>
+            <a:chOff x="6401224" y="2285385"/>
+            <a:chExt cx="1464731" cy="1224199"/>
+          </a:xfrm>
+        </p:grpSpPr>
+        <p:cxnSp>
+          <p:nvCxnSpPr>
+            <p:cNvPr id="45" name="Curved Connector 44"/>
+            <p:cNvCxnSpPr>
+              <a:stCxn id="36" idx="4"/>
+              <a:endCxn id="39" idx="2"/>
+            </p:cNvCxnSpPr>
+            <p:nvPr/>
+          </p:nvCxnSpPr>
+          <p:spPr bwMode="auto">
+            <a:xfrm rot="16200000" flipH="1">
+              <a:off x="6635858" y="2194259"/>
+              <a:ext cx="1138972" cy="1321223"/>
+            </a:xfrm>
+            <a:prstGeom prst="curvedConnector2">
+              <a:avLst/>
+            </a:prstGeom>
+            <a:solidFill>
+              <a:schemeClr val="accent1"/>
+            </a:solidFill>
+            <a:ln w="25400" cap="flat" cmpd="sng" algn="ctr">
+              <a:solidFill>
+                <a:schemeClr val="tx1"/>
+              </a:solidFill>
+              <a:prstDash val="solid"/>
+              <a:round/>
+              <a:headEnd type="none" w="med" len="med"/>
+              <a:tailEnd type="triangle"/>
+            </a:ln>
+            <a:effectLst/>
+            <a:extLst>
+              <a:ext uri="{AF507438-7753-43E0-B8FC-AC1667EBCBE1}">
+                <a14:hiddenEffects xmlns:a14="http://schemas.microsoft.com/office/drawing/2010/main">
+                  <a:effectLst>
+                    <a:outerShdw dist="35921" dir="2700000" algn="ctr" rotWithShape="0">
+                      <a:schemeClr val="bg2"/>
+                    </a:outerShdw>
+                  </a:effectLst>
+                </a14:hiddenEffects>
+              </a:ext>
+            </a:extLst>
+          </p:spPr>
+        </p:cxnSp>
+        <p:sp>
+          <p:nvSpPr>
+            <p:cNvPr id="46" name="TextBox 45"/>
+            <p:cNvSpPr txBox="1"/>
+            <p:nvPr/>
+          </p:nvSpPr>
+          <p:spPr>
+            <a:xfrm>
+              <a:off x="6401224" y="3201807"/>
+              <a:ext cx="952505" cy="307777"/>
+            </a:xfrm>
+            <a:prstGeom prst="rect">
+              <a:avLst/>
+            </a:prstGeom>
+            <a:noFill/>
+          </p:spPr>
+          <p:txBody>
+            <a:bodyPr wrap="none" rtlCol="0">
+              <a:spAutoFit/>
+            </a:bodyPr>
+            <a:lstStyle/>
+            <a:p>
+              <a:r>
+                <a:rPr lang="en-US" sz="1400" dirty="0" smtClean="0"/>
+                <a:t>Bike trip 2</a:t>
+              </a:r>
+              <a:endParaRPr lang="en-US" sz="1400" dirty="0"/>
+            </a:p>
+          </p:txBody>
+        </p:sp>
+      </p:grpSp>
+      <p:grpSp>
+        <p:nvGrpSpPr>
+          <p:cNvPr id="47" name="Group 46"/>
+          <p:cNvGrpSpPr/>
+          <p:nvPr/>
+        </p:nvGrpSpPr>
+        <p:grpSpPr>
+          <a:xfrm>
+            <a:off x="6603268" y="2216642"/>
+            <a:ext cx="1683084" cy="1138972"/>
+            <a:chOff x="6603268" y="2216642"/>
+            <a:chExt cx="1683084" cy="1138972"/>
+          </a:xfrm>
+        </p:grpSpPr>
+        <p:cxnSp>
+          <p:nvCxnSpPr>
+            <p:cNvPr id="48" name="Curved Connector 47"/>
+            <p:cNvCxnSpPr/>
+            <p:nvPr/>
+          </p:nvCxnSpPr>
+          <p:spPr bwMode="auto">
+            <a:xfrm rot="5400000" flipH="1">
+              <a:off x="6694394" y="2125516"/>
+              <a:ext cx="1138972" cy="1321223"/>
+            </a:xfrm>
+            <a:prstGeom prst="curvedConnector2">
+              <a:avLst/>
+            </a:prstGeom>
+            <a:solidFill>
+              <a:schemeClr val="accent1"/>
+            </a:solidFill>
+            <a:ln w="25400" cap="flat" cmpd="sng" algn="ctr">
+              <a:solidFill>
+                <a:schemeClr val="tx1"/>
+              </a:solidFill>
+              <a:prstDash val="solid"/>
+              <a:round/>
+              <a:headEnd type="none" w="med" len="med"/>
+              <a:tailEnd type="triangle"/>
+            </a:ln>
+            <a:effectLst/>
+            <a:extLst>
+              <a:ext uri="{AF507438-7753-43E0-B8FC-AC1667EBCBE1}">
+                <a14:hiddenEffects xmlns:a14="http://schemas.microsoft.com/office/drawing/2010/main">
+                  <a:effectLst>
+                    <a:outerShdw dist="35921" dir="2700000" algn="ctr" rotWithShape="0">
+                      <a:schemeClr val="bg2"/>
+                    </a:outerShdw>
+                  </a:effectLst>
+                </a14:hiddenEffects>
+              </a:ext>
+            </a:extLst>
+          </p:spPr>
+        </p:cxnSp>
+        <p:sp>
+          <p:nvSpPr>
+            <p:cNvPr id="49" name="TextBox 48"/>
+            <p:cNvSpPr txBox="1"/>
+            <p:nvPr/>
+          </p:nvSpPr>
+          <p:spPr>
+            <a:xfrm>
+              <a:off x="7333847" y="2248808"/>
+              <a:ext cx="952505" cy="307777"/>
+            </a:xfrm>
+            <a:prstGeom prst="rect">
+              <a:avLst/>
+            </a:prstGeom>
+            <a:noFill/>
+          </p:spPr>
+          <p:txBody>
+            <a:bodyPr wrap="none" rtlCol="0">
+              <a:spAutoFit/>
+            </a:bodyPr>
+            <a:lstStyle/>
+            <a:p>
+              <a:r>
+                <a:rPr lang="en-US" sz="1400" dirty="0" smtClean="0"/>
+                <a:t>Bike trip 3</a:t>
+              </a:r>
+              <a:endParaRPr lang="en-US" sz="1400" dirty="0"/>
+            </a:p>
+          </p:txBody>
+        </p:sp>
+      </p:grpSp>
     </p:spTree>
     <p:extLst>
       <p:ext uri="{BB962C8B-B14F-4D97-AF65-F5344CB8AC3E}">
@@ -7342,6 +8890,2173 @@
   <p:clrMapOvr>
     <a:masterClrMapping/>
   </p:clrMapOvr>
+  <p:timing>
+    <p:tnLst>
+      <p:par>
+        <p:cTn id="1" dur="indefinite" restart="never" nodeType="tmRoot">
+          <p:childTnLst>
+            <p:seq concurrent="1" nextAc="seek">
+              <p:cTn id="2" dur="indefinite" nodeType="mainSeq">
+                <p:childTnLst>
+                  <p:par>
+                    <p:cTn id="3" fill="hold">
+                      <p:stCondLst>
+                        <p:cond delay="indefinite"/>
+                      </p:stCondLst>
+                      <p:childTnLst>
+                        <p:par>
+                          <p:cTn id="4" fill="hold">
+                            <p:stCondLst>
+                              <p:cond delay="0"/>
+                            </p:stCondLst>
+                            <p:childTnLst>
+                              <p:par>
+                                <p:cTn id="5" presetID="1" presetClass="entr" presetSubtype="0" fill="hold" nodeType="clickEffect">
+                                  <p:stCondLst>
+                                    <p:cond delay="0"/>
+                                  </p:stCondLst>
+                                  <p:childTnLst>
+                                    <p:set>
+                                      <p:cBhvr>
+                                        <p:cTn id="6" dur="1" fill="hold">
+                                          <p:stCondLst>
+                                            <p:cond delay="0"/>
+                                          </p:stCondLst>
+                                        </p:cTn>
+                                        <p:tgtEl>
+                                          <p:spTgt spid="35"/>
+                                        </p:tgtEl>
+                                        <p:attrNameLst>
+                                          <p:attrName>style.visibility</p:attrName>
+                                        </p:attrNameLst>
+                                      </p:cBhvr>
+                                      <p:to>
+                                        <p:strVal val="visible"/>
+                                      </p:to>
+                                    </p:set>
+                                  </p:childTnLst>
+                                </p:cTn>
+                              </p:par>
+                              <p:par>
+                                <p:cTn id="7" presetID="1" presetClass="entr" presetSubtype="0" fill="hold" nodeType="withEffect">
+                                  <p:stCondLst>
+                                    <p:cond delay="0"/>
+                                  </p:stCondLst>
+                                  <p:childTnLst>
+                                    <p:set>
+                                      <p:cBhvr>
+                                        <p:cTn id="8" dur="1" fill="hold">
+                                          <p:stCondLst>
+                                            <p:cond delay="0"/>
+                                          </p:stCondLst>
+                                        </p:cTn>
+                                        <p:tgtEl>
+                                          <p:spTgt spid="38"/>
+                                        </p:tgtEl>
+                                        <p:attrNameLst>
+                                          <p:attrName>style.visibility</p:attrName>
+                                        </p:attrNameLst>
+                                      </p:cBhvr>
+                                      <p:to>
+                                        <p:strVal val="visible"/>
+                                      </p:to>
+                                    </p:set>
+                                  </p:childTnLst>
+                                </p:cTn>
+                              </p:par>
+                            </p:childTnLst>
+                          </p:cTn>
+                        </p:par>
+                      </p:childTnLst>
+                    </p:cTn>
+                  </p:par>
+                  <p:par>
+                    <p:cTn id="9" fill="hold">
+                      <p:stCondLst>
+                        <p:cond delay="indefinite"/>
+                      </p:stCondLst>
+                      <p:childTnLst>
+                        <p:par>
+                          <p:cTn id="10" fill="hold">
+                            <p:stCondLst>
+                              <p:cond delay="0"/>
+                            </p:stCondLst>
+                            <p:childTnLst>
+                              <p:par>
+                                <p:cTn id="11" presetID="1" presetClass="entr" presetSubtype="0" fill="hold" nodeType="clickEffect">
+                                  <p:stCondLst>
+                                    <p:cond delay="250"/>
+                                  </p:stCondLst>
+                                  <p:childTnLst>
+                                    <p:set>
+                                      <p:cBhvr>
+                                        <p:cTn id="12" dur="1" fill="hold">
+                                          <p:stCondLst>
+                                            <p:cond delay="0"/>
+                                          </p:stCondLst>
+                                        </p:cTn>
+                                        <p:tgtEl>
+                                          <p:spTgt spid="41"/>
+                                        </p:tgtEl>
+                                        <p:attrNameLst>
+                                          <p:attrName>style.visibility</p:attrName>
+                                        </p:attrNameLst>
+                                      </p:cBhvr>
+                                      <p:to>
+                                        <p:strVal val="visible"/>
+                                      </p:to>
+                                    </p:set>
+                                  </p:childTnLst>
+                                </p:cTn>
+                              </p:par>
+                            </p:childTnLst>
+                          </p:cTn>
+                        </p:par>
+                      </p:childTnLst>
+                    </p:cTn>
+                  </p:par>
+                  <p:par>
+                    <p:cTn id="13" fill="hold">
+                      <p:stCondLst>
+                        <p:cond delay="indefinite"/>
+                      </p:stCondLst>
+                      <p:childTnLst>
+                        <p:par>
+                          <p:cTn id="14" fill="hold">
+                            <p:stCondLst>
+                              <p:cond delay="0"/>
+                            </p:stCondLst>
+                            <p:childTnLst>
+                              <p:par>
+                                <p:cTn id="15" presetID="1" presetClass="entr" presetSubtype="0" fill="hold" nodeType="clickEffect">
+                                  <p:stCondLst>
+                                    <p:cond delay="250"/>
+                                  </p:stCondLst>
+                                  <p:childTnLst>
+                                    <p:set>
+                                      <p:cBhvr>
+                                        <p:cTn id="16" dur="1" fill="hold">
+                                          <p:stCondLst>
+                                            <p:cond delay="0"/>
+                                          </p:stCondLst>
+                                        </p:cTn>
+                                        <p:tgtEl>
+                                          <p:spTgt spid="44"/>
+                                        </p:tgtEl>
+                                        <p:attrNameLst>
+                                          <p:attrName>style.visibility</p:attrName>
+                                        </p:attrNameLst>
+                                      </p:cBhvr>
+                                      <p:to>
+                                        <p:strVal val="visible"/>
+                                      </p:to>
+                                    </p:set>
+                                  </p:childTnLst>
+                                </p:cTn>
+                              </p:par>
+                            </p:childTnLst>
+                          </p:cTn>
+                        </p:par>
+                      </p:childTnLst>
+                    </p:cTn>
+                  </p:par>
+                  <p:par>
+                    <p:cTn id="17" fill="hold">
+                      <p:stCondLst>
+                        <p:cond delay="indefinite"/>
+                      </p:stCondLst>
+                      <p:childTnLst>
+                        <p:par>
+                          <p:cTn id="18" fill="hold">
+                            <p:stCondLst>
+                              <p:cond delay="0"/>
+                            </p:stCondLst>
+                            <p:childTnLst>
+                              <p:par>
+                                <p:cTn id="19" presetID="1" presetClass="exit" presetSubtype="0" fill="hold" nodeType="clickEffect">
+                                  <p:stCondLst>
+                                    <p:cond delay="0"/>
+                                  </p:stCondLst>
+                                  <p:childTnLst>
+                                    <p:set>
+                                      <p:cBhvr>
+                                        <p:cTn id="20" dur="1" fill="hold">
+                                          <p:stCondLst>
+                                            <p:cond delay="0"/>
+                                          </p:stCondLst>
+                                        </p:cTn>
+                                        <p:tgtEl>
+                                          <p:spTgt spid="41"/>
+                                        </p:tgtEl>
+                                        <p:attrNameLst>
+                                          <p:attrName>style.visibility</p:attrName>
+                                        </p:attrNameLst>
+                                      </p:cBhvr>
+                                      <p:to>
+                                        <p:strVal val="hidden"/>
+                                      </p:to>
+                                    </p:set>
+                                  </p:childTnLst>
+                                </p:cTn>
+                              </p:par>
+                              <p:par>
+                                <p:cTn id="21" presetID="1" presetClass="exit" presetSubtype="0" fill="hold" nodeType="withEffect">
+                                  <p:stCondLst>
+                                    <p:cond delay="0"/>
+                                  </p:stCondLst>
+                                  <p:childTnLst>
+                                    <p:set>
+                                      <p:cBhvr>
+                                        <p:cTn id="22" dur="1" fill="hold">
+                                          <p:stCondLst>
+                                            <p:cond delay="0"/>
+                                          </p:stCondLst>
+                                        </p:cTn>
+                                        <p:tgtEl>
+                                          <p:spTgt spid="44"/>
+                                        </p:tgtEl>
+                                        <p:attrNameLst>
+                                          <p:attrName>style.visibility</p:attrName>
+                                        </p:attrNameLst>
+                                      </p:cBhvr>
+                                      <p:to>
+                                        <p:strVal val="hidden"/>
+                                      </p:to>
+                                    </p:set>
+                                  </p:childTnLst>
+                                </p:cTn>
+                              </p:par>
+                            </p:childTnLst>
+                          </p:cTn>
+                        </p:par>
+                      </p:childTnLst>
+                    </p:cTn>
+                  </p:par>
+                  <p:par>
+                    <p:cTn id="23" fill="hold">
+                      <p:stCondLst>
+                        <p:cond delay="indefinite"/>
+                      </p:stCondLst>
+                      <p:childTnLst>
+                        <p:par>
+                          <p:cTn id="24" fill="hold">
+                            <p:stCondLst>
+                              <p:cond delay="0"/>
+                            </p:stCondLst>
+                            <p:childTnLst>
+                              <p:par>
+                                <p:cTn id="25" presetID="1" presetClass="entr" presetSubtype="0" fill="hold" nodeType="clickEffect">
+                                  <p:stCondLst>
+                                    <p:cond delay="0"/>
+                                  </p:stCondLst>
+                                  <p:childTnLst>
+                                    <p:set>
+                                      <p:cBhvr>
+                                        <p:cTn id="26" dur="1" fill="hold">
+                                          <p:stCondLst>
+                                            <p:cond delay="0"/>
+                                          </p:stCondLst>
+                                        </p:cTn>
+                                        <p:tgtEl>
+                                          <p:spTgt spid="47"/>
+                                        </p:tgtEl>
+                                        <p:attrNameLst>
+                                          <p:attrName>style.visibility</p:attrName>
+                                        </p:attrNameLst>
+                                      </p:cBhvr>
+                                      <p:to>
+                                        <p:strVal val="visible"/>
+                                      </p:to>
+                                    </p:set>
+                                  </p:childTnLst>
+                                </p:cTn>
+                              </p:par>
+                            </p:childTnLst>
+                          </p:cTn>
+                        </p:par>
+                      </p:childTnLst>
+                    </p:cTn>
+                  </p:par>
+                </p:childTnLst>
+              </p:cTn>
+              <p:prevCondLst>
+                <p:cond evt="onPrev" delay="0">
+                  <p:tgtEl>
+                    <p:sldTgt/>
+                  </p:tgtEl>
+                </p:cond>
+              </p:prevCondLst>
+              <p:nextCondLst>
+                <p:cond evt="onNext" delay="0">
+                  <p:tgtEl>
+                    <p:sldTgt/>
+                  </p:tgtEl>
+                </p:cond>
+              </p:nextCondLst>
+            </p:seq>
+          </p:childTnLst>
+        </p:cTn>
+      </p:par>
+    </p:tnLst>
+  </p:timing>
+</p:sld>
+</file>
+
+<file path=ppt/slides/slide3.xml><?xml version="1.0" encoding="utf-8"?>
+<p:sld xmlns:a="http://schemas.openxmlformats.org/drawingml/2006/main" xmlns:r="http://schemas.openxmlformats.org/officeDocument/2006/relationships" xmlns:p="http://schemas.openxmlformats.org/presentationml/2006/main">
+  <p:cSld>
+    <p:spTree>
+      <p:nvGrpSpPr>
+        <p:cNvPr id="1" name=""/>
+        <p:cNvGrpSpPr/>
+        <p:nvPr/>
+      </p:nvGrpSpPr>
+      <p:grpSpPr>
+        <a:xfrm>
+          <a:off x="0" y="0"/>
+          <a:ext cx="0" cy="0"/>
+          <a:chOff x="0" y="0"/>
+          <a:chExt cx="0" cy="0"/>
+        </a:xfrm>
+      </p:grpSpPr>
+      <p:sp>
+        <p:nvSpPr>
+          <p:cNvPr id="2" name="Title 1"/>
+          <p:cNvSpPr>
+            <a:spLocks noGrp="1"/>
+          </p:cNvSpPr>
+          <p:nvPr>
+            <p:ph type="title"/>
+          </p:nvPr>
+        </p:nvSpPr>
+        <p:spPr/>
+        <p:txBody>
+          <a:bodyPr/>
+          <a:lstStyle/>
+          <a:p>
+            <a:r>
+              <a:rPr lang="en-US" dirty="0" smtClean="0"/>
+              <a:t>Problem Formulation</a:t>
+            </a:r>
+            <a:endParaRPr lang="en-US" dirty="0"/>
+          </a:p>
+        </p:txBody>
+      </p:sp>
+      <p:sp>
+        <p:nvSpPr>
+          <p:cNvPr id="3" name="Slide Number Placeholder 2"/>
+          <p:cNvSpPr>
+            <a:spLocks noGrp="1"/>
+          </p:cNvSpPr>
+          <p:nvPr>
+            <p:ph type="sldNum" sz="quarter" idx="10"/>
+          </p:nvPr>
+        </p:nvSpPr>
+        <p:spPr/>
+        <p:txBody>
+          <a:bodyPr/>
+          <a:lstStyle/>
+          <a:p>
+            <a:fld id="{D90F13D6-F77B-4791-A11F-9D334EE501E7}" type="slidenum">
+              <a:rPr lang="en-US" altLang="en-US" smtClean="0"/>
+              <a:pPr/>
+              <a:t>3</a:t>
+            </a:fld>
+            <a:endParaRPr lang="en-US" altLang="en-US"/>
+          </a:p>
+        </p:txBody>
+      </p:sp>
+      <p:grpSp>
+        <p:nvGrpSpPr>
+          <p:cNvPr id="4" name="Group 3"/>
+          <p:cNvGrpSpPr/>
+          <p:nvPr/>
+        </p:nvGrpSpPr>
+        <p:grpSpPr>
+          <a:xfrm>
+            <a:off x="2954867" y="5889086"/>
+            <a:ext cx="1676399" cy="413826"/>
+            <a:chOff x="1637906" y="-685800"/>
+            <a:chExt cx="1826832" cy="413826"/>
+          </a:xfrm>
+          <a:solidFill>
+            <a:srgbClr val="990000"/>
+          </a:solidFill>
+        </p:grpSpPr>
+        <p:sp>
+          <p:nvSpPr>
+            <p:cNvPr id="5" name="Chevron 4"/>
+            <p:cNvSpPr/>
+            <p:nvPr/>
+          </p:nvSpPr>
+          <p:spPr>
+            <a:xfrm>
+              <a:off x="1637906" y="-685800"/>
+              <a:ext cx="1826832" cy="413826"/>
+            </a:xfrm>
+            <a:prstGeom prst="chevron">
+              <a:avLst/>
+            </a:prstGeom>
+            <a:grpFill/>
+            <a:ln>
+              <a:solidFill>
+                <a:srgbClr val="990000"/>
+              </a:solidFill>
+            </a:ln>
+          </p:spPr>
+          <p:style>
+            <a:lnRef idx="3">
+              <a:scrgbClr r="0" g="0" b="0"/>
+            </a:lnRef>
+            <a:fillRef idx="1">
+              <a:schemeClr val="lt1">
+                <a:hueOff val="0"/>
+                <a:satOff val="0"/>
+                <a:lumOff val="0"/>
+                <a:alphaOff val="0"/>
+              </a:schemeClr>
+            </a:fillRef>
+            <a:effectRef idx="1">
+              <a:schemeClr val="lt1">
+                <a:hueOff val="0"/>
+                <a:satOff val="0"/>
+                <a:lumOff val="0"/>
+                <a:alphaOff val="0"/>
+              </a:schemeClr>
+            </a:effectRef>
+            <a:fontRef idx="minor">
+              <a:schemeClr val="dk1">
+                <a:hueOff val="0"/>
+                <a:satOff val="0"/>
+                <a:lumOff val="0"/>
+                <a:alphaOff val="0"/>
+              </a:schemeClr>
+            </a:fontRef>
+          </p:style>
+        </p:sp>
+        <p:sp>
+          <p:nvSpPr>
+            <p:cNvPr id="6" name="Chevron 4"/>
+            <p:cNvSpPr/>
+            <p:nvPr/>
+          </p:nvSpPr>
+          <p:spPr>
+            <a:xfrm>
+              <a:off x="1886337" y="-631287"/>
+              <a:ext cx="1329968" cy="304800"/>
+            </a:xfrm>
+            <a:prstGeom prst="rect">
+              <a:avLst/>
+            </a:prstGeom>
+            <a:solidFill>
+              <a:srgbClr val="990000"/>
+            </a:solidFill>
+            <a:ln>
+              <a:solidFill>
+                <a:srgbClr val="990000"/>
+              </a:solidFill>
+            </a:ln>
+          </p:spPr>
+          <p:style>
+            <a:lnRef idx="0">
+              <a:scrgbClr r="0" g="0" b="0"/>
+            </a:lnRef>
+            <a:fillRef idx="0">
+              <a:scrgbClr r="0" g="0" b="0"/>
+            </a:fillRef>
+            <a:effectRef idx="0">
+              <a:scrgbClr r="0" g="0" b="0"/>
+            </a:effectRef>
+            <a:fontRef idx="minor">
+              <a:schemeClr val="dk1">
+                <a:hueOff val="0"/>
+                <a:satOff val="0"/>
+                <a:lumOff val="0"/>
+                <a:alphaOff val="0"/>
+              </a:schemeClr>
+            </a:fontRef>
+          </p:style>
+          <p:txBody>
+            <a:bodyPr spcFirstLastPara="0" vert="horz" wrap="square" lIns="52007" tIns="34671" rIns="17336" bIns="34671" numCol="1" spcCol="1270" anchor="ctr" anchorCtr="0">
+              <a:noAutofit/>
+            </a:bodyPr>
+            <a:lstStyle/>
+            <a:p>
+              <a:pPr lvl="0" algn="l" defTabSz="577850">
+                <a:lnSpc>
+                  <a:spcPct val="90000"/>
+                </a:lnSpc>
+                <a:spcBef>
+                  <a:spcPct val="0"/>
+                </a:spcBef>
+                <a:spcAft>
+                  <a:spcPct val="35000"/>
+                </a:spcAft>
+              </a:pPr>
+              <a:r>
+                <a:rPr lang="en-US" sz="1300" kern="1200" dirty="0" smtClean="0">
+                  <a:latin typeface="Times New Roman" panose="02020603050405020304" pitchFamily="18" charset="0"/>
+                  <a:cs typeface="Times New Roman" panose="02020603050405020304" pitchFamily="18" charset="0"/>
+                </a:rPr>
+                <a:t>     </a:t>
+              </a:r>
+              <a:r>
+                <a:rPr lang="en-US" sz="1300" kern="1200" dirty="0" smtClean="0">
+                  <a:solidFill>
+                    <a:schemeClr val="bg1"/>
+                  </a:solidFill>
+                  <a:latin typeface="Times New Roman" panose="02020603050405020304" pitchFamily="18" charset="0"/>
+                  <a:cs typeface="Times New Roman" panose="02020603050405020304" pitchFamily="18" charset="0"/>
+                </a:rPr>
+                <a:t>Approach</a:t>
+              </a:r>
+              <a:endParaRPr lang="en-US" sz="1300" kern="1200" dirty="0">
+                <a:solidFill>
+                  <a:schemeClr val="bg1"/>
+                </a:solidFill>
+                <a:latin typeface="Times New Roman" panose="02020603050405020304" pitchFamily="18" charset="0"/>
+                <a:cs typeface="Times New Roman" panose="02020603050405020304" pitchFamily="18" charset="0"/>
+              </a:endParaRPr>
+            </a:p>
+          </p:txBody>
+        </p:sp>
+      </p:grpSp>
+      <p:sp>
+        <p:nvSpPr>
+          <p:cNvPr id="7" name="TextBox 6"/>
+          <p:cNvSpPr txBox="1"/>
+          <p:nvPr/>
+        </p:nvSpPr>
+        <p:spPr>
+          <a:xfrm>
+            <a:off x="714374" y="1389036"/>
+            <a:ext cx="7743825" cy="3877985"/>
+          </a:xfrm>
+          <a:prstGeom prst="rect">
+            <a:avLst/>
+          </a:prstGeom>
+          <a:noFill/>
+        </p:spPr>
+        <p:txBody>
+          <a:bodyPr wrap="square" rtlCol="0">
+            <a:spAutoFit/>
+          </a:bodyPr>
+          <a:lstStyle/>
+          <a:p>
+            <a:pPr marL="342900" indent="-342900">
+              <a:buClr>
+                <a:srgbClr val="990000"/>
+              </a:buClr>
+              <a:buFont typeface="Wingdings" panose="05000000000000000000" pitchFamily="2" charset="2"/>
+              <a:buChar char="q"/>
+            </a:pPr>
+            <a:r>
+              <a:rPr lang="en-US" sz="2000" dirty="0" smtClean="0">
+                <a:latin typeface="Times New Roman" panose="02020603050405020304" pitchFamily="18" charset="0"/>
+                <a:cs typeface="Times New Roman" panose="02020603050405020304" pitchFamily="18" charset="0"/>
+              </a:rPr>
+              <a:t>The System: a set of </a:t>
+            </a:r>
+            <a:r>
+              <a:rPr lang="en-US" sz="2000" dirty="0" smtClean="0">
+                <a:latin typeface="Times New Roman" panose="02020603050405020304" pitchFamily="18" charset="0"/>
+                <a:cs typeface="Times New Roman" panose="02020603050405020304" pitchFamily="18" charset="0"/>
+              </a:rPr>
+              <a:t>stations</a:t>
+            </a:r>
+          </a:p>
+          <a:p>
+            <a:pPr marL="342900" indent="-342900">
+              <a:buClr>
+                <a:srgbClr val="990000"/>
+              </a:buClr>
+              <a:buFont typeface="Wingdings" panose="05000000000000000000" pitchFamily="2" charset="2"/>
+              <a:buChar char="q"/>
+            </a:pPr>
+            <a:endParaRPr lang="en-US" sz="2000" dirty="0" smtClean="0">
+              <a:latin typeface="Times New Roman" panose="02020603050405020304" pitchFamily="18" charset="0"/>
+              <a:cs typeface="Times New Roman" panose="02020603050405020304" pitchFamily="18" charset="0"/>
+            </a:endParaRPr>
+          </a:p>
+          <a:p>
+            <a:pPr marL="342900" indent="-342900">
+              <a:buClr>
+                <a:srgbClr val="990000"/>
+              </a:buClr>
+              <a:buFont typeface="Wingdings" panose="05000000000000000000" pitchFamily="2" charset="2"/>
+              <a:buChar char="q"/>
+            </a:pPr>
+            <a:r>
+              <a:rPr lang="en-US" sz="2000" dirty="0" smtClean="0">
+                <a:latin typeface="Times New Roman" panose="02020603050405020304" pitchFamily="18" charset="0"/>
+                <a:cs typeface="Times New Roman" panose="02020603050405020304" pitchFamily="18" charset="0"/>
+              </a:rPr>
+              <a:t>The User: a set of active bikers</a:t>
+            </a:r>
+          </a:p>
+          <a:p>
+            <a:pPr>
+              <a:buClr>
+                <a:srgbClr val="990000"/>
+              </a:buClr>
+            </a:pPr>
+            <a:endParaRPr lang="en-US" sz="2000" dirty="0" smtClean="0">
+              <a:latin typeface="Times New Roman" panose="02020603050405020304" pitchFamily="18" charset="0"/>
+              <a:cs typeface="Times New Roman" panose="02020603050405020304" pitchFamily="18" charset="0"/>
+            </a:endParaRPr>
+          </a:p>
+          <a:p>
+            <a:pPr marL="342900" indent="-342900">
+              <a:buClr>
+                <a:srgbClr val="990000"/>
+              </a:buClr>
+              <a:buFont typeface="Wingdings" panose="05000000000000000000" pitchFamily="2" charset="2"/>
+              <a:buChar char="q"/>
+            </a:pPr>
+            <a:r>
+              <a:rPr lang="en-US" sz="2000" dirty="0" smtClean="0">
+                <a:latin typeface="Times New Roman" panose="02020603050405020304" pitchFamily="18" charset="0"/>
+                <a:cs typeface="Times New Roman" panose="02020603050405020304" pitchFamily="18" charset="0"/>
+              </a:rPr>
+              <a:t>The Incentives</a:t>
+            </a:r>
+          </a:p>
+          <a:p>
+            <a:pPr marL="800100" lvl="1" indent="-342900">
+              <a:buClr>
+                <a:srgbClr val="990000"/>
+              </a:buClr>
+              <a:buFont typeface="Wingdings" panose="05000000000000000000" pitchFamily="2" charset="2"/>
+              <a:buChar char="q"/>
+            </a:pPr>
+            <a:r>
+              <a:rPr lang="en-US" sz="1800" dirty="0" smtClean="0">
+                <a:latin typeface="Times New Roman" panose="02020603050405020304" pitchFamily="18" charset="0"/>
+                <a:cs typeface="Times New Roman" panose="02020603050405020304" pitchFamily="18" charset="0"/>
+              </a:rPr>
+              <a:t>Recommend </a:t>
+            </a:r>
+            <a:r>
+              <a:rPr lang="en-US" sz="1800" dirty="0" smtClean="0">
+                <a:latin typeface="Times New Roman" panose="02020603050405020304" pitchFamily="18" charset="0"/>
+                <a:cs typeface="Times New Roman" panose="02020603050405020304" pitchFamily="18" charset="0"/>
+              </a:rPr>
+              <a:t>sets of candidate </a:t>
+            </a:r>
+            <a:r>
+              <a:rPr lang="en-US" sz="1800" dirty="0" smtClean="0">
+                <a:latin typeface="Times New Roman" panose="02020603050405020304" pitchFamily="18" charset="0"/>
+                <a:cs typeface="Times New Roman" panose="02020603050405020304" pitchFamily="18" charset="0"/>
+              </a:rPr>
+              <a:t>stations for pick-up and drop-off</a:t>
+            </a:r>
+          </a:p>
+          <a:p>
+            <a:pPr marL="800100" lvl="1" indent="-342900">
+              <a:buClr>
+                <a:srgbClr val="990000"/>
+              </a:buClr>
+              <a:buFont typeface="Wingdings" panose="05000000000000000000" pitchFamily="2" charset="2"/>
+              <a:buChar char="q"/>
+            </a:pPr>
+            <a:endParaRPr lang="en-US" sz="1800" dirty="0">
+              <a:latin typeface="Times New Roman" panose="02020603050405020304" pitchFamily="18" charset="0"/>
+              <a:cs typeface="Times New Roman" panose="02020603050405020304" pitchFamily="18" charset="0"/>
+            </a:endParaRPr>
+          </a:p>
+          <a:p>
+            <a:pPr lvl="1">
+              <a:buClr>
+                <a:srgbClr val="990000"/>
+              </a:buClr>
+            </a:pPr>
+            <a:endParaRPr lang="en-US" sz="1800" dirty="0">
+              <a:latin typeface="Times New Roman" panose="02020603050405020304" pitchFamily="18" charset="0"/>
+              <a:cs typeface="Times New Roman" panose="02020603050405020304" pitchFamily="18" charset="0"/>
+            </a:endParaRPr>
+          </a:p>
+          <a:p>
+            <a:pPr lvl="1">
+              <a:buClr>
+                <a:srgbClr val="990000"/>
+              </a:buClr>
+            </a:pPr>
+            <a:endParaRPr lang="en-US" sz="1800" dirty="0">
+              <a:latin typeface="Times New Roman" panose="02020603050405020304" pitchFamily="18" charset="0"/>
+              <a:cs typeface="Times New Roman" panose="02020603050405020304" pitchFamily="18" charset="0"/>
+            </a:endParaRPr>
+          </a:p>
+          <a:p>
+            <a:pPr marL="800100" lvl="1" indent="-342900">
+              <a:buClr>
+                <a:srgbClr val="990000"/>
+              </a:buClr>
+              <a:buFont typeface="Wingdings" panose="05000000000000000000" pitchFamily="2" charset="2"/>
+              <a:buChar char="q"/>
+            </a:pPr>
+            <a:endParaRPr lang="en-US" sz="1800" dirty="0" smtClean="0">
+              <a:latin typeface="Times New Roman" panose="02020603050405020304" pitchFamily="18" charset="0"/>
+              <a:cs typeface="Times New Roman" panose="02020603050405020304" pitchFamily="18" charset="0"/>
+            </a:endParaRPr>
+          </a:p>
+          <a:p>
+            <a:pPr marL="800100" lvl="1" indent="-342900">
+              <a:buClr>
+                <a:srgbClr val="990000"/>
+              </a:buClr>
+              <a:buFont typeface="Wingdings" panose="05000000000000000000" pitchFamily="2" charset="2"/>
+              <a:buChar char="q"/>
+            </a:pPr>
+            <a:r>
+              <a:rPr lang="en-US" sz="1800" dirty="0" smtClean="0">
+                <a:latin typeface="Times New Roman" panose="02020603050405020304" pitchFamily="18" charset="0"/>
+                <a:cs typeface="Times New Roman" panose="02020603050405020304" pitchFamily="18" charset="0"/>
+              </a:rPr>
+              <a:t>Offer different payments</a:t>
+            </a:r>
+          </a:p>
+          <a:p>
+            <a:pPr lvl="1">
+              <a:buClr>
+                <a:srgbClr val="990000"/>
+              </a:buClr>
+            </a:pPr>
+            <a:endParaRPr lang="en-US" sz="1800" dirty="0" smtClean="0">
+              <a:latin typeface="Times New Roman" panose="02020603050405020304" pitchFamily="18" charset="0"/>
+              <a:cs typeface="Times New Roman" panose="02020603050405020304" pitchFamily="18" charset="0"/>
+            </a:endParaRPr>
+          </a:p>
+          <a:p>
+            <a:pPr algn="ctr">
+              <a:buClr>
+                <a:srgbClr val="990000"/>
+              </a:buClr>
+            </a:pPr>
+            <a:endParaRPr lang="en-US" sz="2000" dirty="0">
+              <a:latin typeface="Times New Roman" panose="02020603050405020304" pitchFamily="18" charset="0"/>
+              <a:cs typeface="Times New Roman" panose="02020603050405020304" pitchFamily="18" charset="0"/>
+            </a:endParaRPr>
+          </a:p>
+        </p:txBody>
+      </p:sp>
+      <p:pic>
+        <p:nvPicPr>
+          <p:cNvPr id="8" name="Picture 7"/>
+          <p:cNvPicPr>
+            <a:picLocks noChangeAspect="1"/>
+          </p:cNvPicPr>
+          <p:nvPr/>
+        </p:nvPicPr>
+        <p:blipFill>
+          <a:blip r:embed="rId2" cstate="print">
+            <a:extLst>
+              <a:ext uri="{28A0092B-C50C-407E-A947-70E740481C1C}">
+                <a14:useLocalDpi xmlns:a14="http://schemas.microsoft.com/office/drawing/2010/main" val="0"/>
+              </a:ext>
+            </a:extLst>
+          </a:blip>
+          <a:stretch>
+            <a:fillRect/>
+          </a:stretch>
+        </p:blipFill>
+        <p:spPr>
+          <a:xfrm>
+            <a:off x="5562600" y="1465498"/>
+            <a:ext cx="2537915" cy="384048"/>
+          </a:xfrm>
+          <a:prstGeom prst="rect">
+            <a:avLst/>
+          </a:prstGeom>
+        </p:spPr>
+      </p:pic>
+      <p:pic>
+        <p:nvPicPr>
+          <p:cNvPr id="9" name="Picture 8"/>
+          <p:cNvPicPr>
+            <a:picLocks noChangeAspect="1"/>
+          </p:cNvPicPr>
+          <p:nvPr/>
+        </p:nvPicPr>
+        <p:blipFill>
+          <a:blip r:embed="rId3" cstate="print">
+            <a:extLst>
+              <a:ext uri="{28A0092B-C50C-407E-A947-70E740481C1C}">
+                <a14:useLocalDpi xmlns:a14="http://schemas.microsoft.com/office/drawing/2010/main" val="0"/>
+              </a:ext>
+            </a:extLst>
+          </a:blip>
+          <a:stretch>
+            <a:fillRect/>
+          </a:stretch>
+        </p:blipFill>
+        <p:spPr>
+          <a:xfrm>
+            <a:off x="5505449" y="1947604"/>
+            <a:ext cx="2578343" cy="406135"/>
+          </a:xfrm>
+          <a:prstGeom prst="rect">
+            <a:avLst/>
+          </a:prstGeom>
+        </p:spPr>
+      </p:pic>
+      <p:pic>
+        <p:nvPicPr>
+          <p:cNvPr id="10" name="Picture 9"/>
+          <p:cNvPicPr>
+            <a:picLocks noChangeAspect="1"/>
+          </p:cNvPicPr>
+          <p:nvPr/>
+        </p:nvPicPr>
+        <p:blipFill>
+          <a:blip r:embed="rId4">
+            <a:extLst>
+              <a:ext uri="{28A0092B-C50C-407E-A947-70E740481C1C}">
+                <a14:useLocalDpi xmlns:a14="http://schemas.microsoft.com/office/drawing/2010/main" val="0"/>
+              </a:ext>
+            </a:extLst>
+          </a:blip>
+          <a:stretch>
+            <a:fillRect/>
+          </a:stretch>
+        </p:blipFill>
+        <p:spPr>
+          <a:xfrm>
+            <a:off x="1618671" y="3316068"/>
+            <a:ext cx="2813195" cy="412771"/>
+          </a:xfrm>
+          <a:prstGeom prst="rect">
+            <a:avLst/>
+          </a:prstGeom>
+        </p:spPr>
+      </p:pic>
+      <p:pic>
+        <p:nvPicPr>
+          <p:cNvPr id="12" name="Picture 11"/>
+          <p:cNvPicPr>
+            <a:picLocks noChangeAspect="1"/>
+          </p:cNvPicPr>
+          <p:nvPr/>
+        </p:nvPicPr>
+        <p:blipFill>
+          <a:blip r:embed="rId5">
+            <a:extLst>
+              <a:ext uri="{28A0092B-C50C-407E-A947-70E740481C1C}">
+                <a14:useLocalDpi xmlns:a14="http://schemas.microsoft.com/office/drawing/2010/main" val="0"/>
+              </a:ext>
+            </a:extLst>
+          </a:blip>
+          <a:stretch>
+            <a:fillRect/>
+          </a:stretch>
+        </p:blipFill>
+        <p:spPr>
+          <a:xfrm>
+            <a:off x="5341195" y="3316068"/>
+            <a:ext cx="2973276" cy="411480"/>
+          </a:xfrm>
+          <a:prstGeom prst="rect">
+            <a:avLst/>
+          </a:prstGeom>
+        </p:spPr>
+      </p:pic>
+      <p:pic>
+        <p:nvPicPr>
+          <p:cNvPr id="13" name="Picture 12"/>
+          <p:cNvPicPr>
+            <a:picLocks noChangeAspect="1"/>
+          </p:cNvPicPr>
+          <p:nvPr/>
+        </p:nvPicPr>
+        <p:blipFill>
+          <a:blip r:embed="rId6">
+            <a:extLst>
+              <a:ext uri="{28A0092B-C50C-407E-A947-70E740481C1C}">
+                <a14:useLocalDpi xmlns:a14="http://schemas.microsoft.com/office/drawing/2010/main" val="0"/>
+              </a:ext>
+            </a:extLst>
+          </a:blip>
+          <a:stretch>
+            <a:fillRect/>
+          </a:stretch>
+        </p:blipFill>
+        <p:spPr>
+          <a:xfrm>
+            <a:off x="1627011" y="4703698"/>
+            <a:ext cx="3111660" cy="387370"/>
+          </a:xfrm>
+          <a:prstGeom prst="rect">
+            <a:avLst/>
+          </a:prstGeom>
+        </p:spPr>
+      </p:pic>
+      <p:pic>
+        <p:nvPicPr>
+          <p:cNvPr id="11" name="Picture 10"/>
+          <p:cNvPicPr>
+            <a:picLocks noChangeAspect="1"/>
+          </p:cNvPicPr>
+          <p:nvPr/>
+        </p:nvPicPr>
+        <p:blipFill>
+          <a:blip r:embed="rId7">
+            <a:extLst>
+              <a:ext uri="{28A0092B-C50C-407E-A947-70E740481C1C}">
+                <a14:useLocalDpi xmlns:a14="http://schemas.microsoft.com/office/drawing/2010/main" val="0"/>
+              </a:ext>
+            </a:extLst>
+          </a:blip>
+          <a:stretch>
+            <a:fillRect/>
+          </a:stretch>
+        </p:blipFill>
+        <p:spPr>
+          <a:xfrm>
+            <a:off x="1529054" y="3713722"/>
+            <a:ext cx="2851625" cy="524196"/>
+          </a:xfrm>
+          <a:prstGeom prst="rect">
+            <a:avLst/>
+          </a:prstGeom>
+        </p:spPr>
+      </p:pic>
+      <p:pic>
+        <p:nvPicPr>
+          <p:cNvPr id="15" name="Picture 14"/>
+          <p:cNvPicPr>
+            <a:picLocks noChangeAspect="1"/>
+          </p:cNvPicPr>
+          <p:nvPr/>
+        </p:nvPicPr>
+        <p:blipFill>
+          <a:blip r:embed="rId8">
+            <a:extLst>
+              <a:ext uri="{28A0092B-C50C-407E-A947-70E740481C1C}">
+                <a14:useLocalDpi xmlns:a14="http://schemas.microsoft.com/office/drawing/2010/main" val="0"/>
+              </a:ext>
+            </a:extLst>
+          </a:blip>
+          <a:stretch>
+            <a:fillRect/>
+          </a:stretch>
+        </p:blipFill>
+        <p:spPr>
+          <a:xfrm>
+            <a:off x="5313551" y="3701450"/>
+            <a:ext cx="2842590" cy="524196"/>
+          </a:xfrm>
+          <a:prstGeom prst="rect">
+            <a:avLst/>
+          </a:prstGeom>
+        </p:spPr>
+      </p:pic>
+      <p:pic>
+        <p:nvPicPr>
+          <p:cNvPr id="17" name="Picture 16"/>
+          <p:cNvPicPr>
+            <a:picLocks noChangeAspect="1"/>
+          </p:cNvPicPr>
+          <p:nvPr/>
+        </p:nvPicPr>
+        <p:blipFill>
+          <a:blip r:embed="rId9" cstate="print">
+            <a:extLst>
+              <a:ext uri="{28A0092B-C50C-407E-A947-70E740481C1C}">
+                <a14:useLocalDpi xmlns:a14="http://schemas.microsoft.com/office/drawing/2010/main" val="0"/>
+              </a:ext>
+            </a:extLst>
+          </a:blip>
+          <a:stretch>
+            <a:fillRect/>
+          </a:stretch>
+        </p:blipFill>
+        <p:spPr>
+          <a:xfrm>
+            <a:off x="5254737" y="4579508"/>
+            <a:ext cx="1850852" cy="511560"/>
+          </a:xfrm>
+          <a:prstGeom prst="rect">
+            <a:avLst/>
+          </a:prstGeom>
+        </p:spPr>
+      </p:pic>
+      <p:pic>
+        <p:nvPicPr>
+          <p:cNvPr id="18" name="Picture 17"/>
+          <p:cNvPicPr>
+            <a:picLocks noChangeAspect="1"/>
+          </p:cNvPicPr>
+          <p:nvPr/>
+        </p:nvPicPr>
+        <p:blipFill>
+          <a:blip r:embed="rId10" cstate="print">
+            <a:extLst>
+              <a:ext uri="{28A0092B-C50C-407E-A947-70E740481C1C}">
+                <a14:useLocalDpi xmlns:a14="http://schemas.microsoft.com/office/drawing/2010/main" val="0"/>
+              </a:ext>
+            </a:extLst>
+          </a:blip>
+          <a:stretch>
+            <a:fillRect/>
+          </a:stretch>
+        </p:blipFill>
+        <p:spPr>
+          <a:xfrm>
+            <a:off x="1618670" y="5207025"/>
+            <a:ext cx="4133678" cy="502920"/>
+          </a:xfrm>
+          <a:prstGeom prst="rect">
+            <a:avLst/>
+          </a:prstGeom>
+        </p:spPr>
+      </p:pic>
+    </p:spTree>
+    <p:extLst>
+      <p:ext uri="{BB962C8B-B14F-4D97-AF65-F5344CB8AC3E}">
+        <p14:creationId xmlns:p14="http://schemas.microsoft.com/office/powerpoint/2010/main" val="3651211832"/>
+      </p:ext>
+    </p:extLst>
+  </p:cSld>
+  <p:clrMapOvr>
+    <a:masterClrMapping/>
+  </p:clrMapOvr>
+  <p:timing>
+    <p:tnLst>
+      <p:par>
+        <p:cTn id="1" dur="indefinite" restart="never" nodeType="tmRoot"/>
+      </p:par>
+    </p:tnLst>
+  </p:timing>
+</p:sld>
+</file>
+
+<file path=ppt/slides/slide4.xml><?xml version="1.0" encoding="utf-8"?>
+<p:sld xmlns:a="http://schemas.openxmlformats.org/drawingml/2006/main" xmlns:r="http://schemas.openxmlformats.org/officeDocument/2006/relationships" xmlns:p="http://schemas.openxmlformats.org/presentationml/2006/main">
+  <p:cSld>
+    <p:spTree>
+      <p:nvGrpSpPr>
+        <p:cNvPr id="1" name=""/>
+        <p:cNvGrpSpPr/>
+        <p:nvPr/>
+      </p:nvGrpSpPr>
+      <p:grpSpPr>
+        <a:xfrm>
+          <a:off x="0" y="0"/>
+          <a:ext cx="0" cy="0"/>
+          <a:chOff x="0" y="0"/>
+          <a:chExt cx="0" cy="0"/>
+        </a:xfrm>
+      </p:grpSpPr>
+      <p:sp>
+        <p:nvSpPr>
+          <p:cNvPr id="4" name="Title 3"/>
+          <p:cNvSpPr>
+            <a:spLocks noGrp="1"/>
+          </p:cNvSpPr>
+          <p:nvPr>
+            <p:ph type="title"/>
+          </p:nvPr>
+        </p:nvSpPr>
+        <p:spPr/>
+        <p:txBody>
+          <a:bodyPr/>
+          <a:lstStyle/>
+          <a:p>
+            <a:r>
+              <a:rPr lang="en-US" dirty="0" smtClean="0"/>
+              <a:t>Convex Optimization</a:t>
+            </a:r>
+            <a:endParaRPr lang="en-US" dirty="0"/>
+          </a:p>
+        </p:txBody>
+      </p:sp>
+      <p:sp>
+        <p:nvSpPr>
+          <p:cNvPr id="2" name="Slide Number Placeholder 1"/>
+          <p:cNvSpPr>
+            <a:spLocks noGrp="1"/>
+          </p:cNvSpPr>
+          <p:nvPr>
+            <p:ph type="sldNum" sz="quarter" idx="10"/>
+          </p:nvPr>
+        </p:nvSpPr>
+        <p:spPr/>
+        <p:txBody>
+          <a:bodyPr/>
+          <a:lstStyle/>
+          <a:p>
+            <a:fld id="{D90F13D6-F77B-4791-A11F-9D334EE501E7}" type="slidenum">
+              <a:rPr lang="en-US" altLang="en-US" smtClean="0"/>
+              <a:pPr/>
+              <a:t>4</a:t>
+            </a:fld>
+            <a:endParaRPr lang="en-US" altLang="en-US"/>
+          </a:p>
+        </p:txBody>
+      </p:sp>
+      <p:sp>
+        <p:nvSpPr>
+          <p:cNvPr id="7" name="TextBox 6"/>
+          <p:cNvSpPr txBox="1"/>
+          <p:nvPr/>
+        </p:nvSpPr>
+        <p:spPr>
+          <a:xfrm>
+            <a:off x="714374" y="1389036"/>
+            <a:ext cx="7743825" cy="3816429"/>
+          </a:xfrm>
+          <a:prstGeom prst="rect">
+            <a:avLst/>
+          </a:prstGeom>
+          <a:noFill/>
+        </p:spPr>
+        <p:txBody>
+          <a:bodyPr wrap="square" rtlCol="0">
+            <a:spAutoFit/>
+          </a:bodyPr>
+          <a:lstStyle/>
+          <a:p>
+            <a:pPr marL="342900" indent="-342900">
+              <a:buClr>
+                <a:srgbClr val="990000"/>
+              </a:buClr>
+              <a:buFont typeface="Wingdings" panose="05000000000000000000" pitchFamily="2" charset="2"/>
+              <a:buChar char="q"/>
+            </a:pPr>
+            <a:r>
+              <a:rPr lang="en-US" sz="2000" dirty="0" smtClean="0">
+                <a:latin typeface="Times New Roman" panose="02020603050405020304" pitchFamily="18" charset="0"/>
+                <a:cs typeface="Times New Roman" panose="02020603050405020304" pitchFamily="18" charset="0"/>
+              </a:rPr>
+              <a:t>Objective: to minimize…</a:t>
+            </a:r>
+          </a:p>
+          <a:p>
+            <a:pPr marL="800100" lvl="1" indent="-342900">
+              <a:buClr>
+                <a:srgbClr val="990000"/>
+              </a:buClr>
+              <a:buFont typeface="Wingdings" panose="05000000000000000000" pitchFamily="2" charset="2"/>
+              <a:buChar char="q"/>
+            </a:pPr>
+            <a:r>
+              <a:rPr lang="en-US" sz="1800" dirty="0" smtClean="0">
+                <a:latin typeface="Times New Roman" panose="02020603050405020304" pitchFamily="18" charset="0"/>
+                <a:cs typeface="Times New Roman" panose="02020603050405020304" pitchFamily="18" charset="0"/>
+              </a:rPr>
+              <a:t>System congestion level</a:t>
+            </a:r>
+          </a:p>
+          <a:p>
+            <a:pPr lvl="1">
+              <a:buClr>
+                <a:srgbClr val="990000"/>
+              </a:buClr>
+            </a:pPr>
+            <a:endParaRPr lang="en-US" sz="1800" dirty="0" smtClean="0">
+              <a:latin typeface="Times New Roman" panose="02020603050405020304" pitchFamily="18" charset="0"/>
+              <a:cs typeface="Times New Roman" panose="02020603050405020304" pitchFamily="18" charset="0"/>
+            </a:endParaRPr>
+          </a:p>
+          <a:p>
+            <a:pPr lvl="1">
+              <a:buClr>
+                <a:srgbClr val="990000"/>
+              </a:buClr>
+            </a:pPr>
+            <a:endParaRPr lang="en-US" sz="1800" dirty="0" smtClean="0">
+              <a:latin typeface="Times New Roman" panose="02020603050405020304" pitchFamily="18" charset="0"/>
+              <a:cs typeface="Times New Roman" panose="02020603050405020304" pitchFamily="18" charset="0"/>
+            </a:endParaRPr>
+          </a:p>
+          <a:p>
+            <a:pPr marL="800100" lvl="1" indent="-342900">
+              <a:buClr>
+                <a:srgbClr val="990000"/>
+              </a:buClr>
+              <a:buFont typeface="Wingdings" panose="05000000000000000000" pitchFamily="2" charset="2"/>
+              <a:buChar char="q"/>
+            </a:pPr>
+            <a:r>
+              <a:rPr lang="en-US" sz="1800" dirty="0" smtClean="0">
+                <a:latin typeface="Times New Roman" panose="02020603050405020304" pitchFamily="18" charset="0"/>
+                <a:cs typeface="Times New Roman" panose="02020603050405020304" pitchFamily="18" charset="0"/>
+              </a:rPr>
+              <a:t>User dissatisfaction</a:t>
+            </a:r>
+          </a:p>
+          <a:p>
+            <a:pPr lvl="1">
+              <a:buClr>
+                <a:srgbClr val="990000"/>
+              </a:buClr>
+            </a:pPr>
+            <a:endParaRPr lang="en-US" sz="1800" dirty="0" smtClean="0">
+              <a:latin typeface="Times New Roman" panose="02020603050405020304" pitchFamily="18" charset="0"/>
+              <a:cs typeface="Times New Roman" panose="02020603050405020304" pitchFamily="18" charset="0"/>
+            </a:endParaRPr>
+          </a:p>
+          <a:p>
+            <a:pPr lvl="1">
+              <a:buClr>
+                <a:srgbClr val="990000"/>
+              </a:buClr>
+            </a:pPr>
+            <a:endParaRPr lang="en-US" sz="1800" dirty="0" smtClean="0">
+              <a:latin typeface="Times New Roman" panose="02020603050405020304" pitchFamily="18" charset="0"/>
+              <a:cs typeface="Times New Roman" panose="02020603050405020304" pitchFamily="18" charset="0"/>
+            </a:endParaRPr>
+          </a:p>
+          <a:p>
+            <a:pPr marL="342900" indent="-342900">
+              <a:buClr>
+                <a:srgbClr val="990000"/>
+              </a:buClr>
+              <a:buFont typeface="Wingdings" panose="05000000000000000000" pitchFamily="2" charset="2"/>
+              <a:buChar char="q"/>
+            </a:pPr>
+            <a:r>
+              <a:rPr lang="en-US" sz="2000" dirty="0" smtClean="0">
+                <a:latin typeface="Times New Roman" panose="02020603050405020304" pitchFamily="18" charset="0"/>
+                <a:cs typeface="Times New Roman" panose="02020603050405020304" pitchFamily="18" charset="0"/>
+              </a:rPr>
+              <a:t>Constraints</a:t>
+            </a:r>
+          </a:p>
+          <a:p>
+            <a:pPr marL="800100" lvl="1" indent="-342900">
+              <a:buClr>
+                <a:srgbClr val="990000"/>
+              </a:buClr>
+              <a:buFont typeface="Wingdings" panose="05000000000000000000" pitchFamily="2" charset="2"/>
+              <a:buChar char="q"/>
+            </a:pPr>
+            <a:r>
+              <a:rPr lang="en-US" sz="1800" dirty="0" smtClean="0">
+                <a:latin typeface="Times New Roman" panose="02020603050405020304" pitchFamily="18" charset="0"/>
+                <a:cs typeface="Times New Roman" panose="02020603050405020304" pitchFamily="18" charset="0"/>
+              </a:rPr>
+              <a:t>Maximum distance the user is willing to walk</a:t>
+            </a:r>
+          </a:p>
+          <a:p>
+            <a:pPr marL="800100" lvl="1" indent="-342900">
+              <a:buClr>
+                <a:srgbClr val="990000"/>
+              </a:buClr>
+              <a:buFont typeface="Wingdings" panose="05000000000000000000" pitchFamily="2" charset="2"/>
+              <a:buChar char="q"/>
+            </a:pPr>
+            <a:r>
+              <a:rPr lang="en-US" sz="1800" dirty="0" smtClean="0">
+                <a:latin typeface="Times New Roman" panose="02020603050405020304" pitchFamily="18" charset="0"/>
+                <a:cs typeface="Times New Roman" panose="02020603050405020304" pitchFamily="18" charset="0"/>
+              </a:rPr>
+              <a:t>Budget available to each user</a:t>
+            </a:r>
+          </a:p>
+          <a:p>
+            <a:pPr marL="800100" lvl="1" indent="-342900">
+              <a:buClr>
+                <a:srgbClr val="990000"/>
+              </a:buClr>
+              <a:buFont typeface="Wingdings" panose="05000000000000000000" pitchFamily="2" charset="2"/>
+              <a:buChar char="q"/>
+            </a:pPr>
+            <a:r>
+              <a:rPr lang="en-US" sz="1800" dirty="0" smtClean="0">
+                <a:latin typeface="Times New Roman" panose="02020603050405020304" pitchFamily="18" charset="0"/>
+                <a:cs typeface="Times New Roman" panose="02020603050405020304" pitchFamily="18" charset="0"/>
+              </a:rPr>
+              <a:t>Positive terms</a:t>
+            </a:r>
+          </a:p>
+          <a:p>
+            <a:pPr marL="342900" indent="-342900">
+              <a:buClr>
+                <a:srgbClr val="990000"/>
+              </a:buClr>
+              <a:buFont typeface="Wingdings" panose="05000000000000000000" pitchFamily="2" charset="2"/>
+              <a:buChar char="q"/>
+            </a:pPr>
+            <a:r>
+              <a:rPr lang="en-US" sz="2000" dirty="0" smtClean="0">
+                <a:latin typeface="Times New Roman" panose="02020603050405020304" pitchFamily="18" charset="0"/>
+                <a:cs typeface="Times New Roman" panose="02020603050405020304" pitchFamily="18" charset="0"/>
+              </a:rPr>
+              <a:t>The Problem to Solve</a:t>
+            </a:r>
+          </a:p>
+          <a:p>
+            <a:pPr algn="ctr">
+              <a:buClr>
+                <a:srgbClr val="990000"/>
+              </a:buClr>
+            </a:pPr>
+            <a:endParaRPr lang="en-US" sz="2000" dirty="0">
+              <a:latin typeface="Times New Roman" panose="02020603050405020304" pitchFamily="18" charset="0"/>
+              <a:cs typeface="Times New Roman" panose="02020603050405020304" pitchFamily="18" charset="0"/>
+            </a:endParaRPr>
+          </a:p>
+        </p:txBody>
+      </p:sp>
+      <p:pic>
+        <p:nvPicPr>
+          <p:cNvPr id="8" name="Picture 7"/>
+          <p:cNvPicPr>
+            <a:picLocks noChangeAspect="1"/>
+          </p:cNvPicPr>
+          <p:nvPr/>
+        </p:nvPicPr>
+        <p:blipFill>
+          <a:blip r:embed="rId2" cstate="print">
+            <a:extLst>
+              <a:ext uri="{28A0092B-C50C-407E-A947-70E740481C1C}">
+                <a14:useLocalDpi xmlns:a14="http://schemas.microsoft.com/office/drawing/2010/main" val="0"/>
+              </a:ext>
+            </a:extLst>
+          </a:blip>
+          <a:stretch>
+            <a:fillRect/>
+          </a:stretch>
+        </p:blipFill>
+        <p:spPr>
+          <a:xfrm>
+            <a:off x="2480662" y="4888744"/>
+            <a:ext cx="3518387" cy="750055"/>
+          </a:xfrm>
+          <a:prstGeom prst="rect">
+            <a:avLst/>
+          </a:prstGeom>
+        </p:spPr>
+      </p:pic>
+      <p:pic>
+        <p:nvPicPr>
+          <p:cNvPr id="9" name="Picture 8"/>
+          <p:cNvPicPr>
+            <a:picLocks noChangeAspect="1"/>
+          </p:cNvPicPr>
+          <p:nvPr/>
+        </p:nvPicPr>
+        <p:blipFill>
+          <a:blip r:embed="rId3" cstate="print">
+            <a:extLst>
+              <a:ext uri="{28A0092B-C50C-407E-A947-70E740481C1C}">
+                <a14:useLocalDpi xmlns:a14="http://schemas.microsoft.com/office/drawing/2010/main" val="0"/>
+              </a:ext>
+            </a:extLst>
+          </a:blip>
+          <a:stretch>
+            <a:fillRect/>
+          </a:stretch>
+        </p:blipFill>
+        <p:spPr>
+          <a:xfrm>
+            <a:off x="2718006" y="2057400"/>
+            <a:ext cx="3043699" cy="464774"/>
+          </a:xfrm>
+          <a:prstGeom prst="rect">
+            <a:avLst/>
+          </a:prstGeom>
+        </p:spPr>
+      </p:pic>
+      <p:pic>
+        <p:nvPicPr>
+          <p:cNvPr id="10" name="Picture 9"/>
+          <p:cNvPicPr>
+            <a:picLocks noChangeAspect="1"/>
+          </p:cNvPicPr>
+          <p:nvPr/>
+        </p:nvPicPr>
+        <p:blipFill>
+          <a:blip r:embed="rId4" cstate="print">
+            <a:extLst>
+              <a:ext uri="{28A0092B-C50C-407E-A947-70E740481C1C}">
+                <a14:useLocalDpi xmlns:a14="http://schemas.microsoft.com/office/drawing/2010/main" val="0"/>
+              </a:ext>
+            </a:extLst>
+          </a:blip>
+          <a:stretch>
+            <a:fillRect/>
+          </a:stretch>
+        </p:blipFill>
+        <p:spPr>
+          <a:xfrm>
+            <a:off x="2311170" y="2808023"/>
+            <a:ext cx="3937229" cy="675435"/>
+          </a:xfrm>
+          <a:prstGeom prst="rect">
+            <a:avLst/>
+          </a:prstGeom>
+        </p:spPr>
+      </p:pic>
+      <p:sp>
+        <p:nvSpPr>
+          <p:cNvPr id="12" name="Chevron 11"/>
+          <p:cNvSpPr/>
+          <p:nvPr/>
+        </p:nvSpPr>
+        <p:spPr>
+          <a:xfrm>
+            <a:off x="4375775" y="5889086"/>
+            <a:ext cx="1676399" cy="413826"/>
+          </a:xfrm>
+          <a:prstGeom prst="chevron">
+            <a:avLst/>
+          </a:prstGeom>
+          <a:solidFill>
+            <a:srgbClr val="990000"/>
+          </a:solidFill>
+          <a:ln>
+            <a:solidFill>
+              <a:srgbClr val="990000"/>
+            </a:solidFill>
+          </a:ln>
+        </p:spPr>
+        <p:style>
+          <a:lnRef idx="3">
+            <a:scrgbClr r="0" g="0" b="0"/>
+          </a:lnRef>
+          <a:fillRef idx="1">
+            <a:schemeClr val="lt1">
+              <a:hueOff val="0"/>
+              <a:satOff val="0"/>
+              <a:lumOff val="0"/>
+              <a:alphaOff val="0"/>
+            </a:schemeClr>
+          </a:fillRef>
+          <a:effectRef idx="1">
+            <a:schemeClr val="lt1">
+              <a:hueOff val="0"/>
+              <a:satOff val="0"/>
+              <a:lumOff val="0"/>
+              <a:alphaOff val="0"/>
+            </a:schemeClr>
+          </a:effectRef>
+          <a:fontRef idx="minor">
+            <a:schemeClr val="dk1">
+              <a:hueOff val="0"/>
+              <a:satOff val="0"/>
+              <a:lumOff val="0"/>
+              <a:alphaOff val="0"/>
+            </a:schemeClr>
+          </a:fontRef>
+        </p:style>
+      </p:sp>
+      <p:sp>
+        <p:nvSpPr>
+          <p:cNvPr id="13" name="Chevron 4"/>
+          <p:cNvSpPr/>
+          <p:nvPr/>
+        </p:nvSpPr>
+        <p:spPr>
+          <a:xfrm>
+            <a:off x="4603749" y="5943599"/>
+            <a:ext cx="1220450" cy="304800"/>
+          </a:xfrm>
+          <a:prstGeom prst="rect">
+            <a:avLst/>
+          </a:prstGeom>
+          <a:solidFill>
+            <a:srgbClr val="990000"/>
+          </a:solidFill>
+          <a:ln>
+            <a:solidFill>
+              <a:srgbClr val="990000"/>
+            </a:solidFill>
+          </a:ln>
+        </p:spPr>
+        <p:style>
+          <a:lnRef idx="0">
+            <a:scrgbClr r="0" g="0" b="0"/>
+          </a:lnRef>
+          <a:fillRef idx="0">
+            <a:scrgbClr r="0" g="0" b="0"/>
+          </a:fillRef>
+          <a:effectRef idx="0">
+            <a:scrgbClr r="0" g="0" b="0"/>
+          </a:effectRef>
+          <a:fontRef idx="minor">
+            <a:schemeClr val="dk1">
+              <a:hueOff val="0"/>
+              <a:satOff val="0"/>
+              <a:lumOff val="0"/>
+              <a:alphaOff val="0"/>
+            </a:schemeClr>
+          </a:fontRef>
+        </p:style>
+        <p:txBody>
+          <a:bodyPr spcFirstLastPara="0" vert="horz" wrap="square" lIns="52007" tIns="34671" rIns="17336" bIns="34671" numCol="1" spcCol="1270" anchor="ctr" anchorCtr="0">
+            <a:noAutofit/>
+          </a:bodyPr>
+          <a:lstStyle/>
+          <a:p>
+            <a:pPr lvl="0" algn="l" defTabSz="577850">
+              <a:lnSpc>
+                <a:spcPct val="90000"/>
+              </a:lnSpc>
+              <a:spcBef>
+                <a:spcPct val="0"/>
+              </a:spcBef>
+              <a:spcAft>
+                <a:spcPct val="35000"/>
+              </a:spcAft>
+            </a:pPr>
+            <a:r>
+              <a:rPr lang="en-US" sz="1300" kern="1200" dirty="0" smtClean="0">
+                <a:latin typeface="Times New Roman" panose="02020603050405020304" pitchFamily="18" charset="0"/>
+                <a:cs typeface="Times New Roman" panose="02020603050405020304" pitchFamily="18" charset="0"/>
+              </a:rPr>
+              <a:t>     </a:t>
+            </a:r>
+            <a:r>
+              <a:rPr lang="en-US" sz="1300" dirty="0" smtClean="0">
+                <a:solidFill>
+                  <a:schemeClr val="bg1"/>
+                </a:solidFill>
+                <a:latin typeface="Times New Roman" panose="02020603050405020304" pitchFamily="18" charset="0"/>
+                <a:cs typeface="Times New Roman" panose="02020603050405020304" pitchFamily="18" charset="0"/>
+              </a:rPr>
+              <a:t>Results</a:t>
+            </a:r>
+            <a:endParaRPr lang="en-US" sz="1300" kern="1200" dirty="0">
+              <a:solidFill>
+                <a:schemeClr val="bg1"/>
+              </a:solidFill>
+              <a:latin typeface="Times New Roman" panose="02020603050405020304" pitchFamily="18" charset="0"/>
+              <a:cs typeface="Times New Roman" panose="02020603050405020304" pitchFamily="18" charset="0"/>
+            </a:endParaRPr>
+          </a:p>
+        </p:txBody>
+      </p:sp>
+    </p:spTree>
+    <p:extLst>
+      <p:ext uri="{BB962C8B-B14F-4D97-AF65-F5344CB8AC3E}">
+        <p14:creationId xmlns:p14="http://schemas.microsoft.com/office/powerpoint/2010/main" val="1624531659"/>
+      </p:ext>
+    </p:extLst>
+  </p:cSld>
+  <p:clrMapOvr>
+    <a:masterClrMapping/>
+  </p:clrMapOvr>
+  <p:timing>
+    <p:tnLst>
+      <p:par>
+        <p:cTn id="1" dur="indefinite" restart="never" nodeType="tmRoot"/>
+      </p:par>
+    </p:tnLst>
+  </p:timing>
+</p:sld>
+</file>
+
+<file path=ppt/slides/slide5.xml><?xml version="1.0" encoding="utf-8"?>
+<p:sld xmlns:a="http://schemas.openxmlformats.org/drawingml/2006/main" xmlns:r="http://schemas.openxmlformats.org/officeDocument/2006/relationships" xmlns:p="http://schemas.openxmlformats.org/presentationml/2006/main">
+  <p:cSld>
+    <p:spTree>
+      <p:nvGrpSpPr>
+        <p:cNvPr id="1" name=""/>
+        <p:cNvGrpSpPr/>
+        <p:nvPr/>
+      </p:nvGrpSpPr>
+      <p:grpSpPr>
+        <a:xfrm>
+          <a:off x="0" y="0"/>
+          <a:ext cx="0" cy="0"/>
+          <a:chOff x="0" y="0"/>
+          <a:chExt cx="0" cy="0"/>
+        </a:xfrm>
+      </p:grpSpPr>
+      <p:sp>
+        <p:nvSpPr>
+          <p:cNvPr id="4" name="Title 3"/>
+          <p:cNvSpPr>
+            <a:spLocks noGrp="1"/>
+          </p:cNvSpPr>
+          <p:nvPr>
+            <p:ph type="title"/>
+          </p:nvPr>
+        </p:nvSpPr>
+        <p:spPr/>
+        <p:txBody>
+          <a:bodyPr/>
+          <a:lstStyle/>
+          <a:p>
+            <a:r>
+              <a:rPr lang="en-US" dirty="0" smtClean="0"/>
+              <a:t>Network Simulation</a:t>
+            </a:r>
+            <a:endParaRPr lang="en-US" dirty="0"/>
+          </a:p>
+        </p:txBody>
+      </p:sp>
+      <p:sp>
+        <p:nvSpPr>
+          <p:cNvPr id="8" name="Chevron 7"/>
+          <p:cNvSpPr/>
+          <p:nvPr/>
+        </p:nvSpPr>
+        <p:spPr>
+          <a:xfrm>
+            <a:off x="4375775" y="5889086"/>
+            <a:ext cx="1676399" cy="413826"/>
+          </a:xfrm>
+          <a:prstGeom prst="chevron">
+            <a:avLst/>
+          </a:prstGeom>
+          <a:solidFill>
+            <a:srgbClr val="990000"/>
+          </a:solidFill>
+          <a:ln>
+            <a:solidFill>
+              <a:srgbClr val="990000"/>
+            </a:solidFill>
+          </a:ln>
+        </p:spPr>
+        <p:style>
+          <a:lnRef idx="3">
+            <a:scrgbClr r="0" g="0" b="0"/>
+          </a:lnRef>
+          <a:fillRef idx="1">
+            <a:schemeClr val="lt1">
+              <a:hueOff val="0"/>
+              <a:satOff val="0"/>
+              <a:lumOff val="0"/>
+              <a:alphaOff val="0"/>
+            </a:schemeClr>
+          </a:fillRef>
+          <a:effectRef idx="1">
+            <a:schemeClr val="lt1">
+              <a:hueOff val="0"/>
+              <a:satOff val="0"/>
+              <a:lumOff val="0"/>
+              <a:alphaOff val="0"/>
+            </a:schemeClr>
+          </a:effectRef>
+          <a:fontRef idx="minor">
+            <a:schemeClr val="dk1">
+              <a:hueOff val="0"/>
+              <a:satOff val="0"/>
+              <a:lumOff val="0"/>
+              <a:alphaOff val="0"/>
+            </a:schemeClr>
+          </a:fontRef>
+        </p:style>
+      </p:sp>
+      <p:sp>
+        <p:nvSpPr>
+          <p:cNvPr id="9" name="Chevron 4"/>
+          <p:cNvSpPr/>
+          <p:nvPr/>
+        </p:nvSpPr>
+        <p:spPr>
+          <a:xfrm>
+            <a:off x="4603749" y="5943599"/>
+            <a:ext cx="1220450" cy="304800"/>
+          </a:xfrm>
+          <a:prstGeom prst="rect">
+            <a:avLst/>
+          </a:prstGeom>
+          <a:solidFill>
+            <a:srgbClr val="990000"/>
+          </a:solidFill>
+          <a:ln>
+            <a:solidFill>
+              <a:srgbClr val="990000"/>
+            </a:solidFill>
+          </a:ln>
+        </p:spPr>
+        <p:style>
+          <a:lnRef idx="0">
+            <a:scrgbClr r="0" g="0" b="0"/>
+          </a:lnRef>
+          <a:fillRef idx="0">
+            <a:scrgbClr r="0" g="0" b="0"/>
+          </a:fillRef>
+          <a:effectRef idx="0">
+            <a:scrgbClr r="0" g="0" b="0"/>
+          </a:effectRef>
+          <a:fontRef idx="minor">
+            <a:schemeClr val="dk1">
+              <a:hueOff val="0"/>
+              <a:satOff val="0"/>
+              <a:lumOff val="0"/>
+              <a:alphaOff val="0"/>
+            </a:schemeClr>
+          </a:fontRef>
+        </p:style>
+        <p:txBody>
+          <a:bodyPr spcFirstLastPara="0" vert="horz" wrap="square" lIns="52007" tIns="34671" rIns="17336" bIns="34671" numCol="1" spcCol="1270" anchor="ctr" anchorCtr="0">
+            <a:noAutofit/>
+          </a:bodyPr>
+          <a:lstStyle/>
+          <a:p>
+            <a:pPr lvl="0" algn="l" defTabSz="577850">
+              <a:lnSpc>
+                <a:spcPct val="90000"/>
+              </a:lnSpc>
+              <a:spcBef>
+                <a:spcPct val="0"/>
+              </a:spcBef>
+              <a:spcAft>
+                <a:spcPct val="35000"/>
+              </a:spcAft>
+            </a:pPr>
+            <a:r>
+              <a:rPr lang="en-US" sz="1300" kern="1200" dirty="0" smtClean="0">
+                <a:latin typeface="Times New Roman" panose="02020603050405020304" pitchFamily="18" charset="0"/>
+                <a:cs typeface="Times New Roman" panose="02020603050405020304" pitchFamily="18" charset="0"/>
+              </a:rPr>
+              <a:t>     </a:t>
+            </a:r>
+            <a:r>
+              <a:rPr lang="en-US" sz="1300" dirty="0" smtClean="0">
+                <a:solidFill>
+                  <a:schemeClr val="bg1"/>
+                </a:solidFill>
+                <a:latin typeface="Times New Roman" panose="02020603050405020304" pitchFamily="18" charset="0"/>
+                <a:cs typeface="Times New Roman" panose="02020603050405020304" pitchFamily="18" charset="0"/>
+              </a:rPr>
+              <a:t>Results</a:t>
+            </a:r>
+            <a:endParaRPr lang="en-US" sz="1300" kern="1200" dirty="0">
+              <a:solidFill>
+                <a:schemeClr val="bg1"/>
+              </a:solidFill>
+              <a:latin typeface="Times New Roman" panose="02020603050405020304" pitchFamily="18" charset="0"/>
+              <a:cs typeface="Times New Roman" panose="02020603050405020304" pitchFamily="18" charset="0"/>
+            </a:endParaRPr>
+          </a:p>
+        </p:txBody>
+      </p:sp>
+      <p:sp>
+        <p:nvSpPr>
+          <p:cNvPr id="2" name="Slide Number Placeholder 1"/>
+          <p:cNvSpPr>
+            <a:spLocks noGrp="1"/>
+          </p:cNvSpPr>
+          <p:nvPr>
+            <p:ph type="sldNum" sz="quarter" idx="10"/>
+          </p:nvPr>
+        </p:nvSpPr>
+        <p:spPr/>
+        <p:txBody>
+          <a:bodyPr/>
+          <a:lstStyle/>
+          <a:p>
+            <a:fld id="{D90F13D6-F77B-4791-A11F-9D334EE501E7}" type="slidenum">
+              <a:rPr lang="en-US" altLang="en-US" smtClean="0"/>
+              <a:pPr/>
+              <a:t>5</a:t>
+            </a:fld>
+            <a:endParaRPr lang="en-US" altLang="en-US"/>
+          </a:p>
+        </p:txBody>
+      </p:sp>
+    </p:spTree>
+    <p:extLst>
+      <p:ext uri="{BB962C8B-B14F-4D97-AF65-F5344CB8AC3E}">
+        <p14:creationId xmlns:p14="http://schemas.microsoft.com/office/powerpoint/2010/main" val="385358936"/>
+      </p:ext>
+    </p:extLst>
+  </p:cSld>
+  <p:clrMapOvr>
+    <a:masterClrMapping/>
+  </p:clrMapOvr>
+  <p:timing>
+    <p:tnLst>
+      <p:par>
+        <p:cTn id="1" dur="indefinite" restart="never" nodeType="tmRoot"/>
+      </p:par>
+    </p:tnLst>
+  </p:timing>
+</p:sld>
+</file>
+
+<file path=ppt/slides/slide6.xml><?xml version="1.0" encoding="utf-8"?>
+<p:sld xmlns:a="http://schemas.openxmlformats.org/drawingml/2006/main" xmlns:r="http://schemas.openxmlformats.org/officeDocument/2006/relationships" xmlns:p="http://schemas.openxmlformats.org/presentationml/2006/main">
+  <p:cSld>
+    <p:spTree>
+      <p:nvGrpSpPr>
+        <p:cNvPr id="1" name=""/>
+        <p:cNvGrpSpPr/>
+        <p:nvPr/>
+      </p:nvGrpSpPr>
+      <p:grpSpPr>
+        <a:xfrm>
+          <a:off x="0" y="0"/>
+          <a:ext cx="0" cy="0"/>
+          <a:chOff x="0" y="0"/>
+          <a:chExt cx="0" cy="0"/>
+        </a:xfrm>
+      </p:grpSpPr>
+      <p:sp>
+        <p:nvSpPr>
+          <p:cNvPr id="2" name="Title 1"/>
+          <p:cNvSpPr>
+            <a:spLocks noGrp="1"/>
+          </p:cNvSpPr>
+          <p:nvPr>
+            <p:ph type="title"/>
+          </p:nvPr>
+        </p:nvSpPr>
+        <p:spPr/>
+        <p:txBody>
+          <a:bodyPr/>
+          <a:lstStyle/>
+          <a:p>
+            <a:r>
+              <a:rPr lang="en-US" dirty="0" smtClean="0"/>
+              <a:t>Conclusion and Future Work</a:t>
+            </a:r>
+            <a:endParaRPr lang="en-US" dirty="0"/>
+          </a:p>
+        </p:txBody>
+      </p:sp>
+      <p:sp>
+        <p:nvSpPr>
+          <p:cNvPr id="3" name="Slide Number Placeholder 2"/>
+          <p:cNvSpPr>
+            <a:spLocks noGrp="1"/>
+          </p:cNvSpPr>
+          <p:nvPr>
+            <p:ph type="sldNum" sz="quarter" idx="10"/>
+          </p:nvPr>
+        </p:nvSpPr>
+        <p:spPr/>
+        <p:txBody>
+          <a:bodyPr/>
+          <a:lstStyle/>
+          <a:p>
+            <a:fld id="{D90F13D6-F77B-4791-A11F-9D334EE501E7}" type="slidenum">
+              <a:rPr lang="en-US" altLang="en-US" smtClean="0"/>
+              <a:pPr/>
+              <a:t>6</a:t>
+            </a:fld>
+            <a:endParaRPr lang="en-US" altLang="en-US"/>
+          </a:p>
+        </p:txBody>
+      </p:sp>
+      <p:grpSp>
+        <p:nvGrpSpPr>
+          <p:cNvPr id="4" name="Group 3"/>
+          <p:cNvGrpSpPr/>
+          <p:nvPr/>
+        </p:nvGrpSpPr>
+        <p:grpSpPr>
+          <a:xfrm>
+            <a:off x="5791200" y="5887524"/>
+            <a:ext cx="1854390" cy="413826"/>
+            <a:chOff x="1463286" y="0"/>
+            <a:chExt cx="1826832" cy="413826"/>
+          </a:xfrm>
+          <a:solidFill>
+            <a:srgbClr val="990000"/>
+          </a:solidFill>
+        </p:grpSpPr>
+        <p:sp>
+          <p:nvSpPr>
+            <p:cNvPr id="5" name="Chevron 4"/>
+            <p:cNvSpPr/>
+            <p:nvPr/>
+          </p:nvSpPr>
+          <p:spPr>
+            <a:xfrm>
+              <a:off x="1463286" y="0"/>
+              <a:ext cx="1826832" cy="413826"/>
+            </a:xfrm>
+            <a:prstGeom prst="chevron">
+              <a:avLst/>
+            </a:prstGeom>
+            <a:grpFill/>
+            <a:ln>
+              <a:solidFill>
+                <a:srgbClr val="990000"/>
+              </a:solidFill>
+            </a:ln>
+          </p:spPr>
+          <p:style>
+            <a:lnRef idx="2">
+              <a:scrgbClr r="0" g="0" b="0"/>
+            </a:lnRef>
+            <a:fillRef idx="1">
+              <a:schemeClr val="lt1">
+                <a:hueOff val="0"/>
+                <a:satOff val="0"/>
+                <a:lumOff val="0"/>
+                <a:alphaOff val="0"/>
+              </a:schemeClr>
+            </a:fillRef>
+            <a:effectRef idx="0">
+              <a:schemeClr val="lt1">
+                <a:hueOff val="0"/>
+                <a:satOff val="0"/>
+                <a:lumOff val="0"/>
+                <a:alphaOff val="0"/>
+              </a:schemeClr>
+            </a:effectRef>
+            <a:fontRef idx="minor">
+              <a:schemeClr val="dk1">
+                <a:hueOff val="0"/>
+                <a:satOff val="0"/>
+                <a:lumOff val="0"/>
+                <a:alphaOff val="0"/>
+              </a:schemeClr>
+            </a:fontRef>
+          </p:style>
+        </p:sp>
+        <p:sp>
+          <p:nvSpPr>
+            <p:cNvPr id="6" name="Chevron 4"/>
+            <p:cNvSpPr/>
+            <p:nvPr/>
+          </p:nvSpPr>
+          <p:spPr>
+            <a:xfrm>
+              <a:off x="1698139" y="38100"/>
+              <a:ext cx="1244508" cy="337626"/>
+            </a:xfrm>
+            <a:prstGeom prst="rect">
+              <a:avLst/>
+            </a:prstGeom>
+            <a:grpFill/>
+            <a:ln>
+              <a:solidFill>
+                <a:srgbClr val="990000"/>
+              </a:solidFill>
+            </a:ln>
+          </p:spPr>
+          <p:style>
+            <a:lnRef idx="0">
+              <a:scrgbClr r="0" g="0" b="0"/>
+            </a:lnRef>
+            <a:fillRef idx="0">
+              <a:scrgbClr r="0" g="0" b="0"/>
+            </a:fillRef>
+            <a:effectRef idx="0">
+              <a:scrgbClr r="0" g="0" b="0"/>
+            </a:effectRef>
+            <a:fontRef idx="minor">
+              <a:schemeClr val="dk1">
+                <a:hueOff val="0"/>
+                <a:satOff val="0"/>
+                <a:lumOff val="0"/>
+                <a:alphaOff val="0"/>
+              </a:schemeClr>
+            </a:fontRef>
+          </p:style>
+          <p:txBody>
+            <a:bodyPr spcFirstLastPara="0" vert="horz" wrap="square" lIns="52007" tIns="34671" rIns="17336" bIns="34671" numCol="1" spcCol="1270" anchor="ctr" anchorCtr="0">
+              <a:noAutofit/>
+            </a:bodyPr>
+            <a:lstStyle/>
+            <a:p>
+              <a:pPr lvl="0" algn="ctr" defTabSz="577850">
+                <a:lnSpc>
+                  <a:spcPct val="90000"/>
+                </a:lnSpc>
+                <a:spcBef>
+                  <a:spcPct val="0"/>
+                </a:spcBef>
+                <a:spcAft>
+                  <a:spcPct val="35000"/>
+                </a:spcAft>
+              </a:pPr>
+              <a:r>
+                <a:rPr lang="en-US" sz="1300" kern="1200" dirty="0" smtClean="0">
+                  <a:solidFill>
+                    <a:schemeClr val="bg1"/>
+                  </a:solidFill>
+                  <a:latin typeface="Times New Roman" panose="02020603050405020304" pitchFamily="18" charset="0"/>
+                  <a:cs typeface="Times New Roman" panose="02020603050405020304" pitchFamily="18" charset="0"/>
+                </a:rPr>
+                <a:t>Conclusion</a:t>
+              </a:r>
+              <a:endParaRPr lang="en-US" sz="1300" kern="1200" dirty="0">
+                <a:solidFill>
+                  <a:schemeClr val="bg1"/>
+                </a:solidFill>
+                <a:latin typeface="Times New Roman" panose="02020603050405020304" pitchFamily="18" charset="0"/>
+                <a:cs typeface="Times New Roman" panose="02020603050405020304" pitchFamily="18" charset="0"/>
+              </a:endParaRPr>
+            </a:p>
+          </p:txBody>
+        </p:sp>
+      </p:grpSp>
+      <p:sp>
+        <p:nvSpPr>
+          <p:cNvPr id="7" name="TextBox 6"/>
+          <p:cNvSpPr txBox="1"/>
+          <p:nvPr/>
+        </p:nvSpPr>
+        <p:spPr>
+          <a:xfrm>
+            <a:off x="714374" y="1401754"/>
+            <a:ext cx="7591426" cy="2462213"/>
+          </a:xfrm>
+          <a:prstGeom prst="rect">
+            <a:avLst/>
+          </a:prstGeom>
+          <a:noFill/>
+        </p:spPr>
+        <p:txBody>
+          <a:bodyPr wrap="square" rtlCol="0">
+            <a:spAutoFit/>
+          </a:bodyPr>
+          <a:lstStyle/>
+          <a:p>
+            <a:pPr marL="342900" indent="-342900">
+              <a:buClr>
+                <a:srgbClr val="990000"/>
+              </a:buClr>
+              <a:buFont typeface="Wingdings" panose="05000000000000000000" pitchFamily="2" charset="2"/>
+              <a:buChar char="q"/>
+            </a:pPr>
+            <a:r>
+              <a:rPr lang="en-US" sz="2000" dirty="0" smtClean="0">
+                <a:latin typeface="Times New Roman" panose="02020603050405020304" pitchFamily="18" charset="0"/>
+                <a:cs typeface="Times New Roman" panose="02020603050405020304" pitchFamily="18" charset="0"/>
+              </a:rPr>
+              <a:t>Proposed framework to decongest the Citi Bike network via convex optimization</a:t>
+            </a:r>
+          </a:p>
+          <a:p>
+            <a:pPr marL="800100" lvl="1" indent="-342900">
+              <a:buClr>
+                <a:srgbClr val="990000"/>
+              </a:buClr>
+              <a:buFont typeface="Wingdings" panose="05000000000000000000" pitchFamily="2" charset="2"/>
+              <a:buChar char="q"/>
+            </a:pPr>
+            <a:r>
+              <a:rPr lang="en-US" sz="2000" dirty="0" smtClean="0">
+                <a:latin typeface="Times New Roman" panose="02020603050405020304" pitchFamily="18" charset="0"/>
+                <a:cs typeface="Times New Roman" panose="02020603050405020304" pitchFamily="18" charset="0"/>
+              </a:rPr>
+              <a:t>Capable of simulating movement patterns of anytime throughout the year</a:t>
+            </a:r>
+          </a:p>
+          <a:p>
+            <a:pPr marL="800100" lvl="1" indent="-342900">
+              <a:buClr>
+                <a:srgbClr val="990000"/>
+              </a:buClr>
+              <a:buFont typeface="Wingdings" panose="05000000000000000000" pitchFamily="2" charset="2"/>
+              <a:buChar char="q"/>
+            </a:pPr>
+            <a:r>
+              <a:rPr lang="en-US" sz="1800" dirty="0" smtClean="0">
+                <a:latin typeface="Times New Roman" panose="02020603050405020304" pitchFamily="18" charset="0"/>
+                <a:cs typeface="Times New Roman" panose="02020603050405020304" pitchFamily="18" charset="0"/>
+              </a:rPr>
+              <a:t>Currently using randomized incentives and probability distributions</a:t>
+            </a:r>
+            <a:endParaRPr lang="en-US" sz="2000" dirty="0" smtClean="0">
+              <a:latin typeface="Times New Roman" panose="02020603050405020304" pitchFamily="18" charset="0"/>
+              <a:cs typeface="Times New Roman" panose="02020603050405020304" pitchFamily="18" charset="0"/>
+            </a:endParaRPr>
+          </a:p>
+          <a:p>
+            <a:pPr marL="342900" indent="-342900">
+              <a:buClr>
+                <a:srgbClr val="990000"/>
+              </a:buClr>
+              <a:buFont typeface="Wingdings" panose="05000000000000000000" pitchFamily="2" charset="2"/>
+              <a:buChar char="q"/>
+            </a:pPr>
+            <a:r>
+              <a:rPr lang="en-US" sz="2000" dirty="0" smtClean="0">
+                <a:latin typeface="Times New Roman" panose="02020603050405020304" pitchFamily="18" charset="0"/>
+                <a:cs typeface="Times New Roman" panose="02020603050405020304" pitchFamily="18" charset="0"/>
+              </a:rPr>
+              <a:t>M3 Sneak Peek</a:t>
+            </a:r>
+          </a:p>
+          <a:p>
+            <a:pPr marL="800100" lvl="1" indent="-342900">
+              <a:buClr>
+                <a:srgbClr val="990000"/>
+              </a:buClr>
+              <a:buFont typeface="Wingdings" panose="05000000000000000000" pitchFamily="2" charset="2"/>
+              <a:buChar char="q"/>
+            </a:pPr>
+            <a:r>
+              <a:rPr lang="en-US" sz="1800" dirty="0">
+                <a:latin typeface="Times New Roman" panose="02020603050405020304" pitchFamily="18" charset="0"/>
+                <a:cs typeface="Times New Roman" panose="02020603050405020304" pitchFamily="18" charset="0"/>
+              </a:rPr>
+              <a:t>Solve the convex optimization problem </a:t>
+            </a:r>
+            <a:endParaRPr lang="en-US" sz="1800" dirty="0" smtClean="0">
+              <a:latin typeface="Times New Roman" panose="02020603050405020304" pitchFamily="18" charset="0"/>
+              <a:cs typeface="Times New Roman" panose="02020603050405020304" pitchFamily="18" charset="0"/>
+            </a:endParaRPr>
+          </a:p>
+          <a:p>
+            <a:pPr marL="800100" lvl="1" indent="-342900">
+              <a:buClr>
+                <a:srgbClr val="990000"/>
+              </a:buClr>
+              <a:buFont typeface="Wingdings" panose="05000000000000000000" pitchFamily="2" charset="2"/>
+              <a:buChar char="q"/>
+            </a:pPr>
+            <a:r>
+              <a:rPr lang="en-US" sz="1800" dirty="0" smtClean="0">
+                <a:latin typeface="Times New Roman" panose="02020603050405020304" pitchFamily="18" charset="0"/>
+                <a:cs typeface="Times New Roman" panose="02020603050405020304" pitchFamily="18" charset="0"/>
+              </a:rPr>
+              <a:t>Incorporate </a:t>
+            </a:r>
+            <a:r>
+              <a:rPr lang="en-US" sz="1800" dirty="0">
+                <a:latin typeface="Times New Roman" panose="02020603050405020304" pitchFamily="18" charset="0"/>
+                <a:cs typeface="Times New Roman" panose="02020603050405020304" pitchFamily="18" charset="0"/>
+              </a:rPr>
+              <a:t>the </a:t>
+            </a:r>
+            <a:r>
+              <a:rPr lang="en-US" sz="1800" dirty="0" smtClean="0">
+                <a:latin typeface="Times New Roman" panose="02020603050405020304" pitchFamily="18" charset="0"/>
+                <a:cs typeface="Times New Roman" panose="02020603050405020304" pitchFamily="18" charset="0"/>
+              </a:rPr>
+              <a:t>solution to </a:t>
+            </a:r>
+            <a:r>
+              <a:rPr lang="en-US" sz="1800" dirty="0">
+                <a:latin typeface="Times New Roman" panose="02020603050405020304" pitchFamily="18" charset="0"/>
+                <a:cs typeface="Times New Roman" panose="02020603050405020304" pitchFamily="18" charset="0"/>
+              </a:rPr>
+              <a:t>the present </a:t>
+            </a:r>
+            <a:r>
+              <a:rPr lang="en-US" sz="1800" dirty="0" smtClean="0">
+                <a:latin typeface="Times New Roman" panose="02020603050405020304" pitchFamily="18" charset="0"/>
+                <a:cs typeface="Times New Roman" panose="02020603050405020304" pitchFamily="18" charset="0"/>
+              </a:rPr>
+              <a:t>framework</a:t>
+            </a:r>
+            <a:endParaRPr lang="en-US" sz="1800" dirty="0">
+              <a:latin typeface="Times New Roman" panose="02020603050405020304" pitchFamily="18" charset="0"/>
+              <a:cs typeface="Times New Roman" panose="02020603050405020304" pitchFamily="18" charset="0"/>
+            </a:endParaRPr>
+          </a:p>
+        </p:txBody>
+      </p:sp>
+    </p:spTree>
+    <p:extLst>
+      <p:ext uri="{BB962C8B-B14F-4D97-AF65-F5344CB8AC3E}">
+        <p14:creationId xmlns:p14="http://schemas.microsoft.com/office/powerpoint/2010/main" val="3028920743"/>
+      </p:ext>
+    </p:extLst>
+  </p:cSld>
+  <p:clrMapOvr>
+    <a:masterClrMapping/>
+  </p:clrMapOvr>
+  <p:timing>
+    <p:tnLst>
+      <p:par>
+        <p:cTn id="1" dur="indefinite" restart="never" nodeType="tmRoot"/>
+      </p:par>
+    </p:tnLst>
+  </p:timing>
 </p:sld>
 </file>
 
@@ -7979,4 +11694,265 @@
     </a:ext>
   </a:extLst>
 </a:theme>
+</file>
+
+<file path=ppt/theme/theme2.xml><?xml version="1.0" encoding="utf-8"?>
+<a:theme xmlns:a="http://schemas.openxmlformats.org/drawingml/2006/main" name="Office Theme">
+  <a:themeElements>
+    <a:clrScheme name="Office">
+      <a:dk1>
+        <a:sysClr val="windowText" lastClr="000000"/>
+      </a:dk1>
+      <a:lt1>
+        <a:sysClr val="window" lastClr="FFFFFF"/>
+      </a:lt1>
+      <a:dk2>
+        <a:srgbClr val="44546A"/>
+      </a:dk2>
+      <a:lt2>
+        <a:srgbClr val="E7E6E6"/>
+      </a:lt2>
+      <a:accent1>
+        <a:srgbClr val="5B9BD5"/>
+      </a:accent1>
+      <a:accent2>
+        <a:srgbClr val="ED7D31"/>
+      </a:accent2>
+      <a:accent3>
+        <a:srgbClr val="A5A5A5"/>
+      </a:accent3>
+      <a:accent4>
+        <a:srgbClr val="FFC000"/>
+      </a:accent4>
+      <a:accent5>
+        <a:srgbClr val="4472C4"/>
+      </a:accent5>
+      <a:accent6>
+        <a:srgbClr val="70AD47"/>
+      </a:accent6>
+      <a:hlink>
+        <a:srgbClr val="0563C1"/>
+      </a:hlink>
+      <a:folHlink>
+        <a:srgbClr val="954F72"/>
+      </a:folHlink>
+    </a:clrScheme>
+    <a:fontScheme name="Office">
+      <a:majorFont>
+        <a:latin typeface="Calibri Light" panose="020F0302020204030204"/>
+        <a:ea typeface=""/>
+        <a:cs typeface=""/>
+        <a:font script="Jpan" typeface="ＭＳ Ｐゴシック"/>
+        <a:font script="Hang" typeface="맑은 고딕"/>
+        <a:font script="Hans" typeface="宋体"/>
+        <a:font script="Hant" typeface="新細明體"/>
+        <a:font script="Arab" typeface="Times New Roman"/>
+        <a:font script="Hebr" typeface="Times New Roman"/>
+        <a:font script="Thai" typeface="Angsana New"/>
+        <a:font script="Ethi" typeface="Nyala"/>
+        <a:font script="Beng" typeface="Vrinda"/>
+        <a:font script="Gujr" typeface="Shruti"/>
+        <a:font script="Khmr" typeface="MoolBoran"/>
+        <a:font script="Knda" typeface="Tunga"/>
+        <a:font script="Guru" typeface="Raavi"/>
+        <a:font script="Cans" typeface="Euphemia"/>
+        <a:font script="Cher" typeface="Plantagenet Cherokee"/>
+        <a:font script="Yiii" typeface="Microsoft Yi Baiti"/>
+        <a:font script="Tibt" typeface="Microsoft Himalaya"/>
+        <a:font script="Thaa" typeface="MV Boli"/>
+        <a:font script="Deva" typeface="Mangal"/>
+        <a:font script="Telu" typeface="Gautami"/>
+        <a:font script="Taml" typeface="Latha"/>
+        <a:font script="Syrc" typeface="Estrangelo Edessa"/>
+        <a:font script="Orya" typeface="Kalinga"/>
+        <a:font script="Mlym" typeface="Kartika"/>
+        <a:font script="Laoo" typeface="DokChampa"/>
+        <a:font script="Sinh" typeface="Iskoola Pota"/>
+        <a:font script="Mong" typeface="Mongolian Baiti"/>
+        <a:font script="Viet" typeface="Times New Roman"/>
+        <a:font script="Uigh" typeface="Microsoft Uighur"/>
+        <a:font script="Geor" typeface="Sylfaen"/>
+      </a:majorFont>
+      <a:minorFont>
+        <a:latin typeface="Calibri" panose="020F0502020204030204"/>
+        <a:ea typeface=""/>
+        <a:cs typeface=""/>
+        <a:font script="Jpan" typeface="ＭＳ Ｐゴシック"/>
+        <a:font script="Hang" typeface="맑은 고딕"/>
+        <a:font script="Hans" typeface="宋体"/>
+        <a:font script="Hant" typeface="新細明體"/>
+        <a:font script="Arab" typeface="Arial"/>
+        <a:font script="Hebr" typeface="Arial"/>
+        <a:font script="Thai" typeface="Cordia New"/>
+        <a:font script="Ethi" typeface="Nyala"/>
+        <a:font script="Beng" typeface="Vrinda"/>
+        <a:font script="Gujr" typeface="Shruti"/>
+        <a:font script="Khmr" typeface="DaunPenh"/>
+        <a:font script="Knda" typeface="Tunga"/>
+        <a:font script="Guru" typeface="Raavi"/>
+        <a:font script="Cans" typeface="Euphemia"/>
+        <a:font script="Cher" typeface="Plantagenet Cherokee"/>
+        <a:font script="Yiii" typeface="Microsoft Yi Baiti"/>
+        <a:font script="Tibt" typeface="Microsoft Himalaya"/>
+        <a:font script="Thaa" typeface="MV Boli"/>
+        <a:font script="Deva" typeface="Mangal"/>
+        <a:font script="Telu" typeface="Gautami"/>
+        <a:font script="Taml" typeface="Latha"/>
+        <a:font script="Syrc" typeface="Estrangelo Edessa"/>
+        <a:font script="Orya" typeface="Kalinga"/>
+        <a:font script="Mlym" typeface="Kartika"/>
+        <a:font script="Laoo" typeface="DokChampa"/>
+        <a:font script="Sinh" typeface="Iskoola Pota"/>
+        <a:font script="Mong" typeface="Mongolian Baiti"/>
+        <a:font script="Viet" typeface="Arial"/>
+        <a:font script="Uigh" typeface="Microsoft Uighur"/>
+        <a:font script="Geor" typeface="Sylfaen"/>
+      </a:minorFont>
+    </a:fontScheme>
+    <a:fmtScheme name="Office">
+      <a:fillStyleLst>
+        <a:solidFill>
+          <a:schemeClr val="phClr"/>
+        </a:solidFill>
+        <a:gradFill rotWithShape="1">
+          <a:gsLst>
+            <a:gs pos="0">
+              <a:schemeClr val="phClr">
+                <a:lumMod val="110000"/>
+                <a:satMod val="105000"/>
+                <a:tint val="67000"/>
+              </a:schemeClr>
+            </a:gs>
+            <a:gs pos="50000">
+              <a:schemeClr val="phClr">
+                <a:lumMod val="105000"/>
+                <a:satMod val="103000"/>
+                <a:tint val="73000"/>
+              </a:schemeClr>
+            </a:gs>
+            <a:gs pos="100000">
+              <a:schemeClr val="phClr">
+                <a:lumMod val="105000"/>
+                <a:satMod val="109000"/>
+                <a:tint val="81000"/>
+              </a:schemeClr>
+            </a:gs>
+          </a:gsLst>
+          <a:lin ang="5400000" scaled="0"/>
+        </a:gradFill>
+        <a:gradFill rotWithShape="1">
+          <a:gsLst>
+            <a:gs pos="0">
+              <a:schemeClr val="phClr">
+                <a:satMod val="103000"/>
+                <a:lumMod val="102000"/>
+                <a:tint val="94000"/>
+              </a:schemeClr>
+            </a:gs>
+            <a:gs pos="50000">
+              <a:schemeClr val="phClr">
+                <a:satMod val="110000"/>
+                <a:lumMod val="100000"/>
+                <a:shade val="100000"/>
+              </a:schemeClr>
+            </a:gs>
+            <a:gs pos="100000">
+              <a:schemeClr val="phClr">
+                <a:lumMod val="99000"/>
+                <a:satMod val="120000"/>
+                <a:shade val="78000"/>
+              </a:schemeClr>
+            </a:gs>
+          </a:gsLst>
+          <a:lin ang="5400000" scaled="0"/>
+        </a:gradFill>
+      </a:fillStyleLst>
+      <a:lnStyleLst>
+        <a:ln w="6350" cap="flat" cmpd="sng" algn="ctr">
+          <a:solidFill>
+            <a:schemeClr val="phClr"/>
+          </a:solidFill>
+          <a:prstDash val="solid"/>
+          <a:miter lim="800000"/>
+        </a:ln>
+        <a:ln w="12700" cap="flat" cmpd="sng" algn="ctr">
+          <a:solidFill>
+            <a:schemeClr val="phClr"/>
+          </a:solidFill>
+          <a:prstDash val="solid"/>
+          <a:miter lim="800000"/>
+        </a:ln>
+        <a:ln w="19050" cap="flat" cmpd="sng" algn="ctr">
+          <a:solidFill>
+            <a:schemeClr val="phClr"/>
+          </a:solidFill>
+          <a:prstDash val="solid"/>
+          <a:miter lim="800000"/>
+        </a:ln>
+      </a:lnStyleLst>
+      <a:effectStyleLst>
+        <a:effectStyle>
+          <a:effectLst/>
+        </a:effectStyle>
+        <a:effectStyle>
+          <a:effectLst/>
+        </a:effectStyle>
+        <a:effectStyle>
+          <a:effectLst>
+            <a:outerShdw blurRad="57150" dist="19050" dir="5400000" algn="ctr" rotWithShape="0">
+              <a:srgbClr val="000000">
+                <a:alpha val="63000"/>
+              </a:srgbClr>
+            </a:outerShdw>
+          </a:effectLst>
+        </a:effectStyle>
+      </a:effectStyleLst>
+      <a:bgFillStyleLst>
+        <a:solidFill>
+          <a:schemeClr val="phClr"/>
+        </a:solidFill>
+        <a:solidFill>
+          <a:schemeClr val="phClr">
+            <a:tint val="95000"/>
+            <a:satMod val="170000"/>
+          </a:schemeClr>
+        </a:solidFill>
+        <a:gradFill rotWithShape="1">
+          <a:gsLst>
+            <a:gs pos="0">
+              <a:schemeClr val="phClr">
+                <a:tint val="93000"/>
+                <a:satMod val="150000"/>
+                <a:shade val="98000"/>
+                <a:lumMod val="102000"/>
+              </a:schemeClr>
+            </a:gs>
+            <a:gs pos="50000">
+              <a:schemeClr val="phClr">
+                <a:tint val="98000"/>
+                <a:satMod val="130000"/>
+                <a:shade val="90000"/>
+                <a:lumMod val="103000"/>
+              </a:schemeClr>
+            </a:gs>
+            <a:gs pos="100000">
+              <a:schemeClr val="phClr">
+                <a:shade val="63000"/>
+                <a:satMod val="120000"/>
+              </a:schemeClr>
+            </a:gs>
+          </a:gsLst>
+          <a:lin ang="5400000" scaled="0"/>
+        </a:gradFill>
+      </a:bgFillStyleLst>
+    </a:fmtScheme>
+  </a:themeElements>
+  <a:objectDefaults/>
+  <a:extraClrSchemeLst/>
+  <a:extLst>
+    <a:ext uri="{05A4C25C-085E-4340-85A3-A5531E510DB2}">
+      <thm15:themeFamily xmlns:thm15="http://schemas.microsoft.com/office/thememl/2012/main" name="Office Theme" id="{62F939B6-93AF-4DB8-9C6B-D6C7DFDC589F}" vid="{4A3C46E8-61CC-4603-A589-7422A47A8E4A}"/>
+    </a:ext>
+  </a:extLst>
+</a:theme>
 </file>
--- a/M2/pfriffi1_xiaoxiaj_m2_slides.pptx
+++ b/M2/pfriffi1_xiaoxiaj_m2_slides.pptx
@@ -243,7 +243,7 @@
           <a:p>
             <a:fld id="{21AACA94-EF5F-467D-ACD5-1C03865729BF}" type="datetimeFigureOut">
               <a:rPr lang="en-US" smtClean="0"/>
-              <a:t>11/8/2016</a:t>
+              <a:t>11/9/2016</a:t>
             </a:fld>
             <a:endParaRPr lang="en-US"/>
           </a:p>
@@ -7996,11 +7996,7 @@
             </a:r>
             <a:r>
               <a:rPr lang="en-US" dirty="0" smtClean="0"/>
-              <a:t>iti </a:t>
-            </a:r>
-            <a:r>
-              <a:rPr lang="en-US" dirty="0" smtClean="0"/>
-              <a:t>Bike Network</a:t>
+              <a:t>iti Bike Network</a:t>
             </a:r>
             <a:endParaRPr lang="en-US" dirty="0"/>
           </a:p>
@@ -9455,14 +9451,7 @@
                 <a:latin typeface="Times New Roman" panose="02020603050405020304" pitchFamily="18" charset="0"/>
                 <a:cs typeface="Times New Roman" panose="02020603050405020304" pitchFamily="18" charset="0"/>
               </a:rPr>
-              <a:t>The System: a set of </a:t>
-            </a:r>
-            <a:r>
-              <a:rPr lang="en-US" sz="2000" dirty="0" smtClean="0">
-                <a:latin typeface="Times New Roman" panose="02020603050405020304" pitchFamily="18" charset="0"/>
-                <a:cs typeface="Times New Roman" panose="02020603050405020304" pitchFamily="18" charset="0"/>
-              </a:rPr>
-              <a:t>stations</a:t>
+              <a:t>The System: a set of stations</a:t>
             </a:r>
           </a:p>
           <a:p>
@@ -9534,21 +9523,7 @@
                 <a:latin typeface="Times New Roman" panose="02020603050405020304" pitchFamily="18" charset="0"/>
                 <a:cs typeface="Times New Roman" panose="02020603050405020304" pitchFamily="18" charset="0"/>
               </a:rPr>
-              <a:t>Recommend </a:t>
-            </a:r>
-            <a:r>
-              <a:rPr lang="en-US" sz="1800" dirty="0" smtClean="0">
-                <a:latin typeface="Times New Roman" panose="02020603050405020304" pitchFamily="18" charset="0"/>
-                <a:cs typeface="Times New Roman" panose="02020603050405020304" pitchFamily="18" charset="0"/>
-              </a:rPr>
-              <a:t>sets of candidate </a:t>
-            </a:r>
-            <a:r>
-              <a:rPr lang="en-US" sz="1800" dirty="0" smtClean="0">
-                <a:latin typeface="Times New Roman" panose="02020603050405020304" pitchFamily="18" charset="0"/>
-                <a:cs typeface="Times New Roman" panose="02020603050405020304" pitchFamily="18" charset="0"/>
-              </a:rPr>
-              <a:t>stations for pick-up and drop-off</a:t>
+              <a:t>Recommend sets of candidate stations for pick-up and drop-off</a:t>
             </a:r>
           </a:p>
           <a:p>
@@ -11017,7 +10992,14 @@
                 <a:latin typeface="Times New Roman" panose="02020603050405020304" pitchFamily="18" charset="0"/>
                 <a:cs typeface="Times New Roman" panose="02020603050405020304" pitchFamily="18" charset="0"/>
               </a:rPr>
-              <a:t>solution to </a:t>
+              <a:t>solutions </a:t>
+            </a:r>
+            <a:r>
+              <a:rPr lang="en-US" sz="1800" dirty="0" smtClean="0">
+                <a:latin typeface="Times New Roman" panose="02020603050405020304" pitchFamily="18" charset="0"/>
+                <a:cs typeface="Times New Roman" panose="02020603050405020304" pitchFamily="18" charset="0"/>
+              </a:rPr>
+              <a:t>to </a:t>
             </a:r>
             <a:r>
               <a:rPr lang="en-US" sz="1800" dirty="0">
